--- a/GENAI_W3.pptx
+++ b/GENAI_W3.pptx
@@ -13496,7 +13496,7 @@
                 <a:cs typeface="Poppins"/>
                 <a:sym typeface="Poppins"/>
               </a:rPr>
-              <a:t>aplpications</a:t>
+              <a:t>applications</a:t>
             </a:r>
             <a:r>
               <a:rPr lang="pl-PL" sz="2800" b="1" dirty="0">

--- a/GENAI_W3.pptx
+++ b/GENAI_W3.pptx
@@ -5,7 +5,7 @@
     <p:sldMasterId id="2147483648" r:id="rId1"/>
   </p:sldMasterIdLst>
   <p:notesMasterIdLst>
-    <p:notesMasterId r:id="rId39"/>
+    <p:notesMasterId r:id="rId44"/>
   </p:notesMasterIdLst>
   <p:sldIdLst>
     <p:sldId id="256" r:id="rId2"/>
@@ -35,16 +35,21 @@
     <p:sldId id="410" r:id="rId26"/>
     <p:sldId id="407" r:id="rId27"/>
     <p:sldId id="399" r:id="rId28"/>
-    <p:sldId id="402" r:id="rId29"/>
-    <p:sldId id="403" r:id="rId30"/>
-    <p:sldId id="405" r:id="rId31"/>
-    <p:sldId id="404" r:id="rId32"/>
-    <p:sldId id="406" r:id="rId33"/>
-    <p:sldId id="400" r:id="rId34"/>
-    <p:sldId id="401" r:id="rId35"/>
-    <p:sldId id="411" r:id="rId36"/>
-    <p:sldId id="413" r:id="rId37"/>
-    <p:sldId id="412" r:id="rId38"/>
+    <p:sldId id="418" r:id="rId29"/>
+    <p:sldId id="414" r:id="rId30"/>
+    <p:sldId id="415" r:id="rId31"/>
+    <p:sldId id="416" r:id="rId32"/>
+    <p:sldId id="417" r:id="rId33"/>
+    <p:sldId id="402" r:id="rId34"/>
+    <p:sldId id="403" r:id="rId35"/>
+    <p:sldId id="405" r:id="rId36"/>
+    <p:sldId id="404" r:id="rId37"/>
+    <p:sldId id="406" r:id="rId38"/>
+    <p:sldId id="400" r:id="rId39"/>
+    <p:sldId id="401" r:id="rId40"/>
+    <p:sldId id="411" r:id="rId41"/>
+    <p:sldId id="413" r:id="rId42"/>
+    <p:sldId id="412" r:id="rId43"/>
   </p:sldIdLst>
   <p:sldSz cx="12192000" cy="6858000"/>
   <p:notesSz cx="6858000" cy="9144000"/>
@@ -270,7 +275,7 @@
           <a:p>
             <a:fld id="{442AD13C-532C-48A9-AF48-A57AEED0EC6D}" type="datetimeFigureOut">
               <a:rPr lang="en-GB" smtClean="0"/>
-              <a:t>29/03/2025</a:t>
+              <a:t>09/01/2026</a:t>
             </a:fld>
             <a:endParaRPr lang="en-GB"/>
           </a:p>
@@ -998,7 +1003,7 @@
           <a:p>
             <a:fld id="{0A86E63F-5599-483C-B362-002622C1C35D}" type="slidenum">
               <a:rPr lang="en-GB" smtClean="0"/>
-              <a:t>29</a:t>
+              <a:t>34</a:t>
             </a:fld>
             <a:endParaRPr lang="en-GB"/>
           </a:p>
@@ -1106,7 +1111,7 @@
           <a:p>
             <a:fld id="{0A86E63F-5599-483C-B362-002622C1C35D}" type="slidenum">
               <a:rPr lang="en-GB" smtClean="0"/>
-              <a:t>30</a:t>
+              <a:t>35</a:t>
             </a:fld>
             <a:endParaRPr lang="en-GB"/>
           </a:p>
@@ -1214,7 +1219,7 @@
           <a:p>
             <a:fld id="{0A86E63F-5599-483C-B362-002622C1C35D}" type="slidenum">
               <a:rPr lang="en-GB" smtClean="0"/>
-              <a:t>32</a:t>
+              <a:t>37</a:t>
             </a:fld>
             <a:endParaRPr lang="en-GB"/>
           </a:p>
@@ -1393,7 +1398,7 @@
             </a:pPr>
             <a:fld id="{00000000-1234-1234-1234-123412341234}" type="slidenum">
               <a:rPr lang="pl-PL"/>
-              <a:t>34</a:t>
+              <a:t>39</a:t>
             </a:fld>
             <a:endParaRPr/>
           </a:p>
@@ -1572,7 +1577,7 @@
             </a:pPr>
             <a:fld id="{00000000-1234-1234-1234-123412341234}" type="slidenum">
               <a:rPr lang="pl-PL"/>
-              <a:t>35</a:t>
+              <a:t>40</a:t>
             </a:fld>
             <a:endParaRPr/>
           </a:p>
@@ -1751,7 +1756,7 @@
             </a:pPr>
             <a:fld id="{00000000-1234-1234-1234-123412341234}" type="slidenum">
               <a:rPr lang="pl-PL"/>
-              <a:t>36</a:t>
+              <a:t>41</a:t>
             </a:fld>
             <a:endParaRPr/>
           </a:p>
@@ -1930,7 +1935,7 @@
             </a:pPr>
             <a:fld id="{00000000-1234-1234-1234-123412341234}" type="slidenum">
               <a:rPr lang="pl-PL"/>
-              <a:t>37</a:t>
+              <a:t>42</a:t>
             </a:fld>
             <a:endParaRPr/>
           </a:p>
@@ -3530,7 +3535,7 @@
           <a:p>
             <a:fld id="{32F2E453-D685-4586-AF87-0ABDA9DFFD66}" type="datetimeFigureOut">
               <a:rPr lang="en-GB" smtClean="0"/>
-              <a:t>29/03/2025</a:t>
+              <a:t>09/01/2026</a:t>
             </a:fld>
             <a:endParaRPr lang="en-GB"/>
           </a:p>
@@ -3730,7 +3735,7 @@
           <a:p>
             <a:fld id="{32F2E453-D685-4586-AF87-0ABDA9DFFD66}" type="datetimeFigureOut">
               <a:rPr lang="en-GB" smtClean="0"/>
-              <a:t>29/03/2025</a:t>
+              <a:t>09/01/2026</a:t>
             </a:fld>
             <a:endParaRPr lang="en-GB"/>
           </a:p>
@@ -3940,7 +3945,7 @@
           <a:p>
             <a:fld id="{32F2E453-D685-4586-AF87-0ABDA9DFFD66}" type="datetimeFigureOut">
               <a:rPr lang="en-GB" smtClean="0"/>
-              <a:t>29/03/2025</a:t>
+              <a:t>09/01/2026</a:t>
             </a:fld>
             <a:endParaRPr lang="en-GB"/>
           </a:p>
@@ -4140,7 +4145,7 @@
           <a:p>
             <a:fld id="{32F2E453-D685-4586-AF87-0ABDA9DFFD66}" type="datetimeFigureOut">
               <a:rPr lang="en-GB" smtClean="0"/>
-              <a:t>29/03/2025</a:t>
+              <a:t>09/01/2026</a:t>
             </a:fld>
             <a:endParaRPr lang="en-GB"/>
           </a:p>
@@ -4416,7 +4421,7 @@
           <a:p>
             <a:fld id="{32F2E453-D685-4586-AF87-0ABDA9DFFD66}" type="datetimeFigureOut">
               <a:rPr lang="en-GB" smtClean="0"/>
-              <a:t>29/03/2025</a:t>
+              <a:t>09/01/2026</a:t>
             </a:fld>
             <a:endParaRPr lang="en-GB"/>
           </a:p>
@@ -4684,7 +4689,7 @@
           <a:p>
             <a:fld id="{32F2E453-D685-4586-AF87-0ABDA9DFFD66}" type="datetimeFigureOut">
               <a:rPr lang="en-GB" smtClean="0"/>
-              <a:t>29/03/2025</a:t>
+              <a:t>09/01/2026</a:t>
             </a:fld>
             <a:endParaRPr lang="en-GB"/>
           </a:p>
@@ -5099,7 +5104,7 @@
           <a:p>
             <a:fld id="{32F2E453-D685-4586-AF87-0ABDA9DFFD66}" type="datetimeFigureOut">
               <a:rPr lang="en-GB" smtClean="0"/>
-              <a:t>29/03/2025</a:t>
+              <a:t>09/01/2026</a:t>
             </a:fld>
             <a:endParaRPr lang="en-GB"/>
           </a:p>
@@ -5241,7 +5246,7 @@
           <a:p>
             <a:fld id="{32F2E453-D685-4586-AF87-0ABDA9DFFD66}" type="datetimeFigureOut">
               <a:rPr lang="en-GB" smtClean="0"/>
-              <a:t>29/03/2025</a:t>
+              <a:t>09/01/2026</a:t>
             </a:fld>
             <a:endParaRPr lang="en-GB"/>
           </a:p>
@@ -5354,7 +5359,7 @@
           <a:p>
             <a:fld id="{32F2E453-D685-4586-AF87-0ABDA9DFFD66}" type="datetimeFigureOut">
               <a:rPr lang="en-GB" smtClean="0"/>
-              <a:t>29/03/2025</a:t>
+              <a:t>09/01/2026</a:t>
             </a:fld>
             <a:endParaRPr lang="en-GB"/>
           </a:p>
@@ -5667,7 +5672,7 @@
           <a:p>
             <a:fld id="{32F2E453-D685-4586-AF87-0ABDA9DFFD66}" type="datetimeFigureOut">
               <a:rPr lang="en-GB" smtClean="0"/>
-              <a:t>29/03/2025</a:t>
+              <a:t>09/01/2026</a:t>
             </a:fld>
             <a:endParaRPr lang="en-GB"/>
           </a:p>
@@ -5956,7 +5961,7 @@
           <a:p>
             <a:fld id="{32F2E453-D685-4586-AF87-0ABDA9DFFD66}" type="datetimeFigureOut">
               <a:rPr lang="en-GB" smtClean="0"/>
-              <a:t>29/03/2025</a:t>
+              <a:t>09/01/2026</a:t>
             </a:fld>
             <a:endParaRPr lang="en-GB"/>
           </a:p>
@@ -6199,7 +6204,7 @@
           <a:p>
             <a:fld id="{32F2E453-D685-4586-AF87-0ABDA9DFFD66}" type="datetimeFigureOut">
               <a:rPr lang="en-GB" smtClean="0"/>
-              <a:t>29/03/2025</a:t>
+              <a:t>09/01/2026</a:t>
             </a:fld>
             <a:endParaRPr lang="en-GB"/>
           </a:p>
@@ -16724,7 +16729,7 @@
         <p:cNvPr id="1" name="">
           <a:extLst>
             <a:ext uri="{FF2B5EF4-FFF2-40B4-BE49-F238E27FC236}">
-              <a16:creationId xmlns:a16="http://schemas.microsoft.com/office/drawing/2014/main" id="{311E8D59-09C5-8C5D-9B68-E0CC94D7316F}"/>
+              <a16:creationId xmlns:a16="http://schemas.microsoft.com/office/drawing/2014/main" id="{2D365DC0-5B80-F7E2-6516-F33EC0602516}"/>
             </a:ext>
           </a:extLst>
         </p:cNvPr>
@@ -16741,59 +16746,10 @@
       </p:grpSpPr>
       <p:sp>
         <p:nvSpPr>
-          <p:cNvPr id="3" name="Prostokąt 2">
+          <p:cNvPr id="2" name="Tytuł 1">
             <a:extLst>
               <a:ext uri="{FF2B5EF4-FFF2-40B4-BE49-F238E27FC236}">
-                <a16:creationId xmlns:a16="http://schemas.microsoft.com/office/drawing/2014/main" id="{C5EE6E12-00FE-AAFB-2301-D188EDBE9818}"/>
-              </a:ext>
-            </a:extLst>
-          </p:cNvPr>
-          <p:cNvSpPr/>
-          <p:nvPr/>
-        </p:nvSpPr>
-        <p:spPr>
-          <a:xfrm>
-            <a:off x="0" y="0"/>
-            <a:ext cx="12192000" cy="6858000"/>
-          </a:xfrm>
-          <a:prstGeom prst="rect">
-            <a:avLst/>
-          </a:prstGeom>
-          <a:solidFill>
-            <a:srgbClr val="002060"/>
-          </a:solidFill>
-        </p:spPr>
-        <p:style>
-          <a:lnRef idx="2">
-            <a:schemeClr val="accent1">
-              <a:shade val="15000"/>
-            </a:schemeClr>
-          </a:lnRef>
-          <a:fillRef idx="1">
-            <a:schemeClr val="accent1"/>
-          </a:fillRef>
-          <a:effectRef idx="0">
-            <a:schemeClr val="accent1"/>
-          </a:effectRef>
-          <a:fontRef idx="minor">
-            <a:schemeClr val="lt1"/>
-          </a:fontRef>
-        </p:style>
-        <p:txBody>
-          <a:bodyPr rtlCol="0" anchor="ctr"/>
-          <a:lstStyle/>
-          <a:p>
-            <a:pPr algn="ctr"/>
-            <a:endParaRPr lang="en-GB"/>
-          </a:p>
-        </p:txBody>
-      </p:sp>
-      <p:sp>
-        <p:nvSpPr>
-          <p:cNvPr id="6" name="Tytuł 1">
-            <a:extLst>
-              <a:ext uri="{FF2B5EF4-FFF2-40B4-BE49-F238E27FC236}">
-                <a16:creationId xmlns:a16="http://schemas.microsoft.com/office/drawing/2014/main" id="{08CC23E4-7B6F-0F86-058D-A257E68C8779}"/>
+                <a16:creationId xmlns:a16="http://schemas.microsoft.com/office/drawing/2014/main" id="{9B0F89D2-BE09-3010-BA35-5B451FA76FFC}"/>
               </a:ext>
             </a:extLst>
           </p:cNvPr>
@@ -16804,15 +16760,10 @@
             <p:ph type="ctrTitle"/>
           </p:nvPr>
         </p:nvSpPr>
-        <p:spPr>
-          <a:xfrm>
-            <a:off x="1524000" y="1122363"/>
-            <a:ext cx="9144000" cy="2387600"/>
-          </a:xfrm>
-        </p:spPr>
+        <p:spPr/>
         <p:txBody>
           <a:bodyPr>
-            <a:normAutofit/>
+            <a:normAutofit fontScale="90000"/>
           </a:bodyPr>
           <a:lstStyle/>
           <a:p>
@@ -16822,29 +16773,13 @@
               </a:lnSpc>
             </a:pPr>
             <a:r>
-              <a:rPr lang="pl-PL" sz="6000" b="1" dirty="0">
-                <a:solidFill>
-                  <a:schemeClr val="bg1"/>
-                </a:solidFill>
-                <a:latin typeface="Poppins" panose="00000500000000000000" pitchFamily="2" charset="-18"/>
-                <a:cs typeface="Poppins" panose="00000500000000000000" pitchFamily="2" charset="-18"/>
-              </a:rPr>
-              <a:t>Chat </a:t>
-            </a:r>
-            <a:r>
-              <a:rPr lang="pl-PL" sz="6000" b="1" dirty="0" err="1">
-                <a:solidFill>
-                  <a:schemeClr val="bg1"/>
-                </a:solidFill>
-                <a:latin typeface="Poppins" panose="00000500000000000000" pitchFamily="2" charset="-18"/>
-                <a:cs typeface="Poppins" panose="00000500000000000000" pitchFamily="2" charset="-18"/>
-              </a:rPr>
-              <a:t>Bots</a:t>
+              <a:rPr lang="en-GB" sz="6000" b="1" dirty="0">
+                <a:latin typeface="Poppins" panose="00000500000000000000" pitchFamily="2" charset="-18"/>
+                <a:cs typeface="Poppins" panose="00000500000000000000" pitchFamily="2" charset="-18"/>
+              </a:rPr>
+              <a:t>Model Context Protocol (MCP)</a:t>
             </a:r>
             <a:endParaRPr lang="pl-PL" sz="6000" b="1" dirty="0">
-              <a:solidFill>
-                <a:schemeClr val="bg1"/>
-              </a:solidFill>
               <a:latin typeface="Poppins" panose="00000500000000000000" pitchFamily="2" charset="-18"/>
               <a:cs typeface="Poppins" panose="00000500000000000000" pitchFamily="2" charset="-18"/>
             </a:endParaRPr>
@@ -16854,7 +16789,7 @@
     </p:spTree>
     <p:extLst>
       <p:ext uri="{BB962C8B-B14F-4D97-AF65-F5344CB8AC3E}">
-        <p14:creationId xmlns:p14="http://schemas.microsoft.com/office/powerpoint/2010/main" val="2757792778"/>
+        <p14:creationId xmlns:p14="http://schemas.microsoft.com/office/powerpoint/2010/main" val="3965136026"/>
       </p:ext>
     </p:extLst>
   </p:cSld>
@@ -16869,13 +16804,7 @@
   <p:cSld>
     <p:spTree>
       <p:nvGrpSpPr>
-        <p:cNvPr id="1" name="">
-          <a:extLst>
-            <a:ext uri="{FF2B5EF4-FFF2-40B4-BE49-F238E27FC236}">
-              <a16:creationId xmlns:a16="http://schemas.microsoft.com/office/drawing/2014/main" id="{71719C20-B5E0-3B90-0086-5C94AAA0DDE7}"/>
-            </a:ext>
-          </a:extLst>
-        </p:cNvPr>
+        <p:cNvPr id="1" name=""/>
         <p:cNvGrpSpPr/>
         <p:nvPr/>
       </p:nvGrpSpPr>
@@ -16889,28 +16818,19 @@
       </p:grpSpPr>
       <p:sp>
         <p:nvSpPr>
-          <p:cNvPr id="6" name="Google Shape;335;g2ae502b7976_1_101">
-            <a:extLst>
-              <a:ext uri="{FF2B5EF4-FFF2-40B4-BE49-F238E27FC236}">
-                <a16:creationId xmlns:a16="http://schemas.microsoft.com/office/drawing/2014/main" id="{F66C26B8-D5FB-E3A7-C230-05FF0D6E9A43}"/>
-              </a:ext>
-            </a:extLst>
-          </p:cNvPr>
+          <p:cNvPr id="2" name="Title"/>
           <p:cNvSpPr txBox="1"/>
           <p:nvPr/>
         </p:nvSpPr>
         <p:spPr>
           <a:xfrm>
-            <a:off x="407988" y="565805"/>
+            <a:off x="407988" y="365125"/>
             <a:ext cx="11376000" cy="523180"/>
           </a:xfrm>
           <a:prstGeom prst="rect">
             <a:avLst/>
           </a:prstGeom>
           <a:noFill/>
-          <a:ln>
-            <a:noFill/>
-          </a:ln>
         </p:spPr>
         <p:txBody>
           <a:bodyPr spcFirstLastPara="1" wrap="square" lIns="91425" tIns="45700" rIns="91425" bIns="45700" anchor="t" anchorCtr="0">
@@ -16918,103 +16838,482 @@
           </a:bodyPr>
           <a:lstStyle/>
           <a:p>
-            <a:pPr marL="0" marR="0" lvl="0" indent="0" algn="l" rtl="0">
+            <a:pPr marL="0" lvl="0" algn="l">
               <a:spcBef>
                 <a:spcPts val="0"/>
               </a:spcBef>
-              <a:spcAft>
-                <a:spcPts val="0"/>
-              </a:spcAft>
               <a:buNone/>
             </a:pPr>
             <a:r>
-              <a:rPr lang="pl-PL" sz="2800" b="1" dirty="0" err="1">
+              <a:rPr lang="en-US" sz="2800" b="1" dirty="0">
                 <a:solidFill>
                   <a:schemeClr val="dk1"/>
                 </a:solidFill>
                 <a:latin typeface="Poppins"/>
-                <a:ea typeface="Poppins"/>
-                <a:cs typeface="Poppins"/>
-                <a:sym typeface="Poppins"/>
-              </a:rPr>
-              <a:t>What</a:t>
-            </a:r>
-            <a:r>
-              <a:rPr lang="pl-PL" sz="2800" b="1" dirty="0">
-                <a:solidFill>
-                  <a:schemeClr val="dk1"/>
-                </a:solidFill>
-                <a:latin typeface="Poppins"/>
-                <a:ea typeface="Poppins"/>
-                <a:cs typeface="Poppins"/>
-                <a:sym typeface="Poppins"/>
-              </a:rPr>
-              <a:t> </a:t>
-            </a:r>
-            <a:r>
-              <a:rPr lang="pl-PL" sz="2800" b="1" dirty="0" err="1">
-                <a:solidFill>
-                  <a:schemeClr val="dk1"/>
-                </a:solidFill>
-                <a:latin typeface="Poppins"/>
-                <a:ea typeface="Poppins"/>
-                <a:cs typeface="Poppins"/>
-                <a:sym typeface="Poppins"/>
-              </a:rPr>
-              <a:t>are</a:t>
-            </a:r>
-            <a:r>
-              <a:rPr lang="pl-PL" sz="2800" b="1" dirty="0">
-                <a:solidFill>
-                  <a:schemeClr val="dk1"/>
-                </a:solidFill>
-                <a:latin typeface="Poppins"/>
-                <a:ea typeface="Poppins"/>
-                <a:cs typeface="Poppins"/>
-                <a:sym typeface="Poppins"/>
-              </a:rPr>
-              <a:t> </a:t>
-            </a:r>
-            <a:r>
-              <a:rPr lang="pl-PL" sz="2800" b="1" dirty="0" err="1">
-                <a:solidFill>
-                  <a:schemeClr val="dk1"/>
-                </a:solidFill>
-                <a:latin typeface="Poppins"/>
-                <a:ea typeface="Poppins"/>
-                <a:cs typeface="Poppins"/>
-                <a:sym typeface="Poppins"/>
-              </a:rPr>
-              <a:t>chatbots</a:t>
-            </a:r>
-            <a:endParaRPr lang="pl-PL" sz="2800" b="1" dirty="0">
-              <a:solidFill>
-                <a:schemeClr val="dk1"/>
-              </a:solidFill>
-              <a:latin typeface="Poppins"/>
-              <a:ea typeface="Poppins"/>
-              <a:cs typeface="Poppins"/>
-              <a:sym typeface="Poppins"/>
-            </a:endParaRPr>
+              </a:rPr>
+              <a:t>What is MCP (Model Context Protocol)?</a:t>
+            </a:r>
           </a:p>
         </p:txBody>
       </p:sp>
       <p:sp>
         <p:nvSpPr>
-          <p:cNvPr id="3" name="pole tekstowe 2">
-            <a:extLst>
-              <a:ext uri="{FF2B5EF4-FFF2-40B4-BE49-F238E27FC236}">
-                <a16:creationId xmlns:a16="http://schemas.microsoft.com/office/drawing/2014/main" id="{C7ABB031-A2C4-68AB-93C4-BF900604342D}"/>
-              </a:ext>
-            </a:extLst>
-          </p:cNvPr>
+          <p:cNvPr id="3" name="Subtitle"/>
           <p:cNvSpPr txBox="1"/>
           <p:nvPr/>
         </p:nvSpPr>
         <p:spPr>
           <a:xfrm>
-            <a:off x="407988" y="1557850"/>
-            <a:ext cx="5277305" cy="4785926"/>
+            <a:off x="407988" y="900000"/>
+            <a:ext cx="11376000" cy="400000"/>
+          </a:xfrm>
+          <a:prstGeom prst="rect">
+            <a:avLst/>
+          </a:prstGeom>
+          <a:noFill/>
+        </p:spPr>
+        <p:txBody>
+          <a:bodyPr wrap="square" lIns="91425" tIns="45700" rIns="91425" bIns="45700" anchor="t">
+            <a:spAutoFit/>
+          </a:bodyPr>
+          <a:lstStyle/>
+          <a:p>
+            <a:pPr marL="0" lvl="0" algn="l">
+              <a:buNone/>
+            </a:pPr>
+            <a:r>
+              <a:rPr lang="en-US" sz="1800" dirty="0">
+                <a:solidFill>
+                  <a:schemeClr val="dk1"/>
+                </a:solidFill>
+                <a:latin typeface="Poppins"/>
+              </a:rPr>
+              <a:t>A standardized protocol that lets AI models discover and use tools from any MCP-compliant server</a:t>
+            </a:r>
+          </a:p>
+        </p:txBody>
+      </p:sp>
+      <p:sp>
+        <p:nvSpPr>
+          <p:cNvPr id="10" name="LLM Box"/>
+          <p:cNvSpPr/>
+          <p:nvPr/>
+        </p:nvSpPr>
+        <p:spPr>
+          <a:xfrm>
+            <a:off x="600000" y="1600000"/>
+            <a:ext cx="2400000" cy="1800000"/>
+          </a:xfrm>
+          <a:prstGeom prst="roundRect">
+            <a:avLst/>
+          </a:prstGeom>
+          <a:solidFill>
+            <a:srgbClr val="1A237E"/>
+          </a:solidFill>
+          <a:ln w="25400">
+            <a:solidFill>
+              <a:srgbClr val="0D47A1"/>
+            </a:solidFill>
+          </a:ln>
+        </p:spPr>
+        <p:txBody>
+          <a:bodyPr anchor="ctr"/>
+          <a:lstStyle/>
+          <a:p>
+            <a:pPr algn="ctr"/>
+            <a:r>
+              <a:rPr lang="en-US" sz="2000" b="1" dirty="0">
+                <a:solidFill>
+                  <a:srgbClr val="FFFFFF"/>
+                </a:solidFill>
+                <a:latin typeface="Poppins"/>
+              </a:rPr>
+              <a:t>LLM Host</a:t>
+            </a:r>
+          </a:p>
+          <a:p>
+            <a:pPr algn="ctr"/>
+            <a:r>
+              <a:rPr lang="en-US" sz="1400" dirty="0">
+                <a:solidFill>
+                  <a:srgbClr val="BBDEFB"/>
+                </a:solidFill>
+                <a:latin typeface="Poppins"/>
+              </a:rPr>
+              <a:t>(Claude, ChatGPT,</a:t>
+            </a:r>
+          </a:p>
+          <a:p>
+            <a:pPr algn="ctr"/>
+            <a:r>
+              <a:rPr lang="en-US" sz="1400" dirty="0">
+                <a:solidFill>
+                  <a:srgbClr val="BBDEFB"/>
+                </a:solidFill>
+                <a:latin typeface="Poppins"/>
+              </a:rPr>
+              <a:t>your agent)</a:t>
+            </a:r>
+          </a:p>
+        </p:txBody>
+      </p:sp>
+      <p:sp>
+        <p:nvSpPr>
+          <p:cNvPr id="11" name="MCP Client"/>
+          <p:cNvSpPr/>
+          <p:nvPr/>
+        </p:nvSpPr>
+        <p:spPr>
+          <a:xfrm>
+            <a:off x="750000" y="2900000"/>
+            <a:ext cx="2100000" cy="400000"/>
+          </a:xfrm>
+          <a:prstGeom prst="roundRect">
+            <a:avLst/>
+          </a:prstGeom>
+          <a:solidFill>
+            <a:srgbClr val="42A5F5"/>
+          </a:solidFill>
+        </p:spPr>
+        <p:txBody>
+          <a:bodyPr anchor="ctr"/>
+          <a:lstStyle/>
+          <a:p>
+            <a:pPr algn="ctr"/>
+            <a:r>
+              <a:rPr lang="en-US" sz="1400" b="1" dirty="0">
+                <a:solidFill>
+                  <a:srgbClr val="FFFFFF"/>
+                </a:solidFill>
+                <a:latin typeface="Poppins"/>
+              </a:rPr>
+              <a:t>MCP Client</a:t>
+            </a:r>
+          </a:p>
+        </p:txBody>
+      </p:sp>
+      <p:sp>
+        <p:nvSpPr>
+          <p:cNvPr id="20" name="Arrow1"/>
+          <p:cNvSpPr/>
+          <p:nvPr/>
+        </p:nvSpPr>
+        <p:spPr>
+          <a:xfrm>
+            <a:off x="3100000" y="2400000"/>
+            <a:ext cx="1200000" cy="0"/>
+          </a:xfrm>
+          <a:prstGeom prst="rightArrow">
+            <a:avLst/>
+          </a:prstGeom>
+          <a:solidFill>
+            <a:srgbClr val="66BB6A"/>
+          </a:solidFill>
+        </p:spPr>
+      </p:sp>
+      <p:sp>
+        <p:nvSpPr>
+          <p:cNvPr id="12" name="Protocol"/>
+          <p:cNvSpPr/>
+          <p:nvPr/>
+        </p:nvSpPr>
+        <p:spPr>
+          <a:xfrm>
+            <a:off x="4400000" y="1800000"/>
+            <a:ext cx="2000000" cy="1400000"/>
+          </a:xfrm>
+          <a:prstGeom prst="roundRect">
+            <a:avLst/>
+          </a:prstGeom>
+          <a:solidFill>
+            <a:srgbClr val="66BB6A"/>
+          </a:solidFill>
+          <a:ln w="25400">
+            <a:solidFill>
+              <a:srgbClr val="43A047"/>
+            </a:solidFill>
+          </a:ln>
+        </p:spPr>
+        <p:txBody>
+          <a:bodyPr anchor="ctr"/>
+          <a:lstStyle/>
+          <a:p>
+            <a:pPr algn="ctr"/>
+            <a:r>
+              <a:rPr lang="en-US" sz="1800" b="1" dirty="0">
+                <a:solidFill>
+                  <a:srgbClr val="FFFFFF"/>
+                </a:solidFill>
+                <a:latin typeface="Poppins"/>
+              </a:rPr>
+              <a:t>MCP Protocol</a:t>
+            </a:r>
+          </a:p>
+          <a:p>
+            <a:pPr algn="ctr"/>
+            <a:r>
+              <a:rPr lang="en-US" sz="1200" dirty="0">
+                <a:solidFill>
+                  <a:srgbClr val="E8F5E9"/>
+                </a:solidFill>
+                <a:latin typeface="Poppins"/>
+              </a:rPr>
+              <a:t>JSON-RPC</a:t>
+            </a:r>
+          </a:p>
+          <a:p>
+            <a:pPr algn="ctr"/>
+            <a:r>
+              <a:rPr lang="en-US" sz="1200" dirty="0">
+                <a:solidFill>
+                  <a:srgbClr val="E8F5E9"/>
+                </a:solidFill>
+                <a:latin typeface="Poppins"/>
+              </a:rPr>
+              <a:t>Standardized</a:t>
+            </a:r>
+          </a:p>
+        </p:txBody>
+      </p:sp>
+      <p:sp>
+        <p:nvSpPr>
+          <p:cNvPr id="21" name="Arrow2"/>
+          <p:cNvSpPr/>
+          <p:nvPr/>
+        </p:nvSpPr>
+        <p:spPr>
+          <a:xfrm>
+            <a:off x="6500000" y="2400000"/>
+            <a:ext cx="1200000" cy="0"/>
+          </a:xfrm>
+          <a:prstGeom prst="rightArrow">
+            <a:avLst/>
+          </a:prstGeom>
+          <a:solidFill>
+            <a:srgbClr val="66BB6A"/>
+          </a:solidFill>
+        </p:spPr>
+      </p:sp>
+      <p:sp>
+        <p:nvSpPr>
+          <p:cNvPr id="13" name="Server1"/>
+          <p:cNvSpPr/>
+          <p:nvPr/>
+        </p:nvSpPr>
+        <p:spPr>
+          <a:xfrm>
+            <a:off x="7800000" y="1400000"/>
+            <a:ext cx="2000000" cy="700000"/>
+          </a:xfrm>
+          <a:prstGeom prst="roundRect">
+            <a:avLst/>
+          </a:prstGeom>
+          <a:solidFill>
+            <a:srgbClr val="FF7043"/>
+          </a:solidFill>
+        </p:spPr>
+        <p:txBody>
+          <a:bodyPr anchor="ctr"/>
+          <a:lstStyle/>
+          <a:p>
+            <a:pPr algn="ctr"/>
+            <a:r>
+              <a:rPr lang="en-US" sz="1400" b="1" dirty="0">
+                <a:solidFill>
+                  <a:srgbClr val="FFFFFF"/>
+                </a:solidFill>
+                <a:latin typeface="Poppins"/>
+              </a:rPr>
+              <a:t>MCP Server: Files</a:t>
+            </a:r>
+          </a:p>
+        </p:txBody>
+      </p:sp>
+      <p:sp>
+        <p:nvSpPr>
+          <p:cNvPr id="14" name="Server2"/>
+          <p:cNvSpPr/>
+          <p:nvPr/>
+        </p:nvSpPr>
+        <p:spPr>
+          <a:xfrm>
+            <a:off x="7800000" y="2200000"/>
+            <a:ext cx="2000000" cy="700000"/>
+          </a:xfrm>
+          <a:prstGeom prst="roundRect">
+            <a:avLst/>
+          </a:prstGeom>
+          <a:solidFill>
+            <a:srgbClr val="AB47BC"/>
+          </a:solidFill>
+        </p:spPr>
+        <p:txBody>
+          <a:bodyPr anchor="ctr"/>
+          <a:lstStyle/>
+          <a:p>
+            <a:pPr algn="ctr"/>
+            <a:r>
+              <a:rPr lang="en-US" sz="1400" b="1" dirty="0">
+                <a:solidFill>
+                  <a:srgbClr val="FFFFFF"/>
+                </a:solidFill>
+                <a:latin typeface="Poppins"/>
+              </a:rPr>
+              <a:t>MCP Server: Database</a:t>
+            </a:r>
+          </a:p>
+        </p:txBody>
+      </p:sp>
+      <p:sp>
+        <p:nvSpPr>
+          <p:cNvPr id="15" name="Server3"/>
+          <p:cNvSpPr/>
+          <p:nvPr/>
+        </p:nvSpPr>
+        <p:spPr>
+          <a:xfrm>
+            <a:off x="7800000" y="3000000"/>
+            <a:ext cx="2000000" cy="700000"/>
+          </a:xfrm>
+          <a:prstGeom prst="roundRect">
+            <a:avLst/>
+          </a:prstGeom>
+          <a:solidFill>
+            <a:srgbClr val="26A69A"/>
+          </a:solidFill>
+        </p:spPr>
+        <p:txBody>
+          <a:bodyPr anchor="ctr"/>
+          <a:lstStyle/>
+          <a:p>
+            <a:pPr algn="ctr"/>
+            <a:r>
+              <a:rPr lang="en-US" sz="1400" b="1" dirty="0">
+                <a:solidFill>
+                  <a:srgbClr val="FFFFFF"/>
+                </a:solidFill>
+                <a:latin typeface="Poppins"/>
+              </a:rPr>
+              <a:t>MCP Server: APIs</a:t>
+            </a:r>
+          </a:p>
+        </p:txBody>
+      </p:sp>
+      <p:sp>
+        <p:nvSpPr>
+          <p:cNvPr id="16" name="Resources1"/>
+          <p:cNvSpPr/>
+          <p:nvPr/>
+        </p:nvSpPr>
+        <p:spPr>
+          <a:xfrm>
+            <a:off x="10000000" y="1450000"/>
+            <a:ext cx="1600000" cy="600000"/>
+          </a:xfrm>
+          <a:prstGeom prst="rect">
+            <a:avLst/>
+          </a:prstGeom>
+          <a:solidFill>
+            <a:srgbClr val="FFCCBC"/>
+          </a:solidFill>
+        </p:spPr>
+        <p:txBody>
+          <a:bodyPr anchor="ctr"/>
+          <a:lstStyle/>
+          <a:p>
+            <a:pPr algn="ctr"/>
+            <a:r>
+              <a:rPr lang="en-US" sz="1200" dirty="0">
+                <a:solidFill>
+                  <a:srgbClr val="333333"/>
+                </a:solidFill>
+                <a:latin typeface="Poppins"/>
+              </a:rPr>
+              <a:t>Local files, cloud storage</a:t>
+            </a:r>
+          </a:p>
+        </p:txBody>
+      </p:sp>
+      <p:sp>
+        <p:nvSpPr>
+          <p:cNvPr id="17" name="Resources2"/>
+          <p:cNvSpPr/>
+          <p:nvPr/>
+        </p:nvSpPr>
+        <p:spPr>
+          <a:xfrm>
+            <a:off x="10000000" y="2250000"/>
+            <a:ext cx="1600000" cy="600000"/>
+          </a:xfrm>
+          <a:prstGeom prst="rect">
+            <a:avLst/>
+          </a:prstGeom>
+          <a:solidFill>
+            <a:srgbClr val="E1BEE7"/>
+          </a:solidFill>
+        </p:spPr>
+        <p:txBody>
+          <a:bodyPr anchor="ctr"/>
+          <a:lstStyle/>
+          <a:p>
+            <a:pPr algn="ctr"/>
+            <a:r>
+              <a:rPr lang="en-US" sz="1200" dirty="0">
+                <a:solidFill>
+                  <a:srgbClr val="333333"/>
+                </a:solidFill>
+                <a:latin typeface="Poppins"/>
+              </a:rPr>
+              <a:t>SQL, NoSQL, vector DBs</a:t>
+            </a:r>
+          </a:p>
+        </p:txBody>
+      </p:sp>
+      <p:sp>
+        <p:nvSpPr>
+          <p:cNvPr id="18" name="Resources3"/>
+          <p:cNvSpPr/>
+          <p:nvPr/>
+        </p:nvSpPr>
+        <p:spPr>
+          <a:xfrm>
+            <a:off x="10000000" y="3050000"/>
+            <a:ext cx="1600000" cy="600000"/>
+          </a:xfrm>
+          <a:prstGeom prst="rect">
+            <a:avLst/>
+          </a:prstGeom>
+          <a:solidFill>
+            <a:srgbClr val="B2DFDB"/>
+          </a:solidFill>
+        </p:spPr>
+        <p:txBody>
+          <a:bodyPr anchor="ctr"/>
+          <a:lstStyle/>
+          <a:p>
+            <a:pPr algn="ctr"/>
+            <a:r>
+              <a:rPr lang="en-US" sz="1200" dirty="0">
+                <a:solidFill>
+                  <a:srgbClr val="333333"/>
+                </a:solidFill>
+                <a:latin typeface="Poppins"/>
+              </a:rPr>
+              <a:t>Slack, GitHub, Jira</a:t>
+            </a:r>
+          </a:p>
+        </p:txBody>
+      </p:sp>
+      <p:sp>
+        <p:nvSpPr>
+          <p:cNvPr id="30" name="KeyPoints"/>
+          <p:cNvSpPr txBox="1"/>
+          <p:nvPr/>
+        </p:nvSpPr>
+        <p:spPr>
+          <a:xfrm>
+            <a:off x="600000" y="3900000"/>
+            <a:ext cx="11000000" cy="2400000"/>
           </a:xfrm>
           <a:prstGeom prst="rect">
             <a:avLst/>
@@ -17027,958 +17326,109 @@
           </a:bodyPr>
           <a:lstStyle/>
           <a:p>
-            <a:pPr algn="l">
+            <a:pPr marL="0" lvl="0" algn="l">
               <a:spcBef>
-                <a:spcPts val="1200"/>
+                <a:spcPts val="600"/>
               </a:spcBef>
-              <a:spcAft>
-                <a:spcPts val="600"/>
-              </a:spcAft>
               <a:buNone/>
             </a:pPr>
             <a:r>
-              <a:rPr lang="en-GB" sz="2000" b="1" i="0" dirty="0">
-                <a:effectLst/>
-                <a:latin typeface="Poppins" panose="00000500000000000000" pitchFamily="2" charset="-18"/>
-                <a:cs typeface="Poppins" panose="00000500000000000000" pitchFamily="2" charset="-18"/>
-              </a:rPr>
-              <a:t>Key Concepts</a:t>
-            </a:r>
-          </a:p>
-          <a:p>
-            <a:pPr algn="l">
-              <a:buFont typeface="Arial" panose="020B0604020202020204" pitchFamily="34" charset="0"/>
+              <a:rPr lang="en-US" sz="1800" b="1" dirty="0">
+                <a:solidFill>
+                  <a:schemeClr val="dk1"/>
+                </a:solidFill>
+                <a:latin typeface="Poppins"/>
+              </a:rPr>
+              <a:t>Key Concepts:</a:t>
+            </a:r>
+          </a:p>
+          <a:p>
+            <a:pPr marL="285750" indent="-285750">
+              <a:spcBef>
+                <a:spcPts val="600"/>
+              </a:spcBef>
+              <a:buFont typeface="Arial"/>
               <a:buChar char="•"/>
             </a:pPr>
             <a:r>
-              <a:rPr lang="en-GB" sz="2000" b="1" i="0" dirty="0">
-                <a:effectLst/>
-                <a:latin typeface="Poppins" panose="00000500000000000000" pitchFamily="2" charset="-18"/>
-                <a:cs typeface="Poppins" panose="00000500000000000000" pitchFamily="2" charset="-18"/>
-              </a:rPr>
-              <a:t>Definition</a:t>
-            </a:r>
-            <a:r>
-              <a:rPr lang="en-GB" sz="2000" b="0" i="0" dirty="0">
-                <a:effectLst/>
-                <a:latin typeface="Poppins" panose="00000500000000000000" pitchFamily="2" charset="-18"/>
-                <a:cs typeface="Poppins" panose="00000500000000000000" pitchFamily="2" charset="-18"/>
-              </a:rPr>
-              <a:t>: AI systems designed for human-like conversation</a:t>
-            </a:r>
-          </a:p>
-          <a:p>
-            <a:pPr algn="l">
-              <a:buFont typeface="Arial" panose="020B0604020202020204" pitchFamily="34" charset="0"/>
+              <a:rPr lang="en-US" sz="1600" b="1" dirty="0">
+                <a:latin typeface="Poppins"/>
+              </a:rPr>
+              <a:t>MCP Client:</a:t>
+            </a:r>
+            <a:r>
+              <a:rPr lang="en-US" sz="1600" dirty="0">
+                <a:latin typeface="Poppins"/>
+              </a:rPr>
+              <a:t> Built into the host app, discovers and calls MCP servers</a:t>
+            </a:r>
+          </a:p>
+          <a:p>
+            <a:pPr marL="285750" indent="-285750">
+              <a:spcBef>
+                <a:spcPts val="600"/>
+              </a:spcBef>
+              <a:buFont typeface="Arial"/>
               <a:buChar char="•"/>
             </a:pPr>
             <a:r>
-              <a:rPr lang="en-GB" sz="2000" b="1" i="0" dirty="0">
-                <a:effectLst/>
-                <a:latin typeface="Poppins" panose="00000500000000000000" pitchFamily="2" charset="-18"/>
-                <a:cs typeface="Poppins" panose="00000500000000000000" pitchFamily="2" charset="-18"/>
-              </a:rPr>
-              <a:t>Evolution</a:t>
-            </a:r>
-            <a:r>
-              <a:rPr lang="en-GB" sz="2000" b="0" i="0" dirty="0">
-                <a:effectLst/>
-                <a:latin typeface="Poppins" panose="00000500000000000000" pitchFamily="2" charset="-18"/>
-                <a:cs typeface="Poppins" panose="00000500000000000000" pitchFamily="2" charset="-18"/>
-              </a:rPr>
-              <a:t>: Rule-based → ML-powered → LLM-powered</a:t>
-            </a:r>
-          </a:p>
-          <a:p>
-            <a:pPr algn="l">
-              <a:buFont typeface="Arial" panose="020B0604020202020204" pitchFamily="34" charset="0"/>
+              <a:rPr lang="en-US" sz="1600" b="1" dirty="0">
+                <a:latin typeface="Poppins"/>
+              </a:rPr>
+              <a:t>MCP Server:</a:t>
+            </a:r>
+            <a:r>
+              <a:rPr lang="en-US" sz="1600" dirty="0">
+                <a:latin typeface="Poppins"/>
+              </a:rPr>
+              <a:t> Exposes tools, resources, and prompts via standardized interface</a:t>
+            </a:r>
+          </a:p>
+          <a:p>
+            <a:pPr marL="285750" indent="-285750">
+              <a:spcBef>
+                <a:spcPts val="600"/>
+              </a:spcBef>
+              <a:buFont typeface="Arial"/>
               <a:buChar char="•"/>
             </a:pPr>
             <a:r>
-              <a:rPr lang="en-GB" sz="2000" b="1" i="0" dirty="0">
-                <a:effectLst/>
-                <a:latin typeface="Poppins" panose="00000500000000000000" pitchFamily="2" charset="-18"/>
-                <a:cs typeface="Poppins" panose="00000500000000000000" pitchFamily="2" charset="-18"/>
-              </a:rPr>
-              <a:t>Capabilities</a:t>
-            </a:r>
-            <a:r>
-              <a:rPr lang="en-GB" sz="2000" b="0" i="0" dirty="0">
-                <a:effectLst/>
-                <a:latin typeface="Poppins" panose="00000500000000000000" pitchFamily="2" charset="-18"/>
-                <a:cs typeface="Poppins" panose="00000500000000000000" pitchFamily="2" charset="-18"/>
-              </a:rPr>
-              <a:t>: Text completion, knowledge access, tool use</a:t>
-            </a:r>
-            <a:endParaRPr lang="pl-PL" sz="2000" b="0" i="0" dirty="0">
-              <a:effectLst/>
-              <a:latin typeface="Poppins" panose="00000500000000000000" pitchFamily="2" charset="-18"/>
-              <a:cs typeface="Poppins" panose="00000500000000000000" pitchFamily="2" charset="-18"/>
-            </a:endParaRPr>
-          </a:p>
-          <a:p>
-            <a:pPr algn="l">
-              <a:buFont typeface="Arial" panose="020B0604020202020204" pitchFamily="34" charset="0"/>
+              <a:rPr lang="en-US" sz="1600" b="1" dirty="0">
+                <a:latin typeface="Poppins"/>
+              </a:rPr>
+              <a:t>Protocol:</a:t>
+            </a:r>
+            <a:r>
+              <a:rPr lang="en-US" sz="1600" dirty="0">
+                <a:latin typeface="Poppins"/>
+              </a:rPr>
+              <a:t> JSON-RPC based, supports tool discovery, execution, and resource access</a:t>
+            </a:r>
+          </a:p>
+          <a:p>
+            <a:pPr marL="285750" indent="-285750">
+              <a:spcBef>
+                <a:spcPts val="600"/>
+              </a:spcBef>
+              <a:buFont typeface="Arial"/>
               <a:buChar char="•"/>
             </a:pPr>
-            <a:endParaRPr lang="pl-PL" sz="2000" dirty="0">
-              <a:latin typeface="Poppins" panose="00000500000000000000" pitchFamily="2" charset="-18"/>
-              <a:cs typeface="Poppins" panose="00000500000000000000" pitchFamily="2" charset="-18"/>
-            </a:endParaRPr>
-          </a:p>
-          <a:p>
-            <a:pPr algn="l">
-              <a:buFont typeface="Arial" panose="020B0604020202020204" pitchFamily="34" charset="0"/>
-              <a:buChar char="•"/>
-            </a:pPr>
-            <a:r>
-              <a:rPr lang="pl-PL" sz="2000" b="0" i="0" dirty="0">
-                <a:effectLst/>
-                <a:latin typeface="Poppins" panose="00000500000000000000" pitchFamily="2" charset="-18"/>
-                <a:cs typeface="Poppins" panose="00000500000000000000" pitchFamily="2" charset="-18"/>
-              </a:rPr>
-              <a:t>Most popular </a:t>
-            </a:r>
-            <a:r>
-              <a:rPr lang="pl-PL" sz="2000" b="0" i="0" dirty="0" err="1">
-                <a:effectLst/>
-                <a:latin typeface="Poppins" panose="00000500000000000000" pitchFamily="2" charset="-18"/>
-                <a:cs typeface="Poppins" panose="00000500000000000000" pitchFamily="2" charset="-18"/>
-              </a:rPr>
-              <a:t>topic</a:t>
-            </a:r>
-            <a:r>
-              <a:rPr lang="pl-PL" sz="2000" b="0" i="0" dirty="0">
-                <a:effectLst/>
-                <a:latin typeface="Poppins" panose="00000500000000000000" pitchFamily="2" charset="-18"/>
-                <a:cs typeface="Poppins" panose="00000500000000000000" pitchFamily="2" charset="-18"/>
-              </a:rPr>
-              <a:t> of 2024-&gt; real-life </a:t>
-            </a:r>
-            <a:r>
-              <a:rPr lang="pl-PL" sz="2000" b="0" i="0" dirty="0" err="1">
-                <a:effectLst/>
-                <a:latin typeface="Poppins" panose="00000500000000000000" pitchFamily="2" charset="-18"/>
-                <a:cs typeface="Poppins" panose="00000500000000000000" pitchFamily="2" charset="-18"/>
-              </a:rPr>
-              <a:t>showed</a:t>
-            </a:r>
-            <a:r>
-              <a:rPr lang="pl-PL" sz="2000" b="0" i="0" dirty="0">
-                <a:effectLst/>
-                <a:latin typeface="Poppins" panose="00000500000000000000" pitchFamily="2" charset="-18"/>
-                <a:cs typeface="Poppins" panose="00000500000000000000" pitchFamily="2" charset="-18"/>
-              </a:rPr>
-              <a:t> </a:t>
-            </a:r>
-            <a:r>
-              <a:rPr lang="pl-PL" sz="2000" b="0" i="0" dirty="0" err="1">
-                <a:effectLst/>
-                <a:latin typeface="Poppins" panose="00000500000000000000" pitchFamily="2" charset="-18"/>
-                <a:cs typeface="Poppins" panose="00000500000000000000" pitchFamily="2" charset="-18"/>
-              </a:rPr>
-              <a:t>that</a:t>
-            </a:r>
-            <a:r>
-              <a:rPr lang="pl-PL" sz="2000" b="0" i="0" dirty="0">
-                <a:effectLst/>
-                <a:latin typeface="Poppins" panose="00000500000000000000" pitchFamily="2" charset="-18"/>
-                <a:cs typeface="Poppins" panose="00000500000000000000" pitchFamily="2" charset="-18"/>
-              </a:rPr>
-              <a:t> Chat </a:t>
-            </a:r>
-            <a:r>
-              <a:rPr lang="pl-PL" sz="2000" b="0" i="0" dirty="0" err="1">
-                <a:effectLst/>
-                <a:latin typeface="Poppins" panose="00000500000000000000" pitchFamily="2" charset="-18"/>
-                <a:cs typeface="Poppins" panose="00000500000000000000" pitchFamily="2" charset="-18"/>
-              </a:rPr>
-              <a:t>bots</a:t>
-            </a:r>
-            <a:r>
-              <a:rPr lang="pl-PL" sz="2000" b="0" i="0" dirty="0">
-                <a:effectLst/>
-                <a:latin typeface="Poppins" panose="00000500000000000000" pitchFamily="2" charset="-18"/>
-                <a:cs typeface="Poppins" panose="00000500000000000000" pitchFamily="2" charset="-18"/>
-              </a:rPr>
-              <a:t> </a:t>
-            </a:r>
-            <a:r>
-              <a:rPr lang="pl-PL" sz="2000" b="0" i="0" dirty="0" err="1">
-                <a:effectLst/>
-                <a:latin typeface="Poppins" panose="00000500000000000000" pitchFamily="2" charset="-18"/>
-                <a:cs typeface="Poppins" panose="00000500000000000000" pitchFamily="2" charset="-18"/>
-              </a:rPr>
-              <a:t>are</a:t>
-            </a:r>
-            <a:r>
-              <a:rPr lang="pl-PL" sz="2000" b="0" i="0" dirty="0">
-                <a:effectLst/>
-                <a:latin typeface="Poppins" panose="00000500000000000000" pitchFamily="2" charset="-18"/>
-                <a:cs typeface="Poppins" panose="00000500000000000000" pitchFamily="2" charset="-18"/>
-              </a:rPr>
-              <a:t> </a:t>
-            </a:r>
-            <a:r>
-              <a:rPr lang="pl-PL" sz="2000" b="0" i="0" dirty="0" err="1">
-                <a:effectLst/>
-                <a:latin typeface="Poppins" panose="00000500000000000000" pitchFamily="2" charset="-18"/>
-                <a:cs typeface="Poppins" panose="00000500000000000000" pitchFamily="2" charset="-18"/>
-              </a:rPr>
-              <a:t>harder</a:t>
-            </a:r>
-            <a:r>
-              <a:rPr lang="pl-PL" sz="2000" b="0" i="0" dirty="0">
-                <a:effectLst/>
-                <a:latin typeface="Poppins" panose="00000500000000000000" pitchFamily="2" charset="-18"/>
-                <a:cs typeface="Poppins" panose="00000500000000000000" pitchFamily="2" charset="-18"/>
-              </a:rPr>
-              <a:t> </a:t>
-            </a:r>
-            <a:r>
-              <a:rPr lang="pl-PL" sz="2000" b="0" i="0" dirty="0" err="1">
-                <a:effectLst/>
-                <a:latin typeface="Poppins" panose="00000500000000000000" pitchFamily="2" charset="-18"/>
-                <a:cs typeface="Poppins" panose="00000500000000000000" pitchFamily="2" charset="-18"/>
-              </a:rPr>
-              <a:t>than</a:t>
-            </a:r>
-            <a:r>
-              <a:rPr lang="pl-PL" sz="2000" b="0" i="0" dirty="0">
-                <a:effectLst/>
-                <a:latin typeface="Poppins" panose="00000500000000000000" pitchFamily="2" charset="-18"/>
-                <a:cs typeface="Poppins" panose="00000500000000000000" pitchFamily="2" charset="-18"/>
-              </a:rPr>
-              <a:t> </a:t>
-            </a:r>
-            <a:r>
-              <a:rPr lang="pl-PL" sz="2000" b="0" i="0" dirty="0" err="1">
-                <a:effectLst/>
-                <a:latin typeface="Poppins" panose="00000500000000000000" pitchFamily="2" charset="-18"/>
-                <a:cs typeface="Poppins" panose="00000500000000000000" pitchFamily="2" charset="-18"/>
-              </a:rPr>
-              <a:t>they</a:t>
-            </a:r>
-            <a:r>
-              <a:rPr lang="pl-PL" sz="2000" b="0" i="0" dirty="0">
-                <a:effectLst/>
-                <a:latin typeface="Poppins" panose="00000500000000000000" pitchFamily="2" charset="-18"/>
-                <a:cs typeface="Poppins" panose="00000500000000000000" pitchFamily="2" charset="-18"/>
-              </a:rPr>
-              <a:t> </a:t>
-            </a:r>
-            <a:r>
-              <a:rPr lang="pl-PL" sz="2000" b="0" i="0" dirty="0" err="1">
-                <a:effectLst/>
-                <a:latin typeface="Poppins" panose="00000500000000000000" pitchFamily="2" charset="-18"/>
-                <a:cs typeface="Poppins" panose="00000500000000000000" pitchFamily="2" charset="-18"/>
-              </a:rPr>
-              <a:t>seem</a:t>
-            </a:r>
-            <a:br>
-              <a:rPr lang="pl-PL" sz="2000" b="0" i="0" dirty="0">
-                <a:effectLst/>
-                <a:latin typeface="Poppins" panose="00000500000000000000" pitchFamily="2" charset="-18"/>
-                <a:cs typeface="Poppins" panose="00000500000000000000" pitchFamily="2" charset="-18"/>
-              </a:rPr>
-            </a:br>
-            <a:endParaRPr lang="pl-PL" sz="2000" b="0" i="0" dirty="0">
-              <a:effectLst/>
-              <a:latin typeface="Poppins" panose="00000500000000000000" pitchFamily="2" charset="-18"/>
-              <a:cs typeface="Poppins" panose="00000500000000000000" pitchFamily="2" charset="-18"/>
-            </a:endParaRPr>
-          </a:p>
-          <a:p>
-            <a:pPr algn="l">
-              <a:buFont typeface="Arial" panose="020B0604020202020204" pitchFamily="34" charset="0"/>
-              <a:buChar char="•"/>
-            </a:pPr>
-            <a:r>
-              <a:rPr lang="pl-PL" sz="2000" dirty="0" err="1">
-                <a:latin typeface="Poppins" panose="00000500000000000000" pitchFamily="2" charset="-18"/>
-                <a:cs typeface="Poppins" panose="00000500000000000000" pitchFamily="2" charset="-18"/>
-              </a:rPr>
-              <a:t>Chatbots</a:t>
-            </a:r>
-            <a:r>
-              <a:rPr lang="pl-PL" sz="2000" dirty="0">
-                <a:latin typeface="Poppins" panose="00000500000000000000" pitchFamily="2" charset="-18"/>
-                <a:cs typeface="Poppins" panose="00000500000000000000" pitchFamily="2" charset="-18"/>
-              </a:rPr>
-              <a:t> </a:t>
-            </a:r>
-            <a:r>
-              <a:rPr lang="pl-PL" sz="2000" dirty="0" err="1">
-                <a:latin typeface="Poppins" panose="00000500000000000000" pitchFamily="2" charset="-18"/>
-                <a:cs typeface="Poppins" panose="00000500000000000000" pitchFamily="2" charset="-18"/>
-              </a:rPr>
-              <a:t>combine</a:t>
-            </a:r>
-            <a:r>
-              <a:rPr lang="pl-PL" sz="2000" dirty="0">
-                <a:latin typeface="Poppins" panose="00000500000000000000" pitchFamily="2" charset="-18"/>
-                <a:cs typeface="Poppins" panose="00000500000000000000" pitchFamily="2" charset="-18"/>
-              </a:rPr>
-              <a:t> </a:t>
-            </a:r>
-            <a:r>
-              <a:rPr lang="pl-PL" sz="2000" dirty="0" err="1">
-                <a:latin typeface="Poppins" panose="00000500000000000000" pitchFamily="2" charset="-18"/>
-                <a:cs typeface="Poppins" panose="00000500000000000000" pitchFamily="2" charset="-18"/>
-              </a:rPr>
-              <a:t>LLMs</a:t>
-            </a:r>
-            <a:r>
-              <a:rPr lang="pl-PL" sz="2000" dirty="0">
-                <a:latin typeface="Poppins" panose="00000500000000000000" pitchFamily="2" charset="-18"/>
-                <a:cs typeface="Poppins" panose="00000500000000000000" pitchFamily="2" charset="-18"/>
-              </a:rPr>
-              <a:t>, Tools and </a:t>
-            </a:r>
-            <a:r>
-              <a:rPr lang="pl-PL" sz="2000" dirty="0" err="1">
-                <a:latin typeface="Poppins" panose="00000500000000000000" pitchFamily="2" charset="-18"/>
-                <a:cs typeface="Poppins" panose="00000500000000000000" pitchFamily="2" charset="-18"/>
-              </a:rPr>
-              <a:t>managing</a:t>
-            </a:r>
-            <a:r>
-              <a:rPr lang="pl-PL" sz="2000" dirty="0">
-                <a:latin typeface="Poppins" panose="00000500000000000000" pitchFamily="2" charset="-18"/>
-                <a:cs typeface="Poppins" panose="00000500000000000000" pitchFamily="2" charset="-18"/>
-              </a:rPr>
-              <a:t> </a:t>
-            </a:r>
-            <a:r>
-              <a:rPr lang="pl-PL" sz="2000" dirty="0" err="1">
-                <a:latin typeface="Poppins" panose="00000500000000000000" pitchFamily="2" charset="-18"/>
-                <a:cs typeface="Poppins" panose="00000500000000000000" pitchFamily="2" charset="-18"/>
-              </a:rPr>
-              <a:t>short</a:t>
-            </a:r>
-            <a:r>
-              <a:rPr lang="pl-PL" sz="2000" dirty="0">
-                <a:latin typeface="Poppins" panose="00000500000000000000" pitchFamily="2" charset="-18"/>
-                <a:cs typeface="Poppins" panose="00000500000000000000" pitchFamily="2" charset="-18"/>
-              </a:rPr>
-              <a:t> and </a:t>
-            </a:r>
-            <a:r>
-              <a:rPr lang="pl-PL" sz="2000" dirty="0" err="1">
-                <a:latin typeface="Poppins" panose="00000500000000000000" pitchFamily="2" charset="-18"/>
-                <a:cs typeface="Poppins" panose="00000500000000000000" pitchFamily="2" charset="-18"/>
-              </a:rPr>
-              <a:t>long</a:t>
-            </a:r>
-            <a:r>
-              <a:rPr lang="pl-PL" sz="2000" dirty="0">
-                <a:latin typeface="Poppins" panose="00000500000000000000" pitchFamily="2" charset="-18"/>
-                <a:cs typeface="Poppins" panose="00000500000000000000" pitchFamily="2" charset="-18"/>
-              </a:rPr>
-              <a:t> </a:t>
-            </a:r>
-            <a:r>
-              <a:rPr lang="pl-PL" sz="2000" dirty="0" err="1">
-                <a:latin typeface="Poppins" panose="00000500000000000000" pitchFamily="2" charset="-18"/>
-                <a:cs typeface="Poppins" panose="00000500000000000000" pitchFamily="2" charset="-18"/>
-              </a:rPr>
-              <a:t>conversation</a:t>
-            </a:r>
-            <a:r>
-              <a:rPr lang="pl-PL" sz="2000" dirty="0">
-                <a:latin typeface="Poppins" panose="00000500000000000000" pitchFamily="2" charset="-18"/>
-                <a:cs typeface="Poppins" panose="00000500000000000000" pitchFamily="2" charset="-18"/>
-              </a:rPr>
-              <a:t> </a:t>
-            </a:r>
-            <a:r>
-              <a:rPr lang="pl-PL" sz="2000" dirty="0" err="1">
-                <a:latin typeface="Poppins" panose="00000500000000000000" pitchFamily="2" charset="-18"/>
-                <a:cs typeface="Poppins" panose="00000500000000000000" pitchFamily="2" charset="-18"/>
-              </a:rPr>
-              <a:t>memory</a:t>
-            </a:r>
-            <a:endParaRPr lang="en-GB" sz="2000" b="0" i="0" dirty="0">
-              <a:effectLst/>
-              <a:latin typeface="Poppins" panose="00000500000000000000" pitchFamily="2" charset="-18"/>
-              <a:cs typeface="Poppins" panose="00000500000000000000" pitchFamily="2" charset="-18"/>
-            </a:endParaRPr>
-          </a:p>
-        </p:txBody>
-      </p:sp>
-      <p:sp>
-        <p:nvSpPr>
-          <p:cNvPr id="5" name="pole tekstowe 4">
-            <a:extLst>
-              <a:ext uri="{FF2B5EF4-FFF2-40B4-BE49-F238E27FC236}">
-                <a16:creationId xmlns:a16="http://schemas.microsoft.com/office/drawing/2014/main" id="{BAD34833-0AC2-594F-A7A6-3D3A29B78925}"/>
-              </a:ext>
-            </a:extLst>
-          </p:cNvPr>
-          <p:cNvSpPr txBox="1"/>
-          <p:nvPr/>
-        </p:nvSpPr>
-        <p:spPr>
-          <a:xfrm>
-            <a:off x="6506708" y="1557850"/>
-            <a:ext cx="5075692" cy="1831271"/>
-          </a:xfrm>
-          <a:prstGeom prst="rect">
-            <a:avLst/>
-          </a:prstGeom>
-          <a:noFill/>
-        </p:spPr>
-        <p:txBody>
-          <a:bodyPr wrap="square">
-            <a:spAutoFit/>
-          </a:bodyPr>
-          <a:lstStyle/>
-          <a:p>
-            <a:pPr algn="l">
-              <a:spcBef>
-                <a:spcPts val="1200"/>
-              </a:spcBef>
-              <a:spcAft>
-                <a:spcPts val="600"/>
-              </a:spcAft>
-              <a:buNone/>
-            </a:pPr>
-            <a:r>
-              <a:rPr lang="en-GB" b="1" i="0" dirty="0">
-                <a:effectLst/>
-                <a:latin typeface="Poppins" panose="00000500000000000000" pitchFamily="2" charset="-18"/>
-                <a:cs typeface="Poppins" panose="00000500000000000000" pitchFamily="2" charset="-18"/>
-              </a:rPr>
-              <a:t>Real-World Applications</a:t>
-            </a:r>
-          </a:p>
-          <a:p>
-            <a:pPr algn="l">
-              <a:buFont typeface="Arial" panose="020B0604020202020204" pitchFamily="34" charset="0"/>
-              <a:buChar char="•"/>
-            </a:pPr>
-            <a:r>
-              <a:rPr lang="en-GB" b="0" i="0" dirty="0">
-                <a:effectLst/>
-                <a:latin typeface="Poppins" panose="00000500000000000000" pitchFamily="2" charset="-18"/>
-                <a:cs typeface="Poppins" panose="00000500000000000000" pitchFamily="2" charset="-18"/>
-              </a:rPr>
-              <a:t>Customer service automation</a:t>
-            </a:r>
-          </a:p>
-          <a:p>
-            <a:pPr algn="l">
-              <a:buFont typeface="Arial" panose="020B0604020202020204" pitchFamily="34" charset="0"/>
-              <a:buChar char="•"/>
-            </a:pPr>
-            <a:r>
-              <a:rPr lang="en-GB" b="0" i="0" dirty="0">
-                <a:effectLst/>
-                <a:latin typeface="Poppins" panose="00000500000000000000" pitchFamily="2" charset="-18"/>
-                <a:cs typeface="Poppins" panose="00000500000000000000" pitchFamily="2" charset="-18"/>
-              </a:rPr>
-              <a:t>Virtual assistants (Siri, Alexa)</a:t>
-            </a:r>
-          </a:p>
-          <a:p>
-            <a:pPr algn="l">
-              <a:buFont typeface="Arial" panose="020B0604020202020204" pitchFamily="34" charset="0"/>
-              <a:buChar char="•"/>
-            </a:pPr>
-            <a:r>
-              <a:rPr lang="en-GB" b="0" i="0" dirty="0">
-                <a:effectLst/>
-                <a:latin typeface="Poppins" panose="00000500000000000000" pitchFamily="2" charset="-18"/>
-                <a:cs typeface="Poppins" panose="00000500000000000000" pitchFamily="2" charset="-18"/>
-              </a:rPr>
-              <a:t>Technical support</a:t>
-            </a:r>
-          </a:p>
-          <a:p>
-            <a:pPr algn="l">
-              <a:buFont typeface="Arial" panose="020B0604020202020204" pitchFamily="34" charset="0"/>
-              <a:buChar char="•"/>
-            </a:pPr>
-            <a:r>
-              <a:rPr lang="en-GB" b="0" i="0" dirty="0">
-                <a:effectLst/>
-                <a:latin typeface="Poppins" panose="00000500000000000000" pitchFamily="2" charset="-18"/>
-                <a:cs typeface="Poppins" panose="00000500000000000000" pitchFamily="2" charset="-18"/>
-              </a:rPr>
-              <a:t>Educational tutoring</a:t>
-            </a:r>
-          </a:p>
-          <a:p>
-            <a:pPr algn="l">
-              <a:buFont typeface="Arial" panose="020B0604020202020204" pitchFamily="34" charset="0"/>
-              <a:buChar char="•"/>
-            </a:pPr>
-            <a:r>
-              <a:rPr lang="en-GB" b="0" i="0" dirty="0">
-                <a:effectLst/>
-                <a:latin typeface="Poppins" panose="00000500000000000000" pitchFamily="2" charset="-18"/>
-                <a:cs typeface="Poppins" panose="00000500000000000000" pitchFamily="2" charset="-18"/>
-              </a:rPr>
-              <a:t>Healthcare triage</a:t>
-            </a:r>
-          </a:p>
-        </p:txBody>
-      </p:sp>
-      <p:sp>
-        <p:nvSpPr>
-          <p:cNvPr id="8" name="pole tekstowe 7">
-            <a:extLst>
-              <a:ext uri="{FF2B5EF4-FFF2-40B4-BE49-F238E27FC236}">
-                <a16:creationId xmlns:a16="http://schemas.microsoft.com/office/drawing/2014/main" id="{7932B3B4-703E-662D-CA14-5B121D55762D}"/>
-              </a:ext>
-            </a:extLst>
-          </p:cNvPr>
-          <p:cNvSpPr txBox="1"/>
-          <p:nvPr/>
-        </p:nvSpPr>
-        <p:spPr>
-          <a:xfrm>
-            <a:off x="6506708" y="3857986"/>
-            <a:ext cx="4789942" cy="2662267"/>
-          </a:xfrm>
-          <a:prstGeom prst="rect">
-            <a:avLst/>
-          </a:prstGeom>
-          <a:noFill/>
-        </p:spPr>
-        <p:txBody>
-          <a:bodyPr wrap="square">
-            <a:spAutoFit/>
-          </a:bodyPr>
-          <a:lstStyle/>
-          <a:p>
-            <a:pPr algn="l">
-              <a:spcBef>
-                <a:spcPts val="1200"/>
-              </a:spcBef>
-              <a:spcAft>
-                <a:spcPts val="600"/>
-              </a:spcAft>
-              <a:buNone/>
-            </a:pPr>
-            <a:r>
-              <a:rPr lang="en-GB" b="1" i="0" dirty="0">
-                <a:effectLst/>
-                <a:latin typeface="Poppins" panose="00000500000000000000" pitchFamily="2" charset="-18"/>
-                <a:cs typeface="Poppins" panose="00000500000000000000" pitchFamily="2" charset="-18"/>
-              </a:rPr>
-              <a:t>Limitations</a:t>
-            </a:r>
-            <a:r>
-              <a:rPr lang="pl-PL" b="1" i="0" dirty="0">
-                <a:effectLst/>
-                <a:latin typeface="Poppins" panose="00000500000000000000" pitchFamily="2" charset="-18"/>
-                <a:cs typeface="Poppins" panose="00000500000000000000" pitchFamily="2" charset="-18"/>
-              </a:rPr>
-              <a:t> and </a:t>
-            </a:r>
-            <a:r>
-              <a:rPr lang="pl-PL" b="1" i="0" dirty="0" err="1">
-                <a:effectLst/>
-                <a:latin typeface="Poppins" panose="00000500000000000000" pitchFamily="2" charset="-18"/>
-                <a:cs typeface="Poppins" panose="00000500000000000000" pitchFamily="2" charset="-18"/>
-              </a:rPr>
-              <a:t>Risks</a:t>
-            </a:r>
-            <a:endParaRPr lang="en-GB" b="1" i="0" dirty="0">
-              <a:effectLst/>
-              <a:latin typeface="Poppins" panose="00000500000000000000" pitchFamily="2" charset="-18"/>
-              <a:cs typeface="Poppins" panose="00000500000000000000" pitchFamily="2" charset="-18"/>
-            </a:endParaRPr>
-          </a:p>
-          <a:p>
-            <a:pPr algn="l"/>
-            <a:r>
-              <a:rPr lang="pl-PL" b="0" i="0" dirty="0" err="1">
-                <a:effectLst/>
-                <a:latin typeface="Poppins" panose="00000500000000000000" pitchFamily="2" charset="-18"/>
-                <a:cs typeface="Poppins" panose="00000500000000000000" pitchFamily="2" charset="-18"/>
-              </a:rPr>
-              <a:t>Chats</a:t>
-            </a:r>
-            <a:r>
-              <a:rPr lang="pl-PL" b="0" i="0" dirty="0">
-                <a:effectLst/>
-                <a:latin typeface="Poppins" panose="00000500000000000000" pitchFamily="2" charset="-18"/>
-                <a:cs typeface="Poppins" panose="00000500000000000000" pitchFamily="2" charset="-18"/>
-              </a:rPr>
-              <a:t> </a:t>
-            </a:r>
-            <a:r>
-              <a:rPr lang="pl-PL" b="0" i="0" dirty="0" err="1">
-                <a:effectLst/>
-                <a:latin typeface="Poppins" panose="00000500000000000000" pitchFamily="2" charset="-18"/>
-                <a:cs typeface="Poppins" panose="00000500000000000000" pitchFamily="2" charset="-18"/>
-              </a:rPr>
-              <a:t>are</a:t>
-            </a:r>
-            <a:r>
-              <a:rPr lang="pl-PL" b="0" i="0" dirty="0">
-                <a:effectLst/>
-                <a:latin typeface="Poppins" panose="00000500000000000000" pitchFamily="2" charset="-18"/>
-                <a:cs typeface="Poppins" panose="00000500000000000000" pitchFamily="2" charset="-18"/>
-              </a:rPr>
-              <a:t> </a:t>
-            </a:r>
-            <a:r>
-              <a:rPr lang="pl-PL" b="0" i="0" dirty="0" err="1">
-                <a:effectLst/>
-                <a:latin typeface="Poppins" panose="00000500000000000000" pitchFamily="2" charset="-18"/>
-                <a:cs typeface="Poppins" panose="00000500000000000000" pitchFamily="2" charset="-18"/>
-              </a:rPr>
-              <a:t>pretty</a:t>
-            </a:r>
-            <a:r>
-              <a:rPr lang="pl-PL" b="0" i="0" dirty="0">
-                <a:effectLst/>
-                <a:latin typeface="Poppins" panose="00000500000000000000" pitchFamily="2" charset="-18"/>
-                <a:cs typeface="Poppins" panose="00000500000000000000" pitchFamily="2" charset="-18"/>
-              </a:rPr>
-              <a:t> much as open as </a:t>
-            </a:r>
-            <a:r>
-              <a:rPr lang="pl-PL" b="0" i="0" dirty="0" err="1">
-                <a:effectLst/>
-                <a:latin typeface="Poppins" panose="00000500000000000000" pitchFamily="2" charset="-18"/>
-                <a:cs typeface="Poppins" panose="00000500000000000000" pitchFamily="2" charset="-18"/>
-              </a:rPr>
-              <a:t>its</a:t>
-            </a:r>
-            <a:r>
-              <a:rPr lang="pl-PL" b="0" i="0" dirty="0">
-                <a:effectLst/>
-                <a:latin typeface="Poppins" panose="00000500000000000000" pitchFamily="2" charset="-18"/>
-                <a:cs typeface="Poppins" panose="00000500000000000000" pitchFamily="2" charset="-18"/>
-              </a:rPr>
-              <a:t> </a:t>
-            </a:r>
-            <a:r>
-              <a:rPr lang="pl-PL" b="0" i="0" dirty="0" err="1">
-                <a:effectLst/>
-                <a:latin typeface="Poppins" panose="00000500000000000000" pitchFamily="2" charset="-18"/>
-                <a:cs typeface="Poppins" panose="00000500000000000000" pitchFamily="2" charset="-18"/>
-              </a:rPr>
-              <a:t>possible</a:t>
-            </a:r>
-            <a:r>
-              <a:rPr lang="pl-PL" b="0" i="0" dirty="0">
-                <a:effectLst/>
-                <a:latin typeface="Poppins" panose="00000500000000000000" pitchFamily="2" charset="-18"/>
-                <a:cs typeface="Poppins" panose="00000500000000000000" pitchFamily="2" charset="-18"/>
-              </a:rPr>
-              <a:t> -&gt; </a:t>
-            </a:r>
-            <a:r>
-              <a:rPr lang="pl-PL" b="0" i="0" dirty="0" err="1">
-                <a:effectLst/>
-                <a:latin typeface="Poppins" panose="00000500000000000000" pitchFamily="2" charset="-18"/>
-                <a:cs typeface="Poppins" panose="00000500000000000000" pitchFamily="2" charset="-18"/>
-              </a:rPr>
-              <a:t>this</a:t>
-            </a:r>
-            <a:r>
-              <a:rPr lang="pl-PL" b="0" i="0" dirty="0">
-                <a:effectLst/>
-                <a:latin typeface="Poppins" panose="00000500000000000000" pitchFamily="2" charset="-18"/>
-                <a:cs typeface="Poppins" panose="00000500000000000000" pitchFamily="2" charset="-18"/>
-              </a:rPr>
-              <a:t> </a:t>
-            </a:r>
-            <a:r>
-              <a:rPr lang="pl-PL" b="0" i="0" dirty="0" err="1">
-                <a:effectLst/>
-                <a:latin typeface="Poppins" panose="00000500000000000000" pitchFamily="2" charset="-18"/>
-                <a:cs typeface="Poppins" panose="00000500000000000000" pitchFamily="2" charset="-18"/>
-              </a:rPr>
-              <a:t>creates</a:t>
-            </a:r>
-            <a:r>
-              <a:rPr lang="pl-PL" b="0" i="0" dirty="0">
-                <a:effectLst/>
-                <a:latin typeface="Poppins" panose="00000500000000000000" pitchFamily="2" charset="-18"/>
-                <a:cs typeface="Poppins" panose="00000500000000000000" pitchFamily="2" charset="-18"/>
-              </a:rPr>
-              <a:t> a lot of </a:t>
-            </a:r>
-            <a:r>
-              <a:rPr lang="pl-PL" b="0" i="0" dirty="0" err="1">
-                <a:effectLst/>
-                <a:latin typeface="Poppins" panose="00000500000000000000" pitchFamily="2" charset="-18"/>
-                <a:cs typeface="Poppins" panose="00000500000000000000" pitchFamily="2" charset="-18"/>
-              </a:rPr>
-              <a:t>risk</a:t>
-            </a:r>
-            <a:r>
-              <a:rPr lang="pl-PL" dirty="0" err="1">
-                <a:latin typeface="Poppins" panose="00000500000000000000" pitchFamily="2" charset="-18"/>
-                <a:cs typeface="Poppins" panose="00000500000000000000" pitchFamily="2" charset="-18"/>
-              </a:rPr>
-              <a:t>s</a:t>
-            </a:r>
-            <a:r>
-              <a:rPr lang="pl-PL" dirty="0">
-                <a:latin typeface="Poppins" panose="00000500000000000000" pitchFamily="2" charset="-18"/>
-                <a:cs typeface="Poppins" panose="00000500000000000000" pitchFamily="2" charset="-18"/>
-              </a:rPr>
-              <a:t> </a:t>
-            </a:r>
-            <a:r>
-              <a:rPr lang="pl-PL" dirty="0" err="1">
-                <a:latin typeface="Poppins" panose="00000500000000000000" pitchFamily="2" charset="-18"/>
-                <a:cs typeface="Poppins" panose="00000500000000000000" pitchFamily="2" charset="-18"/>
-              </a:rPr>
-              <a:t>including</a:t>
-            </a:r>
-            <a:r>
-              <a:rPr lang="pl-PL" dirty="0">
-                <a:latin typeface="Poppins" panose="00000500000000000000" pitchFamily="2" charset="-18"/>
-                <a:cs typeface="Poppins" panose="00000500000000000000" pitchFamily="2" charset="-18"/>
-              </a:rPr>
-              <a:t>:</a:t>
-            </a:r>
-          </a:p>
-          <a:p>
-            <a:pPr lvl="1">
-              <a:buFont typeface="Arial" panose="020B0604020202020204" pitchFamily="34" charset="0"/>
-              <a:buChar char="•"/>
-            </a:pPr>
-            <a:r>
-              <a:rPr lang="pl-PL" b="0" i="0" dirty="0" err="1">
-                <a:effectLst/>
-                <a:latin typeface="Poppins" panose="00000500000000000000" pitchFamily="2" charset="-18"/>
-                <a:cs typeface="Poppins" panose="00000500000000000000" pitchFamily="2" charset="-18"/>
-              </a:rPr>
-              <a:t>Toxic</a:t>
-            </a:r>
-            <a:r>
-              <a:rPr lang="pl-PL" b="0" i="0" dirty="0">
-                <a:effectLst/>
-                <a:latin typeface="Poppins" panose="00000500000000000000" pitchFamily="2" charset="-18"/>
-                <a:cs typeface="Poppins" panose="00000500000000000000" pitchFamily="2" charset="-18"/>
-              </a:rPr>
-              <a:t> </a:t>
-            </a:r>
-            <a:r>
-              <a:rPr lang="pl-PL" b="0" i="0" dirty="0" err="1">
-                <a:effectLst/>
-                <a:latin typeface="Poppins" panose="00000500000000000000" pitchFamily="2" charset="-18"/>
-                <a:cs typeface="Poppins" panose="00000500000000000000" pitchFamily="2" charset="-18"/>
-              </a:rPr>
-              <a:t>behaviour</a:t>
-            </a:r>
-            <a:endParaRPr lang="pl-PL" b="0" i="0" dirty="0">
-              <a:effectLst/>
-              <a:latin typeface="Poppins" panose="00000500000000000000" pitchFamily="2" charset="-18"/>
-              <a:cs typeface="Poppins" panose="00000500000000000000" pitchFamily="2" charset="-18"/>
-            </a:endParaRPr>
-          </a:p>
-          <a:p>
-            <a:pPr lvl="1">
-              <a:buFont typeface="Arial" panose="020B0604020202020204" pitchFamily="34" charset="0"/>
-              <a:buChar char="•"/>
-            </a:pPr>
-            <a:r>
-              <a:rPr lang="pl-PL" dirty="0" err="1">
-                <a:latin typeface="Poppins" panose="00000500000000000000" pitchFamily="2" charset="-18"/>
-                <a:cs typeface="Poppins" panose="00000500000000000000" pitchFamily="2" charset="-18"/>
-              </a:rPr>
-              <a:t>Prompt</a:t>
-            </a:r>
-            <a:r>
-              <a:rPr lang="pl-PL" dirty="0">
-                <a:latin typeface="Poppins" panose="00000500000000000000" pitchFamily="2" charset="-18"/>
-                <a:cs typeface="Poppins" panose="00000500000000000000" pitchFamily="2" charset="-18"/>
-              </a:rPr>
-              <a:t> </a:t>
-            </a:r>
-            <a:r>
-              <a:rPr lang="pl-PL" dirty="0" err="1">
-                <a:latin typeface="Poppins" panose="00000500000000000000" pitchFamily="2" charset="-18"/>
-                <a:cs typeface="Poppins" panose="00000500000000000000" pitchFamily="2" charset="-18"/>
-              </a:rPr>
-              <a:t>Injection</a:t>
-            </a:r>
-            <a:endParaRPr lang="pl-PL" dirty="0">
-              <a:latin typeface="Poppins" panose="00000500000000000000" pitchFamily="2" charset="-18"/>
-              <a:cs typeface="Poppins" panose="00000500000000000000" pitchFamily="2" charset="-18"/>
-            </a:endParaRPr>
-          </a:p>
-          <a:p>
-            <a:pPr lvl="1">
-              <a:buFont typeface="Arial" panose="020B0604020202020204" pitchFamily="34" charset="0"/>
-              <a:buChar char="•"/>
-            </a:pPr>
-            <a:r>
-              <a:rPr lang="pl-PL" b="0" i="0" dirty="0" err="1">
-                <a:effectLst/>
-                <a:latin typeface="Poppins" panose="00000500000000000000" pitchFamily="2" charset="-18"/>
-                <a:cs typeface="Poppins" panose="00000500000000000000" pitchFamily="2" charset="-18"/>
-              </a:rPr>
-              <a:t>Customers</a:t>
-            </a:r>
-            <a:r>
-              <a:rPr lang="pl-PL" b="0" i="0" dirty="0">
-                <a:effectLst/>
-                <a:latin typeface="Poppins" panose="00000500000000000000" pitchFamily="2" charset="-18"/>
-                <a:cs typeface="Poppins" panose="00000500000000000000" pitchFamily="2" charset="-18"/>
-              </a:rPr>
-              <a:t> </a:t>
-            </a:r>
-            <a:r>
-              <a:rPr lang="pl-PL" b="0" i="0" dirty="0" err="1">
-                <a:effectLst/>
-                <a:latin typeface="Poppins" panose="00000500000000000000" pitchFamily="2" charset="-18"/>
-                <a:cs typeface="Poppins" panose="00000500000000000000" pitchFamily="2" charset="-18"/>
-              </a:rPr>
-              <a:t>trying</a:t>
-            </a:r>
-            <a:r>
-              <a:rPr lang="pl-PL" b="0" i="0" dirty="0">
-                <a:effectLst/>
-                <a:latin typeface="Poppins" panose="00000500000000000000" pitchFamily="2" charset="-18"/>
-                <a:cs typeface="Poppins" panose="00000500000000000000" pitchFamily="2" charset="-18"/>
-              </a:rPr>
-              <a:t> to </a:t>
-            </a:r>
-            <a:r>
-              <a:rPr lang="pl-PL" b="0" i="0" dirty="0" err="1">
-                <a:effectLst/>
-                <a:latin typeface="Poppins" panose="00000500000000000000" pitchFamily="2" charset="-18"/>
-                <a:cs typeface="Poppins" panose="00000500000000000000" pitchFamily="2" charset="-18"/>
-              </a:rPr>
-              <a:t>get</a:t>
-            </a:r>
-            <a:r>
-              <a:rPr lang="pl-PL" b="0" i="0" dirty="0">
-                <a:effectLst/>
-                <a:latin typeface="Poppins" panose="00000500000000000000" pitchFamily="2" charset="-18"/>
-                <a:cs typeface="Poppins" panose="00000500000000000000" pitchFamily="2" charset="-18"/>
-              </a:rPr>
-              <a:t> </a:t>
-            </a:r>
-            <a:r>
-              <a:rPr lang="pl-PL" b="0" i="0" dirty="0" err="1">
-                <a:effectLst/>
-                <a:latin typeface="Poppins" panose="00000500000000000000" pitchFamily="2" charset="-18"/>
-                <a:cs typeface="Poppins" panose="00000500000000000000" pitchFamily="2" charset="-18"/>
-              </a:rPr>
-              <a:t>benefits</a:t>
-            </a:r>
-            <a:r>
-              <a:rPr lang="pl-PL" b="0" i="0" dirty="0">
-                <a:effectLst/>
-                <a:latin typeface="Poppins" panose="00000500000000000000" pitchFamily="2" charset="-18"/>
-                <a:cs typeface="Poppins" panose="00000500000000000000" pitchFamily="2" charset="-18"/>
-              </a:rPr>
-              <a:t> from </a:t>
-            </a:r>
-            <a:r>
-              <a:rPr lang="pl-PL" b="0" i="0" dirty="0" err="1">
-                <a:effectLst/>
-                <a:latin typeface="Poppins" panose="00000500000000000000" pitchFamily="2" charset="-18"/>
-                <a:cs typeface="Poppins" panose="00000500000000000000" pitchFamily="2" charset="-18"/>
-              </a:rPr>
-              <a:t>ChatBot</a:t>
-            </a:r>
-            <a:r>
-              <a:rPr lang="pl-PL" b="0" i="0" dirty="0">
-                <a:effectLst/>
-                <a:latin typeface="Poppins" panose="00000500000000000000" pitchFamily="2" charset="-18"/>
-                <a:cs typeface="Poppins" panose="00000500000000000000" pitchFamily="2" charset="-18"/>
-              </a:rPr>
-              <a:t> </a:t>
-            </a:r>
-            <a:r>
-              <a:rPr lang="pl-PL" b="0" i="0" dirty="0" err="1">
-                <a:effectLst/>
-                <a:latin typeface="Poppins" panose="00000500000000000000" pitchFamily="2" charset="-18"/>
-                <a:cs typeface="Poppins" panose="00000500000000000000" pitchFamily="2" charset="-18"/>
-              </a:rPr>
-              <a:t>errors</a:t>
-            </a:r>
-            <a:r>
-              <a:rPr lang="pl-PL" b="0" i="0" dirty="0">
-                <a:effectLst/>
-                <a:latin typeface="Poppins" panose="00000500000000000000" pitchFamily="2" charset="-18"/>
-                <a:cs typeface="Poppins" panose="00000500000000000000" pitchFamily="2" charset="-18"/>
-              </a:rPr>
-              <a:t> -&gt; </a:t>
-            </a:r>
-            <a:r>
-              <a:rPr lang="pl-PL" b="0" i="0" dirty="0" err="1">
-                <a:effectLst/>
-                <a:latin typeface="Poppins" panose="00000500000000000000" pitchFamily="2" charset="-18"/>
-                <a:cs typeface="Poppins" panose="00000500000000000000" pitchFamily="2" charset="-18"/>
-              </a:rPr>
-              <a:t>they</a:t>
-            </a:r>
-            <a:r>
-              <a:rPr lang="pl-PL" b="0" i="0" dirty="0">
-                <a:effectLst/>
-                <a:latin typeface="Poppins" panose="00000500000000000000" pitchFamily="2" charset="-18"/>
-                <a:cs typeface="Poppins" panose="00000500000000000000" pitchFamily="2" charset="-18"/>
-              </a:rPr>
-              <a:t> </a:t>
-            </a:r>
-            <a:r>
-              <a:rPr lang="pl-PL" b="0" i="0" dirty="0" err="1">
-                <a:effectLst/>
-                <a:latin typeface="Poppins" panose="00000500000000000000" pitchFamily="2" charset="-18"/>
-                <a:cs typeface="Poppins" panose="00000500000000000000" pitchFamily="2" charset="-18"/>
-              </a:rPr>
-              <a:t>have</a:t>
-            </a:r>
-            <a:r>
-              <a:rPr lang="pl-PL" b="0" i="0" dirty="0">
-                <a:effectLst/>
-                <a:latin typeface="Poppins" panose="00000500000000000000" pitchFamily="2" charset="-18"/>
-                <a:cs typeface="Poppins" panose="00000500000000000000" pitchFamily="2" charset="-18"/>
-              </a:rPr>
-              <a:t> </a:t>
-            </a:r>
-            <a:r>
-              <a:rPr lang="pl-PL" b="0" i="0" dirty="0" err="1">
-                <a:effectLst/>
-                <a:latin typeface="Poppins" panose="00000500000000000000" pitchFamily="2" charset="-18"/>
-                <a:cs typeface="Poppins" panose="00000500000000000000" pitchFamily="2" charset="-18"/>
-              </a:rPr>
-              <a:t>unlimited</a:t>
-            </a:r>
-            <a:r>
-              <a:rPr lang="pl-PL" b="0" i="0" dirty="0">
-                <a:effectLst/>
-                <a:latin typeface="Poppins" panose="00000500000000000000" pitchFamily="2" charset="-18"/>
-                <a:cs typeface="Poppins" panose="00000500000000000000" pitchFamily="2" charset="-18"/>
-              </a:rPr>
-              <a:t> </a:t>
-            </a:r>
-            <a:r>
-              <a:rPr lang="pl-PL" b="0" i="0" dirty="0" err="1">
-                <a:effectLst/>
-                <a:latin typeface="Poppins" panose="00000500000000000000" pitchFamily="2" charset="-18"/>
-                <a:cs typeface="Poppins" panose="00000500000000000000" pitchFamily="2" charset="-18"/>
-              </a:rPr>
-              <a:t>tries</a:t>
-            </a:r>
-            <a:endParaRPr lang="pl-PL" b="0" i="0" dirty="0">
-              <a:effectLst/>
-              <a:latin typeface="Poppins" panose="00000500000000000000" pitchFamily="2" charset="-18"/>
-              <a:cs typeface="Poppins" panose="00000500000000000000" pitchFamily="2" charset="-18"/>
-            </a:endParaRPr>
+            <a:r>
+              <a:rPr lang="en-US" sz="1600" b="1" dirty="0">
+                <a:latin typeface="Poppins"/>
+              </a:rPr>
+              <a:t>Plug-and-Play:</a:t>
+            </a:r>
+            <a:r>
+              <a:rPr lang="en-US" sz="1600" dirty="0">
+                <a:latin typeface="Poppins"/>
+              </a:rPr>
+              <a:t> Connect any MCP server to any MCP-compatible host without custom code</a:t>
+            </a:r>
           </a:p>
         </p:txBody>
       </p:sp>
     </p:spTree>
-    <p:extLst>
-      <p:ext uri="{BB962C8B-B14F-4D97-AF65-F5344CB8AC3E}">
-        <p14:creationId xmlns:p14="http://schemas.microsoft.com/office/powerpoint/2010/main" val="1863012725"/>
-      </p:ext>
-    </p:extLst>
   </p:cSld>
   <p:clrMapOvr>
     <a:masterClrMapping/>
@@ -18154,6 +17604,2917 @@
   <p:cSld>
     <p:spTree>
       <p:nvGrpSpPr>
+        <p:cNvPr id="1" name=""/>
+        <p:cNvGrpSpPr/>
+        <p:nvPr/>
+      </p:nvGrpSpPr>
+      <p:grpSpPr>
+        <a:xfrm>
+          <a:off x="0" y="0"/>
+          <a:ext cx="0" cy="0"/>
+          <a:chOff x="0" y="0"/>
+          <a:chExt cx="0" cy="0"/>
+        </a:xfrm>
+      </p:grpSpPr>
+      <p:sp>
+        <p:nvSpPr>
+          <p:cNvPr id="2" name="Title"/>
+          <p:cNvSpPr txBox="1"/>
+          <p:nvPr/>
+        </p:nvSpPr>
+        <p:spPr>
+          <a:xfrm>
+            <a:off x="407988" y="365125"/>
+            <a:ext cx="11376000" cy="523180"/>
+          </a:xfrm>
+          <a:prstGeom prst="rect">
+            <a:avLst/>
+          </a:prstGeom>
+          <a:noFill/>
+        </p:spPr>
+        <p:txBody>
+          <a:bodyPr spcFirstLastPara="1" wrap="square" lIns="91425" tIns="45700" rIns="91425" bIns="45700" anchor="t" anchorCtr="0">
+            <a:spAutoFit/>
+          </a:bodyPr>
+          <a:lstStyle/>
+          <a:p>
+            <a:pPr marL="0" lvl="0" algn="l">
+              <a:spcBef>
+                <a:spcPts val="0"/>
+              </a:spcBef>
+              <a:buNone/>
+            </a:pPr>
+            <a:r>
+              <a:rPr lang="en-US" sz="2800" b="1" dirty="0">
+                <a:solidFill>
+                  <a:schemeClr val="dk1"/>
+                </a:solidFill>
+                <a:latin typeface="Poppins"/>
+              </a:rPr>
+              <a:t>MCP vs Traditional Tools: When to Use Each</a:t>
+            </a:r>
+          </a:p>
+        </p:txBody>
+      </p:sp>
+      <p:sp>
+        <p:nvSpPr>
+          <p:cNvPr id="10" name="LeftHeader"/>
+          <p:cNvSpPr/>
+          <p:nvPr/>
+        </p:nvSpPr>
+        <p:spPr>
+          <a:xfrm>
+            <a:off x="407988" y="1000000"/>
+            <a:ext cx="5400000" cy="500000"/>
+          </a:xfrm>
+          <a:prstGeom prst="roundRect">
+            <a:avLst/>
+          </a:prstGeom>
+          <a:solidFill>
+            <a:srgbClr val="1A237E"/>
+          </a:solidFill>
+        </p:spPr>
+        <p:txBody>
+          <a:bodyPr anchor="ctr"/>
+          <a:lstStyle/>
+          <a:p>
+            <a:pPr algn="ctr"/>
+            <a:r>
+              <a:rPr lang="en-US" sz="2000" b="1" dirty="0">
+                <a:solidFill>
+                  <a:srgbClr val="FFFFFF"/>
+                </a:solidFill>
+                <a:latin typeface="Poppins"/>
+              </a:rPr>
+              <a:t>Traditional Tools (Function Calling)</a:t>
+            </a:r>
+          </a:p>
+        </p:txBody>
+      </p:sp>
+      <p:sp>
+        <p:nvSpPr>
+          <p:cNvPr id="11" name="RightHeader"/>
+          <p:cNvSpPr/>
+          <p:nvPr/>
+        </p:nvSpPr>
+        <p:spPr>
+          <a:xfrm>
+            <a:off x="6007988" y="1000000"/>
+            <a:ext cx="5400000" cy="500000"/>
+          </a:xfrm>
+          <a:prstGeom prst="roundRect">
+            <a:avLst/>
+          </a:prstGeom>
+          <a:solidFill>
+            <a:srgbClr val="66BB6A"/>
+          </a:solidFill>
+        </p:spPr>
+        <p:txBody>
+          <a:bodyPr anchor="ctr"/>
+          <a:lstStyle/>
+          <a:p>
+            <a:pPr algn="ctr"/>
+            <a:r>
+              <a:rPr lang="en-US" sz="2000" b="1" dirty="0">
+                <a:solidFill>
+                  <a:srgbClr val="FFFFFF"/>
+                </a:solidFill>
+                <a:latin typeface="Poppins"/>
+              </a:rPr>
+              <a:t>MCP (Model Context Protocol)</a:t>
+            </a:r>
+          </a:p>
+        </p:txBody>
+      </p:sp>
+      <p:sp>
+        <p:nvSpPr>
+          <p:cNvPr id="20" name="LeftContent"/>
+          <p:cNvSpPr txBox="1"/>
+          <p:nvPr/>
+        </p:nvSpPr>
+        <p:spPr>
+          <a:xfrm>
+            <a:off x="407988" y="1600000"/>
+            <a:ext cx="5400000" cy="3200000"/>
+          </a:xfrm>
+          <a:prstGeom prst="rect">
+            <a:avLst/>
+          </a:prstGeom>
+          <a:solidFill>
+            <a:srgbClr val="E8EAF6"/>
+          </a:solidFill>
+        </p:spPr>
+        <p:txBody>
+          <a:bodyPr wrap="square" lIns="150000" tIns="100000" rIns="150000" bIns="100000">
+            <a:spAutoFit/>
+          </a:bodyPr>
+          <a:lstStyle/>
+          <a:p>
+            <a:pPr marL="285750" indent="-285750">
+              <a:spcBef>
+                <a:spcPts val="800"/>
+              </a:spcBef>
+              <a:buFont typeface="Arial"/>
+              <a:buChar char="•"/>
+            </a:pPr>
+            <a:r>
+              <a:rPr lang="en-US" sz="1600" dirty="0">
+                <a:latin typeface="Poppins"/>
+              </a:rPr>
+              <a:t>Tools defined per-application</a:t>
+            </a:r>
+          </a:p>
+          <a:p>
+            <a:pPr marL="285750" indent="-285750">
+              <a:spcBef>
+                <a:spcPts val="800"/>
+              </a:spcBef>
+              <a:buFont typeface="Arial"/>
+              <a:buChar char="•"/>
+            </a:pPr>
+            <a:r>
+              <a:rPr lang="en-US" sz="1600" dirty="0">
+                <a:latin typeface="Poppins"/>
+              </a:rPr>
+              <a:t>Custom integration for each LLM</a:t>
+            </a:r>
+          </a:p>
+          <a:p>
+            <a:pPr marL="285750" indent="-285750">
+              <a:spcBef>
+                <a:spcPts val="800"/>
+              </a:spcBef>
+              <a:buFont typeface="Arial"/>
+              <a:buChar char="•"/>
+            </a:pPr>
+            <a:r>
+              <a:rPr lang="en-US" sz="1600" dirty="0">
+                <a:latin typeface="Poppins"/>
+              </a:rPr>
+              <a:t>Tight coupling to your code</a:t>
+            </a:r>
+          </a:p>
+          <a:p>
+            <a:pPr marL="285750" indent="-285750">
+              <a:spcBef>
+                <a:spcPts val="800"/>
+              </a:spcBef>
+              <a:buFont typeface="Arial"/>
+              <a:buChar char="•"/>
+            </a:pPr>
+            <a:r>
+              <a:rPr lang="en-US" sz="1600" dirty="0">
+                <a:latin typeface="Poppins"/>
+              </a:rPr>
+              <a:t>Full control over tool behavior</a:t>
+            </a:r>
+          </a:p>
+          <a:p>
+            <a:pPr marL="285750" indent="-285750">
+              <a:spcBef>
+                <a:spcPts val="800"/>
+              </a:spcBef>
+              <a:buFont typeface="Arial"/>
+              <a:buChar char="•"/>
+            </a:pPr>
+            <a:r>
+              <a:rPr lang="en-US" sz="1600" dirty="0">
+                <a:latin typeface="Poppins"/>
+              </a:rPr>
+              <a:t>Best for: single-purpose agents, prototypes, custom pipelines</a:t>
+            </a:r>
+          </a:p>
+        </p:txBody>
+      </p:sp>
+      <p:sp>
+        <p:nvSpPr>
+          <p:cNvPr id="21" name="RightContent"/>
+          <p:cNvSpPr txBox="1"/>
+          <p:nvPr/>
+        </p:nvSpPr>
+        <p:spPr>
+          <a:xfrm>
+            <a:off x="6007988" y="1600000"/>
+            <a:ext cx="5400000" cy="3200000"/>
+          </a:xfrm>
+          <a:prstGeom prst="rect">
+            <a:avLst/>
+          </a:prstGeom>
+          <a:solidFill>
+            <a:srgbClr val="E8F5E9"/>
+          </a:solidFill>
+        </p:spPr>
+        <p:txBody>
+          <a:bodyPr wrap="square" lIns="150000" tIns="100000" rIns="150000" bIns="100000">
+            <a:spAutoFit/>
+          </a:bodyPr>
+          <a:lstStyle/>
+          <a:p>
+            <a:pPr marL="285750" indent="-285750">
+              <a:spcBef>
+                <a:spcPts val="800"/>
+              </a:spcBef>
+              <a:buFont typeface="Arial"/>
+              <a:buChar char="•"/>
+            </a:pPr>
+            <a:r>
+              <a:rPr lang="en-US" sz="1600" dirty="0">
+                <a:latin typeface="Poppins"/>
+              </a:rPr>
+              <a:t>Tools are reusable across apps</a:t>
+            </a:r>
+          </a:p>
+          <a:p>
+            <a:pPr marL="285750" indent="-285750">
+              <a:spcBef>
+                <a:spcPts val="800"/>
+              </a:spcBef>
+              <a:buFont typeface="Arial"/>
+              <a:buChar char="•"/>
+            </a:pPr>
+            <a:r>
+              <a:rPr lang="en-US" sz="1600" dirty="0">
+                <a:latin typeface="Poppins"/>
+              </a:rPr>
+              <a:t>Standardized interface for all LLMs</a:t>
+            </a:r>
+          </a:p>
+          <a:p>
+            <a:pPr marL="285750" indent="-285750">
+              <a:spcBef>
+                <a:spcPts val="800"/>
+              </a:spcBef>
+              <a:buFont typeface="Arial"/>
+              <a:buChar char="•"/>
+            </a:pPr>
+            <a:r>
+              <a:rPr lang="en-US" sz="1600" dirty="0">
+                <a:latin typeface="Poppins"/>
+              </a:rPr>
+              <a:t>Loose coupling via protocol</a:t>
+            </a:r>
+          </a:p>
+          <a:p>
+            <a:pPr marL="285750" indent="-285750">
+              <a:spcBef>
+                <a:spcPts val="800"/>
+              </a:spcBef>
+              <a:buFont typeface="Arial"/>
+              <a:buChar char="•"/>
+            </a:pPr>
+            <a:r>
+              <a:rPr lang="en-US" sz="1600" dirty="0">
+                <a:latin typeface="Poppins"/>
+              </a:rPr>
+              <a:t>Growing ecosystem of servers</a:t>
+            </a:r>
+          </a:p>
+          <a:p>
+            <a:pPr marL="285750" indent="-285750">
+              <a:spcBef>
+                <a:spcPts val="800"/>
+              </a:spcBef>
+              <a:buFont typeface="Arial"/>
+              <a:buChar char="•"/>
+            </a:pPr>
+            <a:r>
+              <a:rPr lang="en-US" sz="1600" dirty="0">
+                <a:latin typeface="Poppins"/>
+              </a:rPr>
+              <a:t>Best for: multi-tool agents, enterprise apps, tool sharing</a:t>
+            </a:r>
+          </a:p>
+        </p:txBody>
+      </p:sp>
+      <p:sp>
+        <p:nvSpPr>
+          <p:cNvPr id="30" name="Recommendation"/>
+          <p:cNvSpPr/>
+          <p:nvPr/>
+        </p:nvSpPr>
+        <p:spPr>
+          <a:xfrm>
+            <a:off x="407988" y="5000000"/>
+            <a:ext cx="11000000" cy="1400000"/>
+          </a:xfrm>
+          <a:prstGeom prst="roundRect">
+            <a:avLst/>
+          </a:prstGeom>
+          <a:solidFill>
+            <a:srgbClr val="FFF3E0"/>
+          </a:solidFill>
+          <a:ln w="25400">
+            <a:solidFill>
+              <a:srgbClr val="FF9800"/>
+            </a:solidFill>
+          </a:ln>
+        </p:spPr>
+        <p:txBody>
+          <a:bodyPr wrap="square" lIns="150000" tIns="100000" rIns="150000" bIns="100000" anchor="ctr">
+            <a:spAutoFit/>
+          </a:bodyPr>
+          <a:lstStyle/>
+          <a:p>
+            <a:pPr algn="l">
+              <a:spcBef>
+                <a:spcPts val="0"/>
+              </a:spcBef>
+            </a:pPr>
+            <a:r>
+              <a:rPr lang="en-US" sz="1800" b="1" dirty="0">
+                <a:solidFill>
+                  <a:srgbClr val="E65100"/>
+                </a:solidFill>
+                <a:latin typeface="Poppins"/>
+              </a:rPr>
+              <a:t>When to choose MCP:</a:t>
+            </a:r>
+          </a:p>
+          <a:p>
+            <a:pPr algn="l">
+              <a:spcBef>
+                <a:spcPts val="400"/>
+              </a:spcBef>
+            </a:pPr>
+            <a:r>
+              <a:rPr lang="en-US" sz="1600" dirty="0">
+                <a:latin typeface="Poppins"/>
+              </a:rPr>
+              <a:t>Use MCP when you need to </a:t>
+            </a:r>
+            <a:r>
+              <a:rPr lang="en-US" sz="1600" b="1" dirty="0">
+                <a:latin typeface="Poppins"/>
+              </a:rPr>
+              <a:t>share tools</a:t>
+            </a:r>
+            <a:r>
+              <a:rPr lang="en-US" sz="1600" dirty="0">
+                <a:latin typeface="Poppins"/>
+              </a:rPr>
+              <a:t> across multiple agents, want to use </a:t>
+            </a:r>
+            <a:r>
+              <a:rPr lang="en-US" sz="1600" b="1" dirty="0">
+                <a:latin typeface="Poppins"/>
+              </a:rPr>
+              <a:t>community-built servers</a:t>
+            </a:r>
+            <a:r>
+              <a:rPr lang="en-US" sz="1600" dirty="0">
+                <a:latin typeface="Poppins"/>
+              </a:rPr>
+              <a:t>, or building </a:t>
+            </a:r>
+            <a:r>
+              <a:rPr lang="en-US" sz="1600" b="1" dirty="0">
+                <a:latin typeface="Poppins"/>
+              </a:rPr>
+              <a:t>production systems</a:t>
+            </a:r>
+            <a:r>
+              <a:rPr lang="en-US" sz="1600" dirty="0">
+                <a:latin typeface="Poppins"/>
+              </a:rPr>
+              <a:t> that may switch LLM providers. Traditional tools work best for quick prototypes and tightly-integrated single-agent apps.</a:t>
+            </a:r>
+          </a:p>
+        </p:txBody>
+      </p:sp>
+    </p:spTree>
+  </p:cSld>
+  <p:clrMapOvr>
+    <a:masterClrMapping/>
+  </p:clrMapOvr>
+</p:sld>
+</file>
+
+<file path=ppt/slides/slide31.xml><?xml version="1.0" encoding="utf-8"?>
+<p:sld xmlns:a="http://schemas.openxmlformats.org/drawingml/2006/main" xmlns:r="http://schemas.openxmlformats.org/officeDocument/2006/relationships" xmlns:p="http://schemas.openxmlformats.org/presentationml/2006/main">
+  <p:cSld>
+    <p:spTree>
+      <p:nvGrpSpPr>
+        <p:cNvPr id="1" name=""/>
+        <p:cNvGrpSpPr/>
+        <p:nvPr/>
+      </p:nvGrpSpPr>
+      <p:grpSpPr>
+        <a:xfrm>
+          <a:off x="0" y="0"/>
+          <a:ext cx="0" cy="0"/>
+          <a:chOff x="0" y="0"/>
+          <a:chExt cx="0" cy="0"/>
+        </a:xfrm>
+      </p:grpSpPr>
+      <p:sp>
+        <p:nvSpPr>
+          <p:cNvPr id="2" name="Title"/>
+          <p:cNvSpPr txBox="1"/>
+          <p:nvPr/>
+        </p:nvSpPr>
+        <p:spPr>
+          <a:xfrm>
+            <a:off x="407988" y="365125"/>
+            <a:ext cx="11376000" cy="523180"/>
+          </a:xfrm>
+          <a:prstGeom prst="rect">
+            <a:avLst/>
+          </a:prstGeom>
+          <a:noFill/>
+        </p:spPr>
+        <p:txBody>
+          <a:bodyPr spcFirstLastPara="1" wrap="square" lIns="91425" tIns="45700" rIns="91425" bIns="45700" anchor="t" anchorCtr="0">
+            <a:spAutoFit/>
+          </a:bodyPr>
+          <a:lstStyle/>
+          <a:p>
+            <a:pPr marL="0" lvl="0" algn="l">
+              <a:spcBef>
+                <a:spcPts val="0"/>
+              </a:spcBef>
+              <a:buNone/>
+            </a:pPr>
+            <a:r>
+              <a:rPr lang="en-US" sz="2800" b="1" dirty="0">
+                <a:solidFill>
+                  <a:schemeClr val="dk1"/>
+                </a:solidFill>
+                <a:latin typeface="Poppins"/>
+              </a:rPr>
+              <a:t>What MCP Really Is (More Than Shareable Tools)</a:t>
+            </a:r>
+          </a:p>
+        </p:txBody>
+      </p:sp>
+      <p:sp>
+        <p:nvSpPr>
+          <p:cNvPr id="10" name="LeftHeader"/>
+          <p:cNvSpPr/>
+          <p:nvPr/>
+        </p:nvSpPr>
+        <p:spPr>
+          <a:xfrm>
+            <a:off x="407988" y="1000000"/>
+            <a:ext cx="5400000" cy="450000"/>
+          </a:xfrm>
+          <a:prstGeom prst="roundRect">
+            <a:avLst/>
+          </a:prstGeom>
+          <a:solidFill>
+            <a:srgbClr val="66BB6A"/>
+          </a:solidFill>
+        </p:spPr>
+        <p:txBody>
+          <a:bodyPr anchor="ctr"/>
+          <a:lstStyle/>
+          <a:p>
+            <a:pPr algn="ctr"/>
+            <a:r>
+              <a:rPr lang="en-US" sz="1800" b="1" dirty="0">
+                <a:solidFill>
+                  <a:srgbClr val="FFFFFF"/>
+                </a:solidFill>
+                <a:latin typeface="Poppins"/>
+              </a:rPr>
+              <a:t>MCP Provides</a:t>
+            </a:r>
+          </a:p>
+        </p:txBody>
+      </p:sp>
+      <p:sp>
+        <p:nvSpPr>
+          <p:cNvPr id="11" name="LeftContent"/>
+          <p:cNvSpPr txBox="1"/>
+          <p:nvPr/>
+        </p:nvSpPr>
+        <p:spPr>
+          <a:xfrm>
+            <a:off x="407988" y="1500000"/>
+            <a:ext cx="5400000" cy="2200000"/>
+          </a:xfrm>
+          <a:prstGeom prst="rect">
+            <a:avLst/>
+          </a:prstGeom>
+          <a:solidFill>
+            <a:srgbClr val="E8F5E9"/>
+          </a:solidFill>
+        </p:spPr>
+        <p:txBody>
+          <a:bodyPr wrap="square" lIns="150000" tIns="100000" rIns="150000" bIns="100000">
+            <a:spAutoFit/>
+          </a:bodyPr>
+          <a:lstStyle/>
+          <a:p>
+            <a:pPr marL="285750" indent="-285750">
+              <a:spcBef>
+                <a:spcPts val="600"/>
+              </a:spcBef>
+              <a:buFont typeface="Arial"/>
+              <a:buChar char="•"/>
+            </a:pPr>
+            <a:r>
+              <a:rPr lang="en-US" sz="1600" b="1" dirty="0">
+                <a:latin typeface="Poppins"/>
+              </a:rPr>
+              <a:t>Tools</a:t>
+            </a:r>
+            <a:r>
+              <a:rPr lang="en-US" sz="1600" dirty="0">
+                <a:latin typeface="Poppins"/>
+              </a:rPr>
+              <a:t> - Shareable, reusable actions</a:t>
+            </a:r>
+          </a:p>
+          <a:p>
+            <a:pPr marL="285750" indent="-285750">
+              <a:spcBef>
+                <a:spcPts val="600"/>
+              </a:spcBef>
+              <a:buFont typeface="Arial"/>
+              <a:buChar char="•"/>
+            </a:pPr>
+            <a:r>
+              <a:rPr lang="en-US" sz="1600" b="1" dirty="0">
+                <a:latin typeface="Poppins"/>
+              </a:rPr>
+              <a:t>Resources</a:t>
+            </a:r>
+            <a:r>
+              <a:rPr lang="en-US" sz="1600" dirty="0">
+                <a:latin typeface="Poppins"/>
+              </a:rPr>
+              <a:t> - Data/context (files, DB records)</a:t>
+            </a:r>
+          </a:p>
+          <a:p>
+            <a:pPr marL="285750" indent="-285750">
+              <a:spcBef>
+                <a:spcPts val="600"/>
+              </a:spcBef>
+              <a:buFont typeface="Arial"/>
+              <a:buChar char="•"/>
+            </a:pPr>
+            <a:r>
+              <a:rPr lang="en-US" sz="1600" b="1" dirty="0">
+                <a:latin typeface="Poppins"/>
+              </a:rPr>
+              <a:t>Prompts</a:t>
+            </a:r>
+            <a:r>
+              <a:rPr lang="en-US" sz="1600" dirty="0">
+                <a:latin typeface="Poppins"/>
+              </a:rPr>
+              <a:t> - Reusable prompt templates</a:t>
+            </a:r>
+          </a:p>
+          <a:p>
+            <a:pPr marL="285750" indent="-285750">
+              <a:spcBef>
+                <a:spcPts val="600"/>
+              </a:spcBef>
+              <a:buFont typeface="Arial"/>
+              <a:buChar char="•"/>
+            </a:pPr>
+            <a:r>
+              <a:rPr lang="en-US" sz="1600" b="1" dirty="0">
+                <a:latin typeface="Poppins"/>
+              </a:rPr>
+              <a:t>Dynamic Discovery</a:t>
+            </a:r>
+            <a:r>
+              <a:rPr lang="en-US" sz="1600" dirty="0">
+                <a:latin typeface="Poppins"/>
+              </a:rPr>
+              <a:t> - LLM asks “what can you do?” at runtime</a:t>
+            </a:r>
+          </a:p>
+        </p:txBody>
+      </p:sp>
+      <p:sp>
+        <p:nvSpPr>
+          <p:cNvPr id="20" name="RightHeader"/>
+          <p:cNvSpPr/>
+          <p:nvPr/>
+        </p:nvSpPr>
+        <p:spPr>
+          <a:xfrm>
+            <a:off x="6007988" y="1000000"/>
+            <a:ext cx="5400000" cy="450000"/>
+          </a:xfrm>
+          <a:prstGeom prst="roundRect">
+            <a:avLst/>
+          </a:prstGeom>
+          <a:solidFill>
+            <a:srgbClr val="1A237E"/>
+          </a:solidFill>
+        </p:spPr>
+        <p:txBody>
+          <a:bodyPr anchor="ctr"/>
+          <a:lstStyle/>
+          <a:p>
+            <a:pPr algn="ctr"/>
+            <a:r>
+              <a:rPr lang="en-US" sz="1800" b="1" dirty="0">
+                <a:solidFill>
+                  <a:srgbClr val="FFFFFF"/>
+                </a:solidFill>
+                <a:latin typeface="Poppins"/>
+              </a:rPr>
+              <a:t>Can Tools Do Everything MCP Does?</a:t>
+            </a:r>
+          </a:p>
+        </p:txBody>
+      </p:sp>
+      <p:sp>
+        <p:nvSpPr>
+          <p:cNvPr id="21" name="RightContent"/>
+          <p:cNvSpPr txBox="1"/>
+          <p:nvPr/>
+        </p:nvSpPr>
+        <p:spPr>
+          <a:xfrm>
+            <a:off x="6007988" y="1500000"/>
+            <a:ext cx="5400000" cy="2200000"/>
+          </a:xfrm>
+          <a:prstGeom prst="rect">
+            <a:avLst/>
+          </a:prstGeom>
+          <a:solidFill>
+            <a:srgbClr val="E8EAF6"/>
+          </a:solidFill>
+        </p:spPr>
+        <p:txBody>
+          <a:bodyPr wrap="square" lIns="150000" tIns="100000" rIns="150000" bIns="100000">
+            <a:spAutoFit/>
+          </a:bodyPr>
+          <a:lstStyle/>
+          <a:p>
+            <a:pPr marL="0" indent="0">
+              <a:spcBef>
+                <a:spcPts val="400"/>
+              </a:spcBef>
+              <a:buNone/>
+            </a:pPr>
+            <a:r>
+              <a:rPr lang="en-US" sz="1600" b="1" dirty="0">
+                <a:solidFill>
+                  <a:srgbClr val="43A047"/>
+                </a:solidFill>
+                <a:latin typeface="Poppins"/>
+              </a:rPr>
+              <a:t>Technically yes</a:t>
+            </a:r>
+            <a:r>
+              <a:rPr lang="en-US" sz="1600" dirty="0">
+                <a:latin typeface="Poppins"/>
+              </a:rPr>
+              <a:t> - but you’d be rebuilding:</a:t>
+            </a:r>
+          </a:p>
+          <a:p>
+            <a:pPr marL="285750" indent="-285750">
+              <a:spcBef>
+                <a:spcPts val="500"/>
+              </a:spcBef>
+              <a:buFont typeface="Arial"/>
+              <a:buChar char="•"/>
+            </a:pPr>
+            <a:r>
+              <a:rPr lang="en-US" sz="1500" dirty="0">
+                <a:latin typeface="Poppins"/>
+              </a:rPr>
+              <a:t>Your own communication protocol</a:t>
+            </a:r>
+          </a:p>
+          <a:p>
+            <a:pPr marL="285750" indent="-285750">
+              <a:spcBef>
+                <a:spcPts val="500"/>
+              </a:spcBef>
+              <a:buFont typeface="Arial"/>
+              <a:buChar char="•"/>
+            </a:pPr>
+            <a:r>
+              <a:rPr lang="en-US" sz="1500" dirty="0">
+                <a:latin typeface="Poppins"/>
+              </a:rPr>
+              <a:t>Your own discovery mechanism</a:t>
+            </a:r>
+          </a:p>
+          <a:p>
+            <a:pPr marL="285750" indent="-285750">
+              <a:spcBef>
+                <a:spcPts val="500"/>
+              </a:spcBef>
+              <a:buFont typeface="Arial"/>
+              <a:buChar char="•"/>
+            </a:pPr>
+            <a:r>
+              <a:rPr lang="en-US" sz="1500" dirty="0">
+                <a:latin typeface="Poppins"/>
+              </a:rPr>
+              <a:t>Custom integration per LLM provider</a:t>
+            </a:r>
+          </a:p>
+          <a:p>
+            <a:pPr marL="285750" indent="-285750">
+              <a:spcBef>
+                <a:spcPts val="500"/>
+              </a:spcBef>
+              <a:buFont typeface="Arial"/>
+              <a:buChar char="•"/>
+            </a:pPr>
+            <a:r>
+              <a:rPr lang="en-US" sz="1500" dirty="0">
+                <a:latin typeface="Poppins"/>
+              </a:rPr>
+              <a:t>What community has already built</a:t>
+            </a:r>
+          </a:p>
+        </p:txBody>
+      </p:sp>
+      <p:sp>
+        <p:nvSpPr>
+          <p:cNvPr id="30" name="KeyInsight"/>
+          <p:cNvSpPr/>
+          <p:nvPr/>
+        </p:nvSpPr>
+        <p:spPr>
+          <a:xfrm>
+            <a:off x="407988" y="3900000"/>
+            <a:ext cx="11000000" cy="700000"/>
+          </a:xfrm>
+          <a:prstGeom prst="roundRect">
+            <a:avLst/>
+          </a:prstGeom>
+          <a:solidFill>
+            <a:srgbClr val="FFF3E0"/>
+          </a:solidFill>
+          <a:ln w="25400">
+            <a:solidFill>
+              <a:srgbClr val="FF9800"/>
+            </a:solidFill>
+          </a:ln>
+        </p:spPr>
+        <p:txBody>
+          <a:bodyPr wrap="square" lIns="150000" tIns="80000" rIns="150000" bIns="80000" anchor="ctr"/>
+          <a:lstStyle/>
+          <a:p>
+            <a:pPr algn="ctr"/>
+            <a:r>
+              <a:rPr lang="en-US" sz="1800" b="1" dirty="0">
+                <a:solidFill>
+                  <a:srgbClr val="E65100"/>
+                </a:solidFill>
+                <a:latin typeface="Poppins"/>
+              </a:rPr>
+              <a:t>Key Insight:</a:t>
+            </a:r>
+            <a:r>
+              <a:rPr lang="en-US" sz="1800" dirty="0">
+                <a:latin typeface="Poppins"/>
+              </a:rPr>
+              <a:t> MCP solves the N×M problem — without it, N agents each need custom code for M tools</a:t>
+            </a:r>
+          </a:p>
+        </p:txBody>
+      </p:sp>
+      <p:sp>
+        <p:nvSpPr>
+          <p:cNvPr id="40" name="BottomHeader"/>
+          <p:cNvSpPr/>
+          <p:nvPr/>
+        </p:nvSpPr>
+        <p:spPr>
+          <a:xfrm>
+            <a:off x="407988" y="4800000"/>
+            <a:ext cx="11000000" cy="450000"/>
+          </a:xfrm>
+          <a:prstGeom prst="roundRect">
+            <a:avLst/>
+          </a:prstGeom>
+          <a:solidFill>
+            <a:srgbClr val="7E57C2"/>
+          </a:solidFill>
+        </p:spPr>
+        <p:txBody>
+          <a:bodyPr anchor="ctr"/>
+          <a:lstStyle/>
+          <a:p>
+            <a:pPr algn="ctr"/>
+            <a:r>
+              <a:rPr lang="en-US" sz="1800" b="1" dirty="0">
+                <a:solidFill>
+                  <a:srgbClr val="FFFFFF"/>
+                </a:solidFill>
+                <a:latin typeface="Poppins"/>
+              </a:rPr>
+              <a:t>Do Traditional Tools Still Make Sense?</a:t>
+            </a:r>
+          </a:p>
+        </p:txBody>
+      </p:sp>
+      <p:sp>
+        <p:nvSpPr>
+          <p:cNvPr id="41" name="BottomContent"/>
+          <p:cNvSpPr txBox="1"/>
+          <p:nvPr/>
+        </p:nvSpPr>
+        <p:spPr>
+          <a:xfrm>
+            <a:off x="407988" y="5300000"/>
+            <a:ext cx="11000000" cy="1200000"/>
+          </a:xfrm>
+          <a:prstGeom prst="rect">
+            <a:avLst/>
+          </a:prstGeom>
+          <a:solidFill>
+            <a:srgbClr val="EDE7F6"/>
+          </a:solidFill>
+        </p:spPr>
+        <p:txBody>
+          <a:bodyPr wrap="square" lIns="150000" tIns="80000" rIns="150000" bIns="80000" anchor="ctr"/>
+          <a:lstStyle/>
+          <a:p>
+            <a:pPr algn="ctr"/>
+            <a:r>
+              <a:rPr lang="en-US" sz="1800" b="1" dirty="0">
+                <a:solidFill>
+                  <a:srgbClr val="43A047"/>
+                </a:solidFill>
+                <a:latin typeface="Poppins"/>
+              </a:rPr>
+              <a:t>Absolutely!</a:t>
+            </a:r>
+            <a:r>
+              <a:rPr lang="en-US" sz="1800" dirty="0">
+                <a:latin typeface="Poppins"/>
+              </a:rPr>
+              <a:t> They’re </a:t>
+            </a:r>
+            <a:r>
+              <a:rPr lang="en-US" sz="1800" b="1" dirty="0">
+                <a:latin typeface="Poppins"/>
+              </a:rPr>
+              <a:t>complementary</a:t>
+            </a:r>
+            <a:r>
+              <a:rPr lang="en-US" sz="1800" dirty="0">
+                <a:latin typeface="Poppins"/>
+              </a:rPr>
+              <a:t>, not competing. Use tools for simple, tightly-integrated cases. Use MCP when you need interoperability, reusability, or want to leverage community servers.</a:t>
+            </a:r>
+          </a:p>
+        </p:txBody>
+      </p:sp>
+    </p:spTree>
+  </p:cSld>
+  <p:clrMapOvr>
+    <a:masterClrMapping/>
+  </p:clrMapOvr>
+</p:sld>
+</file>
+
+<file path=ppt/slides/slide32.xml><?xml version="1.0" encoding="utf-8"?>
+<p:sld xmlns:a="http://schemas.openxmlformats.org/drawingml/2006/main" xmlns:r="http://schemas.openxmlformats.org/officeDocument/2006/relationships" xmlns:p="http://schemas.openxmlformats.org/presentationml/2006/main">
+  <p:cSld>
+    <p:spTree>
+      <p:nvGrpSpPr>
+        <p:cNvPr id="1" name=""/>
+        <p:cNvGrpSpPr/>
+        <p:nvPr/>
+      </p:nvGrpSpPr>
+      <p:grpSpPr>
+        <a:xfrm>
+          <a:off x="0" y="0"/>
+          <a:ext cx="0" cy="0"/>
+          <a:chOff x="0" y="0"/>
+          <a:chExt cx="0" cy="0"/>
+        </a:xfrm>
+      </p:grpSpPr>
+      <p:sp>
+        <p:nvSpPr>
+          <p:cNvPr id="2" name="Title"/>
+          <p:cNvSpPr txBox="1"/>
+          <p:nvPr/>
+        </p:nvSpPr>
+        <p:spPr>
+          <a:xfrm>
+            <a:off x="407988" y="365125"/>
+            <a:ext cx="11376000" cy="523180"/>
+          </a:xfrm>
+          <a:prstGeom prst="rect">
+            <a:avLst/>
+          </a:prstGeom>
+          <a:noFill/>
+        </p:spPr>
+        <p:txBody>
+          <a:bodyPr spcFirstLastPara="1" wrap="square" lIns="91425" tIns="45700" rIns="91425" bIns="45700" anchor="t" anchorCtr="0">
+            <a:spAutoFit/>
+          </a:bodyPr>
+          <a:lstStyle/>
+          <a:p>
+            <a:pPr marL="0" lvl="0" algn="l">
+              <a:spcBef>
+                <a:spcPts val="0"/>
+              </a:spcBef>
+              <a:buNone/>
+            </a:pPr>
+            <a:r>
+              <a:rPr lang="en-US" sz="2800" b="1" dirty="0">
+                <a:solidFill>
+                  <a:schemeClr val="dk1"/>
+                </a:solidFill>
+                <a:latin typeface="Poppins"/>
+              </a:rPr>
+              <a:t>Decision Guide: When to Use Tools vs MCP</a:t>
+            </a:r>
+          </a:p>
+        </p:txBody>
+      </p:sp>
+      <p:sp>
+        <p:nvSpPr>
+          <p:cNvPr id="10" name="LeftHeader"/>
+          <p:cNvSpPr/>
+          <p:nvPr/>
+        </p:nvSpPr>
+        <p:spPr>
+          <a:xfrm>
+            <a:off x="407988" y="950000"/>
+            <a:ext cx="5400000" cy="450000"/>
+          </a:xfrm>
+          <a:prstGeom prst="roundRect">
+            <a:avLst/>
+          </a:prstGeom>
+          <a:solidFill>
+            <a:srgbClr val="1A237E"/>
+          </a:solidFill>
+        </p:spPr>
+        <p:txBody>
+          <a:bodyPr anchor="ctr"/>
+          <a:lstStyle/>
+          <a:p>
+            <a:pPr algn="ctr"/>
+            <a:r>
+              <a:rPr lang="en-US" sz="1800" b="1" dirty="0">
+                <a:solidFill>
+                  <a:srgbClr val="FFFFFF"/>
+                </a:solidFill>
+                <a:latin typeface="Poppins"/>
+              </a:rPr>
+              <a:t>✔ Use Traditional Tools When...</a:t>
+            </a:r>
+          </a:p>
+        </p:txBody>
+      </p:sp>
+      <p:sp>
+        <p:nvSpPr>
+          <p:cNvPr id="11" name="LeftContent"/>
+          <p:cNvSpPr txBox="1"/>
+          <p:nvPr/>
+        </p:nvSpPr>
+        <p:spPr>
+          <a:xfrm>
+            <a:off x="407988" y="1450000"/>
+            <a:ext cx="5400000" cy="2300000"/>
+          </a:xfrm>
+          <a:prstGeom prst="rect">
+            <a:avLst/>
+          </a:prstGeom>
+          <a:solidFill>
+            <a:srgbClr val="E8EAF6"/>
+          </a:solidFill>
+        </p:spPr>
+        <p:txBody>
+          <a:bodyPr wrap="square" lIns="150000" tIns="100000" rIns="150000" bIns="100000">
+            <a:spAutoFit/>
+          </a:bodyPr>
+          <a:lstStyle/>
+          <a:p>
+            <a:pPr marL="285750" indent="-285750">
+              <a:spcBef>
+                <a:spcPts val="500"/>
+              </a:spcBef>
+              <a:buFont typeface="Arial"/>
+              <a:buChar char="•"/>
+            </a:pPr>
+            <a:r>
+              <a:rPr lang="en-US" sz="1500" dirty="0">
+                <a:latin typeface="Poppins"/>
+              </a:rPr>
+              <a:t>Building quick prototypes or experiments</a:t>
+            </a:r>
+          </a:p>
+          <a:p>
+            <a:pPr marL="285750" indent="-285750">
+              <a:spcBef>
+                <a:spcPts val="500"/>
+              </a:spcBef>
+              <a:buFont typeface="Arial"/>
+              <a:buChar char="•"/>
+            </a:pPr>
+            <a:r>
+              <a:rPr lang="en-US" sz="1500" dirty="0">
+                <a:latin typeface="Poppins"/>
+              </a:rPr>
+              <a:t>Single-agent apps with 1-5 simple tools</a:t>
+            </a:r>
+          </a:p>
+          <a:p>
+            <a:pPr marL="285750" indent="-285750">
+              <a:spcBef>
+                <a:spcPts val="500"/>
+              </a:spcBef>
+              <a:buFont typeface="Arial"/>
+              <a:buChar char="•"/>
+            </a:pPr>
+            <a:r>
+              <a:rPr lang="en-US" sz="1500" dirty="0">
+                <a:latin typeface="Poppins"/>
+              </a:rPr>
+              <a:t>Tools tightly coupled to your business logic</a:t>
+            </a:r>
+          </a:p>
+          <a:p>
+            <a:pPr marL="285750" indent="-285750">
+              <a:spcBef>
+                <a:spcPts val="500"/>
+              </a:spcBef>
+              <a:buFont typeface="Arial"/>
+              <a:buChar char="•"/>
+            </a:pPr>
+            <a:r>
+              <a:rPr lang="en-US" sz="1500" dirty="0">
+                <a:latin typeface="Poppins"/>
+              </a:rPr>
+              <a:t>Internal tools you’ll never share</a:t>
+            </a:r>
+          </a:p>
+          <a:p>
+            <a:pPr marL="285750" indent="-285750">
+              <a:spcBef>
+                <a:spcPts val="500"/>
+              </a:spcBef>
+              <a:buFont typeface="Arial"/>
+              <a:buChar char="•"/>
+            </a:pPr>
+            <a:r>
+              <a:rPr lang="en-US" sz="1500" dirty="0">
+                <a:latin typeface="Poppins"/>
+              </a:rPr>
+              <a:t>Committed to one LLM provider</a:t>
+            </a:r>
+          </a:p>
+          <a:p>
+            <a:pPr marL="285750" indent="-285750">
+              <a:spcBef>
+                <a:spcPts val="500"/>
+              </a:spcBef>
+              <a:buFont typeface="Arial"/>
+              <a:buChar char="•"/>
+            </a:pPr>
+            <a:r>
+              <a:rPr lang="en-US" sz="1500" dirty="0">
+                <a:latin typeface="Poppins"/>
+              </a:rPr>
+              <a:t>Learning/educational projects</a:t>
+            </a:r>
+          </a:p>
+        </p:txBody>
+      </p:sp>
+      <p:sp>
+        <p:nvSpPr>
+          <p:cNvPr id="20" name="RightHeader"/>
+          <p:cNvSpPr/>
+          <p:nvPr/>
+        </p:nvSpPr>
+        <p:spPr>
+          <a:xfrm>
+            <a:off x="6007988" y="950000"/>
+            <a:ext cx="5400000" cy="450000"/>
+          </a:xfrm>
+          <a:prstGeom prst="roundRect">
+            <a:avLst/>
+          </a:prstGeom>
+          <a:solidFill>
+            <a:srgbClr val="66BB6A"/>
+          </a:solidFill>
+        </p:spPr>
+        <p:txBody>
+          <a:bodyPr anchor="ctr"/>
+          <a:lstStyle/>
+          <a:p>
+            <a:pPr algn="ctr"/>
+            <a:r>
+              <a:rPr lang="en-US" sz="1800" b="1" dirty="0">
+                <a:solidFill>
+                  <a:srgbClr val="FFFFFF"/>
+                </a:solidFill>
+                <a:latin typeface="Poppins"/>
+              </a:rPr>
+              <a:t>✔ Use MCP When...</a:t>
+            </a:r>
+          </a:p>
+        </p:txBody>
+      </p:sp>
+      <p:sp>
+        <p:nvSpPr>
+          <p:cNvPr id="21" name="RightContent"/>
+          <p:cNvSpPr txBox="1"/>
+          <p:nvPr/>
+        </p:nvSpPr>
+        <p:spPr>
+          <a:xfrm>
+            <a:off x="6007988" y="1450000"/>
+            <a:ext cx="5400000" cy="2300000"/>
+          </a:xfrm>
+          <a:prstGeom prst="rect">
+            <a:avLst/>
+          </a:prstGeom>
+          <a:solidFill>
+            <a:srgbClr val="E8F5E9"/>
+          </a:solidFill>
+        </p:spPr>
+        <p:txBody>
+          <a:bodyPr wrap="square" lIns="150000" tIns="100000" rIns="150000" bIns="100000">
+            <a:spAutoFit/>
+          </a:bodyPr>
+          <a:lstStyle/>
+          <a:p>
+            <a:pPr marL="285750" indent="-285750">
+              <a:spcBef>
+                <a:spcPts val="500"/>
+              </a:spcBef>
+              <a:buFont typeface="Arial"/>
+              <a:buChar char="•"/>
+            </a:pPr>
+            <a:r>
+              <a:rPr lang="en-US" sz="1500" dirty="0">
+                <a:latin typeface="Poppins"/>
+              </a:rPr>
+              <a:t>Sharing tools across multiple agents</a:t>
+            </a:r>
+          </a:p>
+          <a:p>
+            <a:pPr marL="285750" indent="-285750">
+              <a:spcBef>
+                <a:spcPts val="500"/>
+              </a:spcBef>
+              <a:buFont typeface="Arial"/>
+              <a:buChar char="•"/>
+            </a:pPr>
+            <a:r>
+              <a:rPr lang="en-US" sz="1500" dirty="0">
+                <a:latin typeface="Poppins"/>
+              </a:rPr>
+              <a:t>Using community-built servers (Slack, GitHub, etc.)</a:t>
+            </a:r>
+          </a:p>
+          <a:p>
+            <a:pPr marL="285750" indent="-285750">
+              <a:spcBef>
+                <a:spcPts val="500"/>
+              </a:spcBef>
+              <a:buFont typeface="Arial"/>
+              <a:buChar char="•"/>
+            </a:pPr>
+            <a:r>
+              <a:rPr lang="en-US" sz="1500" dirty="0">
+                <a:latin typeface="Poppins"/>
+              </a:rPr>
+              <a:t>Building production systems</a:t>
+            </a:r>
+          </a:p>
+          <a:p>
+            <a:pPr marL="285750" indent="-285750">
+              <a:spcBef>
+                <a:spcPts val="500"/>
+              </a:spcBef>
+              <a:buFont typeface="Arial"/>
+              <a:buChar char="•"/>
+            </a:pPr>
+            <a:r>
+              <a:rPr lang="en-US" sz="1500" dirty="0">
+                <a:latin typeface="Poppins"/>
+              </a:rPr>
+              <a:t>May switch LLM providers in future</a:t>
+            </a:r>
+          </a:p>
+          <a:p>
+            <a:pPr marL="285750" indent="-285750">
+              <a:spcBef>
+                <a:spcPts val="500"/>
+              </a:spcBef>
+              <a:buFont typeface="Arial"/>
+              <a:buChar char="•"/>
+            </a:pPr>
+            <a:r>
+              <a:rPr lang="en-US" sz="1500" dirty="0">
+                <a:latin typeface="Poppins"/>
+              </a:rPr>
+              <a:t>Need many integrations (5+ external services)</a:t>
+            </a:r>
+          </a:p>
+          <a:p>
+            <a:pPr marL="285750" indent="-285750">
+              <a:spcBef>
+                <a:spcPts val="500"/>
+              </a:spcBef>
+              <a:buFont typeface="Arial"/>
+              <a:buChar char="•"/>
+            </a:pPr>
+            <a:r>
+              <a:rPr lang="en-US" sz="1500" dirty="0">
+                <a:latin typeface="Poppins"/>
+              </a:rPr>
+              <a:t>Want to contribute tools to the ecosystem</a:t>
+            </a:r>
+          </a:p>
+        </p:txBody>
+      </p:sp>
+      <p:sp>
+        <p:nvSpPr>
+          <p:cNvPr id="30" name="TableHeader"/>
+          <p:cNvSpPr/>
+          <p:nvPr/>
+        </p:nvSpPr>
+        <p:spPr>
+          <a:xfrm>
+            <a:off x="407988" y="3900000"/>
+            <a:ext cx="11000000" cy="400000"/>
+          </a:xfrm>
+          <a:prstGeom prst="rect">
+            <a:avLst/>
+          </a:prstGeom>
+          <a:solidFill>
+            <a:srgbClr val="455A64"/>
+          </a:solidFill>
+        </p:spPr>
+        <p:txBody>
+          <a:bodyPr anchor="ctr"/>
+          <a:lstStyle/>
+          <a:p>
+            <a:pPr algn="ctr"/>
+            <a:r>
+              <a:rPr lang="en-US" sz="1600" b="1" dirty="0">
+                <a:solidFill>
+                  <a:srgbClr val="FFFFFF"/>
+                </a:solidFill>
+                <a:latin typeface="Poppins"/>
+              </a:rPr>
+              <a:t>Practical Examples</a:t>
+            </a:r>
+          </a:p>
+        </p:txBody>
+      </p:sp>
+      <p:sp>
+        <p:nvSpPr>
+          <p:cNvPr id="31" name="Row1"/>
+          <p:cNvSpPr txBox="1"/>
+          <p:nvPr/>
+        </p:nvSpPr>
+        <p:spPr>
+          <a:xfrm>
+            <a:off x="407988" y="4350000"/>
+            <a:ext cx="6000000" cy="350000"/>
+          </a:xfrm>
+          <a:prstGeom prst="rect">
+            <a:avLst/>
+          </a:prstGeom>
+          <a:solidFill>
+            <a:srgbClr val="ECEFF1"/>
+          </a:solidFill>
+        </p:spPr>
+        <p:txBody>
+          <a:bodyPr lIns="100000" anchor="ctr"/>
+          <a:lstStyle/>
+          <a:p>
+            <a:r>
+              <a:rPr lang="en-US" sz="1400" dirty="0">
+                <a:latin typeface="Poppins"/>
+              </a:rPr>
+              <a:t>“I need my agent to call my own Python function”</a:t>
+            </a:r>
+          </a:p>
+        </p:txBody>
+      </p:sp>
+      <p:sp>
+        <p:nvSpPr>
+          <p:cNvPr id="32" name="Row1Answer"/>
+          <p:cNvSpPr/>
+          <p:nvPr/>
+        </p:nvSpPr>
+        <p:spPr>
+          <a:xfrm>
+            <a:off x="6457988" y="4350000"/>
+            <a:ext cx="4950000" cy="350000"/>
+          </a:xfrm>
+          <a:prstGeom prst="rect">
+            <a:avLst/>
+          </a:prstGeom>
+          <a:solidFill>
+            <a:srgbClr val="E8EAF6"/>
+          </a:solidFill>
+        </p:spPr>
+        <p:txBody>
+          <a:bodyPr lIns="100000" anchor="ctr"/>
+          <a:lstStyle/>
+          <a:p>
+            <a:r>
+              <a:rPr lang="en-US" sz="1400" b="1" dirty="0">
+                <a:solidFill>
+                  <a:srgbClr val="1A237E"/>
+                </a:solidFill>
+                <a:latin typeface="Poppins"/>
+              </a:rPr>
+              <a:t>→ Tools</a:t>
+            </a:r>
+          </a:p>
+        </p:txBody>
+      </p:sp>
+      <p:sp>
+        <p:nvSpPr>
+          <p:cNvPr id="33" name="Row2"/>
+          <p:cNvSpPr txBox="1"/>
+          <p:nvPr/>
+        </p:nvSpPr>
+        <p:spPr>
+          <a:xfrm>
+            <a:off x="407988" y="4750000"/>
+            <a:ext cx="6000000" cy="350000"/>
+          </a:xfrm>
+          <a:prstGeom prst="rect">
+            <a:avLst/>
+          </a:prstGeom>
+          <a:solidFill>
+            <a:srgbClr val="FAFAFA"/>
+          </a:solidFill>
+        </p:spPr>
+        <p:txBody>
+          <a:bodyPr lIns="100000" anchor="ctr"/>
+          <a:lstStyle/>
+          <a:p>
+            <a:r>
+              <a:rPr lang="en-US" sz="1400" dirty="0">
+                <a:latin typeface="Poppins"/>
+              </a:rPr>
+              <a:t>“I want to connect to Slack, GitHub, and a database”</a:t>
+            </a:r>
+          </a:p>
+        </p:txBody>
+      </p:sp>
+      <p:sp>
+        <p:nvSpPr>
+          <p:cNvPr id="34" name="Row2Answer"/>
+          <p:cNvSpPr/>
+          <p:nvPr/>
+        </p:nvSpPr>
+        <p:spPr>
+          <a:xfrm>
+            <a:off x="6457988" y="4750000"/>
+            <a:ext cx="4950000" cy="350000"/>
+          </a:xfrm>
+          <a:prstGeom prst="rect">
+            <a:avLst/>
+          </a:prstGeom>
+          <a:solidFill>
+            <a:srgbClr val="E8F5E9"/>
+          </a:solidFill>
+        </p:spPr>
+        <p:txBody>
+          <a:bodyPr lIns="100000" anchor="ctr"/>
+          <a:lstStyle/>
+          <a:p>
+            <a:r>
+              <a:rPr lang="en-US" sz="1400" b="1" dirty="0">
+                <a:solidFill>
+                  <a:srgbClr val="2E7D32"/>
+                </a:solidFill>
+                <a:latin typeface="Poppins"/>
+              </a:rPr>
+              <a:t>→ MCP (use existing servers)</a:t>
+            </a:r>
+          </a:p>
+        </p:txBody>
+      </p:sp>
+      <p:sp>
+        <p:nvSpPr>
+          <p:cNvPr id="35" name="Row3"/>
+          <p:cNvSpPr txBox="1"/>
+          <p:nvPr/>
+        </p:nvSpPr>
+        <p:spPr>
+          <a:xfrm>
+            <a:off x="407988" y="5150000"/>
+            <a:ext cx="6000000" cy="350000"/>
+          </a:xfrm>
+          <a:prstGeom prst="rect">
+            <a:avLst/>
+          </a:prstGeom>
+          <a:solidFill>
+            <a:srgbClr val="ECEFF1"/>
+          </a:solidFill>
+        </p:spPr>
+        <p:txBody>
+          <a:bodyPr lIns="100000" anchor="ctr"/>
+          <a:lstStyle/>
+          <a:p>
+            <a:r>
+              <a:rPr lang="en-US" sz="1400" dirty="0">
+                <a:latin typeface="Poppins"/>
+              </a:rPr>
+              <a:t>“Building a quick POC this afternoon”</a:t>
+            </a:r>
+          </a:p>
+        </p:txBody>
+      </p:sp>
+      <p:sp>
+        <p:nvSpPr>
+          <p:cNvPr id="36" name="Row3Answer"/>
+          <p:cNvSpPr/>
+          <p:nvPr/>
+        </p:nvSpPr>
+        <p:spPr>
+          <a:xfrm>
+            <a:off x="6457988" y="5150000"/>
+            <a:ext cx="4950000" cy="350000"/>
+          </a:xfrm>
+          <a:prstGeom prst="rect">
+            <a:avLst/>
+          </a:prstGeom>
+          <a:solidFill>
+            <a:srgbClr val="E8EAF6"/>
+          </a:solidFill>
+        </p:spPr>
+        <p:txBody>
+          <a:bodyPr lIns="100000" anchor="ctr"/>
+          <a:lstStyle/>
+          <a:p>
+            <a:r>
+              <a:rPr lang="en-US" sz="1400" b="1" dirty="0">
+                <a:solidFill>
+                  <a:srgbClr val="1A237E"/>
+                </a:solidFill>
+                <a:latin typeface="Poppins"/>
+              </a:rPr>
+              <a:t>→ Tools</a:t>
+            </a:r>
+          </a:p>
+        </p:txBody>
+      </p:sp>
+      <p:sp>
+        <p:nvSpPr>
+          <p:cNvPr id="37" name="Row4"/>
+          <p:cNvSpPr txBox="1"/>
+          <p:nvPr/>
+        </p:nvSpPr>
+        <p:spPr>
+          <a:xfrm>
+            <a:off x="407988" y="5550000"/>
+            <a:ext cx="6000000" cy="350000"/>
+          </a:xfrm>
+          <a:prstGeom prst="rect">
+            <a:avLst/>
+          </a:prstGeom>
+          <a:solidFill>
+            <a:srgbClr val="FAFAFA"/>
+          </a:solidFill>
+        </p:spPr>
+        <p:txBody>
+          <a:bodyPr lIns="100000" anchor="ctr"/>
+          <a:lstStyle/>
+          <a:p>
+            <a:r>
+              <a:rPr lang="en-US" sz="1400" dirty="0">
+                <a:latin typeface="Poppins"/>
+              </a:rPr>
+              <a:t>“Production system, might switch from Claude to GPT”</a:t>
+            </a:r>
+          </a:p>
+        </p:txBody>
+      </p:sp>
+      <p:sp>
+        <p:nvSpPr>
+          <p:cNvPr id="38" name="Row4Answer"/>
+          <p:cNvSpPr/>
+          <p:nvPr/>
+        </p:nvSpPr>
+        <p:spPr>
+          <a:xfrm>
+            <a:off x="6457988" y="5550000"/>
+            <a:ext cx="4950000" cy="350000"/>
+          </a:xfrm>
+          <a:prstGeom prst="rect">
+            <a:avLst/>
+          </a:prstGeom>
+          <a:solidFill>
+            <a:srgbClr val="E8F5E9"/>
+          </a:solidFill>
+        </p:spPr>
+        <p:txBody>
+          <a:bodyPr lIns="100000" anchor="ctr"/>
+          <a:lstStyle/>
+          <a:p>
+            <a:r>
+              <a:rPr lang="en-US" sz="1400" b="1" dirty="0">
+                <a:solidFill>
+                  <a:srgbClr val="2E7D32"/>
+                </a:solidFill>
+                <a:latin typeface="Poppins"/>
+              </a:rPr>
+              <a:t>→ MCP</a:t>
+            </a:r>
+          </a:p>
+        </p:txBody>
+      </p:sp>
+      <p:sp>
+        <p:nvSpPr>
+          <p:cNvPr id="39" name="Row5"/>
+          <p:cNvSpPr txBox="1"/>
+          <p:nvPr/>
+        </p:nvSpPr>
+        <p:spPr>
+          <a:xfrm>
+            <a:off x="407988" y="5950000"/>
+            <a:ext cx="6000000" cy="350000"/>
+          </a:xfrm>
+          <a:prstGeom prst="rect">
+            <a:avLst/>
+          </a:prstGeom>
+          <a:solidFill>
+            <a:srgbClr val="ECEFF1"/>
+          </a:solidFill>
+        </p:spPr>
+        <p:txBody>
+          <a:bodyPr lIns="100000" anchor="ctr"/>
+          <a:lstStyle/>
+          <a:p>
+            <a:r>
+              <a:rPr lang="en-US" sz="1400" dirty="0">
+                <a:latin typeface="Poppins"/>
+              </a:rPr>
+              <a:t>“I want full control over execution logic”</a:t>
+            </a:r>
+          </a:p>
+        </p:txBody>
+      </p:sp>
+      <p:sp>
+        <p:nvSpPr>
+          <p:cNvPr id="40" name="Row5Answer"/>
+          <p:cNvSpPr/>
+          <p:nvPr/>
+        </p:nvSpPr>
+        <p:spPr>
+          <a:xfrm>
+            <a:off x="6457988" y="5950000"/>
+            <a:ext cx="4950000" cy="350000"/>
+          </a:xfrm>
+          <a:prstGeom prst="rect">
+            <a:avLst/>
+          </a:prstGeom>
+          <a:solidFill>
+            <a:srgbClr val="E8EAF6"/>
+          </a:solidFill>
+        </p:spPr>
+        <p:txBody>
+          <a:bodyPr lIns="100000" anchor="ctr"/>
+          <a:lstStyle/>
+          <a:p>
+            <a:r>
+              <a:rPr lang="en-US" sz="1400" b="1" dirty="0">
+                <a:solidFill>
+                  <a:srgbClr val="1A237E"/>
+                </a:solidFill>
+                <a:latin typeface="Poppins"/>
+              </a:rPr>
+              <a:t>→ Tools</a:t>
+            </a:r>
+          </a:p>
+        </p:txBody>
+      </p:sp>
+    </p:spTree>
+  </p:cSld>
+  <p:clrMapOvr>
+    <a:masterClrMapping/>
+  </p:clrMapOvr>
+</p:sld>
+</file>
+
+<file path=ppt/slides/slide33.xml><?xml version="1.0" encoding="utf-8"?>
+<p:sld xmlns:a="http://schemas.openxmlformats.org/drawingml/2006/main" xmlns:r="http://schemas.openxmlformats.org/officeDocument/2006/relationships" xmlns:p="http://schemas.openxmlformats.org/presentationml/2006/main">
+  <p:cSld>
+    <p:spTree>
+      <p:nvGrpSpPr>
+        <p:cNvPr id="1" name="">
+          <a:extLst>
+            <a:ext uri="{FF2B5EF4-FFF2-40B4-BE49-F238E27FC236}">
+              <a16:creationId xmlns:a16="http://schemas.microsoft.com/office/drawing/2014/main" id="{311E8D59-09C5-8C5D-9B68-E0CC94D7316F}"/>
+            </a:ext>
+          </a:extLst>
+        </p:cNvPr>
+        <p:cNvGrpSpPr/>
+        <p:nvPr/>
+      </p:nvGrpSpPr>
+      <p:grpSpPr>
+        <a:xfrm>
+          <a:off x="0" y="0"/>
+          <a:ext cx="0" cy="0"/>
+          <a:chOff x="0" y="0"/>
+          <a:chExt cx="0" cy="0"/>
+        </a:xfrm>
+      </p:grpSpPr>
+      <p:sp>
+        <p:nvSpPr>
+          <p:cNvPr id="3" name="Prostokąt 2">
+            <a:extLst>
+              <a:ext uri="{FF2B5EF4-FFF2-40B4-BE49-F238E27FC236}">
+                <a16:creationId xmlns:a16="http://schemas.microsoft.com/office/drawing/2014/main" id="{C5EE6E12-00FE-AAFB-2301-D188EDBE9818}"/>
+              </a:ext>
+            </a:extLst>
+          </p:cNvPr>
+          <p:cNvSpPr/>
+          <p:nvPr/>
+        </p:nvSpPr>
+        <p:spPr>
+          <a:xfrm>
+            <a:off x="0" y="0"/>
+            <a:ext cx="12192000" cy="6858000"/>
+          </a:xfrm>
+          <a:prstGeom prst="rect">
+            <a:avLst/>
+          </a:prstGeom>
+          <a:solidFill>
+            <a:srgbClr val="002060"/>
+          </a:solidFill>
+        </p:spPr>
+        <p:style>
+          <a:lnRef idx="2">
+            <a:schemeClr val="accent1">
+              <a:shade val="15000"/>
+            </a:schemeClr>
+          </a:lnRef>
+          <a:fillRef idx="1">
+            <a:schemeClr val="accent1"/>
+          </a:fillRef>
+          <a:effectRef idx="0">
+            <a:schemeClr val="accent1"/>
+          </a:effectRef>
+          <a:fontRef idx="minor">
+            <a:schemeClr val="lt1"/>
+          </a:fontRef>
+        </p:style>
+        <p:txBody>
+          <a:bodyPr rtlCol="0" anchor="ctr"/>
+          <a:lstStyle/>
+          <a:p>
+            <a:pPr algn="ctr"/>
+            <a:endParaRPr lang="en-GB"/>
+          </a:p>
+        </p:txBody>
+      </p:sp>
+      <p:sp>
+        <p:nvSpPr>
+          <p:cNvPr id="6" name="Tytuł 1">
+            <a:extLst>
+              <a:ext uri="{FF2B5EF4-FFF2-40B4-BE49-F238E27FC236}">
+                <a16:creationId xmlns:a16="http://schemas.microsoft.com/office/drawing/2014/main" id="{08CC23E4-7B6F-0F86-058D-A257E68C8779}"/>
+              </a:ext>
+            </a:extLst>
+          </p:cNvPr>
+          <p:cNvSpPr>
+            <a:spLocks noGrp="1"/>
+          </p:cNvSpPr>
+          <p:nvPr>
+            <p:ph type="ctrTitle"/>
+          </p:nvPr>
+        </p:nvSpPr>
+        <p:spPr>
+          <a:xfrm>
+            <a:off x="1524000" y="1122363"/>
+            <a:ext cx="9144000" cy="2387600"/>
+          </a:xfrm>
+        </p:spPr>
+        <p:txBody>
+          <a:bodyPr>
+            <a:normAutofit/>
+          </a:bodyPr>
+          <a:lstStyle/>
+          <a:p>
+            <a:pPr>
+              <a:lnSpc>
+                <a:spcPct val="150000"/>
+              </a:lnSpc>
+            </a:pPr>
+            <a:r>
+              <a:rPr lang="pl-PL" sz="6000" b="1" dirty="0">
+                <a:solidFill>
+                  <a:schemeClr val="bg1"/>
+                </a:solidFill>
+                <a:latin typeface="Poppins" panose="00000500000000000000" pitchFamily="2" charset="-18"/>
+                <a:cs typeface="Poppins" panose="00000500000000000000" pitchFamily="2" charset="-18"/>
+              </a:rPr>
+              <a:t>Chat </a:t>
+            </a:r>
+            <a:r>
+              <a:rPr lang="pl-PL" sz="6000" b="1" dirty="0" err="1">
+                <a:solidFill>
+                  <a:schemeClr val="bg1"/>
+                </a:solidFill>
+                <a:latin typeface="Poppins" panose="00000500000000000000" pitchFamily="2" charset="-18"/>
+                <a:cs typeface="Poppins" panose="00000500000000000000" pitchFamily="2" charset="-18"/>
+              </a:rPr>
+              <a:t>Bots</a:t>
+            </a:r>
+            <a:endParaRPr lang="pl-PL" sz="6000" b="1" dirty="0">
+              <a:solidFill>
+                <a:schemeClr val="bg1"/>
+              </a:solidFill>
+              <a:latin typeface="Poppins" panose="00000500000000000000" pitchFamily="2" charset="-18"/>
+              <a:cs typeface="Poppins" panose="00000500000000000000" pitchFamily="2" charset="-18"/>
+            </a:endParaRPr>
+          </a:p>
+        </p:txBody>
+      </p:sp>
+    </p:spTree>
+    <p:extLst>
+      <p:ext uri="{BB962C8B-B14F-4D97-AF65-F5344CB8AC3E}">
+        <p14:creationId xmlns:p14="http://schemas.microsoft.com/office/powerpoint/2010/main" val="2757792778"/>
+      </p:ext>
+    </p:extLst>
+  </p:cSld>
+  <p:clrMapOvr>
+    <a:masterClrMapping/>
+  </p:clrMapOvr>
+</p:sld>
+</file>
+
+<file path=ppt/slides/slide34.xml><?xml version="1.0" encoding="utf-8"?>
+<p:sld xmlns:a="http://schemas.openxmlformats.org/drawingml/2006/main" xmlns:r="http://schemas.openxmlformats.org/officeDocument/2006/relationships" xmlns:p="http://schemas.openxmlformats.org/presentationml/2006/main">
+  <p:cSld>
+    <p:spTree>
+      <p:nvGrpSpPr>
+        <p:cNvPr id="1" name="">
+          <a:extLst>
+            <a:ext uri="{FF2B5EF4-FFF2-40B4-BE49-F238E27FC236}">
+              <a16:creationId xmlns:a16="http://schemas.microsoft.com/office/drawing/2014/main" id="{71719C20-B5E0-3B90-0086-5C94AAA0DDE7}"/>
+            </a:ext>
+          </a:extLst>
+        </p:cNvPr>
+        <p:cNvGrpSpPr/>
+        <p:nvPr/>
+      </p:nvGrpSpPr>
+      <p:grpSpPr>
+        <a:xfrm>
+          <a:off x="0" y="0"/>
+          <a:ext cx="0" cy="0"/>
+          <a:chOff x="0" y="0"/>
+          <a:chExt cx="0" cy="0"/>
+        </a:xfrm>
+      </p:grpSpPr>
+      <p:sp>
+        <p:nvSpPr>
+          <p:cNvPr id="6" name="Google Shape;335;g2ae502b7976_1_101">
+            <a:extLst>
+              <a:ext uri="{FF2B5EF4-FFF2-40B4-BE49-F238E27FC236}">
+                <a16:creationId xmlns:a16="http://schemas.microsoft.com/office/drawing/2014/main" id="{F66C26B8-D5FB-E3A7-C230-05FF0D6E9A43}"/>
+              </a:ext>
+            </a:extLst>
+          </p:cNvPr>
+          <p:cNvSpPr txBox="1"/>
+          <p:nvPr/>
+        </p:nvSpPr>
+        <p:spPr>
+          <a:xfrm>
+            <a:off x="407988" y="565805"/>
+            <a:ext cx="11376000" cy="523180"/>
+          </a:xfrm>
+          <a:prstGeom prst="rect">
+            <a:avLst/>
+          </a:prstGeom>
+          <a:noFill/>
+          <a:ln>
+            <a:noFill/>
+          </a:ln>
+        </p:spPr>
+        <p:txBody>
+          <a:bodyPr spcFirstLastPara="1" wrap="square" lIns="91425" tIns="45700" rIns="91425" bIns="45700" anchor="t" anchorCtr="0">
+            <a:spAutoFit/>
+          </a:bodyPr>
+          <a:lstStyle/>
+          <a:p>
+            <a:pPr marL="0" marR="0" lvl="0" indent="0" algn="l" rtl="0">
+              <a:spcBef>
+                <a:spcPts val="0"/>
+              </a:spcBef>
+              <a:spcAft>
+                <a:spcPts val="0"/>
+              </a:spcAft>
+              <a:buNone/>
+            </a:pPr>
+            <a:r>
+              <a:rPr lang="pl-PL" sz="2800" b="1" dirty="0" err="1">
+                <a:solidFill>
+                  <a:schemeClr val="dk1"/>
+                </a:solidFill>
+                <a:latin typeface="Poppins"/>
+                <a:ea typeface="Poppins"/>
+                <a:cs typeface="Poppins"/>
+                <a:sym typeface="Poppins"/>
+              </a:rPr>
+              <a:t>What</a:t>
+            </a:r>
+            <a:r>
+              <a:rPr lang="pl-PL" sz="2800" b="1" dirty="0">
+                <a:solidFill>
+                  <a:schemeClr val="dk1"/>
+                </a:solidFill>
+                <a:latin typeface="Poppins"/>
+                <a:ea typeface="Poppins"/>
+                <a:cs typeface="Poppins"/>
+                <a:sym typeface="Poppins"/>
+              </a:rPr>
+              <a:t> </a:t>
+            </a:r>
+            <a:r>
+              <a:rPr lang="pl-PL" sz="2800" b="1" dirty="0" err="1">
+                <a:solidFill>
+                  <a:schemeClr val="dk1"/>
+                </a:solidFill>
+                <a:latin typeface="Poppins"/>
+                <a:ea typeface="Poppins"/>
+                <a:cs typeface="Poppins"/>
+                <a:sym typeface="Poppins"/>
+              </a:rPr>
+              <a:t>are</a:t>
+            </a:r>
+            <a:r>
+              <a:rPr lang="pl-PL" sz="2800" b="1" dirty="0">
+                <a:solidFill>
+                  <a:schemeClr val="dk1"/>
+                </a:solidFill>
+                <a:latin typeface="Poppins"/>
+                <a:ea typeface="Poppins"/>
+                <a:cs typeface="Poppins"/>
+                <a:sym typeface="Poppins"/>
+              </a:rPr>
+              <a:t> </a:t>
+            </a:r>
+            <a:r>
+              <a:rPr lang="pl-PL" sz="2800" b="1" dirty="0" err="1">
+                <a:solidFill>
+                  <a:schemeClr val="dk1"/>
+                </a:solidFill>
+                <a:latin typeface="Poppins"/>
+                <a:ea typeface="Poppins"/>
+                <a:cs typeface="Poppins"/>
+                <a:sym typeface="Poppins"/>
+              </a:rPr>
+              <a:t>chatbots</a:t>
+            </a:r>
+            <a:endParaRPr lang="pl-PL" sz="2800" b="1" dirty="0">
+              <a:solidFill>
+                <a:schemeClr val="dk1"/>
+              </a:solidFill>
+              <a:latin typeface="Poppins"/>
+              <a:ea typeface="Poppins"/>
+              <a:cs typeface="Poppins"/>
+              <a:sym typeface="Poppins"/>
+            </a:endParaRPr>
+          </a:p>
+        </p:txBody>
+      </p:sp>
+      <p:sp>
+        <p:nvSpPr>
+          <p:cNvPr id="3" name="pole tekstowe 2">
+            <a:extLst>
+              <a:ext uri="{FF2B5EF4-FFF2-40B4-BE49-F238E27FC236}">
+                <a16:creationId xmlns:a16="http://schemas.microsoft.com/office/drawing/2014/main" id="{C7ABB031-A2C4-68AB-93C4-BF900604342D}"/>
+              </a:ext>
+            </a:extLst>
+          </p:cNvPr>
+          <p:cNvSpPr txBox="1"/>
+          <p:nvPr/>
+        </p:nvSpPr>
+        <p:spPr>
+          <a:xfrm>
+            <a:off x="407988" y="1557850"/>
+            <a:ext cx="5277305" cy="4785926"/>
+          </a:xfrm>
+          <a:prstGeom prst="rect">
+            <a:avLst/>
+          </a:prstGeom>
+          <a:noFill/>
+        </p:spPr>
+        <p:txBody>
+          <a:bodyPr wrap="square">
+            <a:spAutoFit/>
+          </a:bodyPr>
+          <a:lstStyle/>
+          <a:p>
+            <a:pPr algn="l">
+              <a:spcBef>
+                <a:spcPts val="1200"/>
+              </a:spcBef>
+              <a:spcAft>
+                <a:spcPts val="600"/>
+              </a:spcAft>
+              <a:buNone/>
+            </a:pPr>
+            <a:r>
+              <a:rPr lang="en-GB" sz="2000" b="1" i="0" dirty="0">
+                <a:effectLst/>
+                <a:latin typeface="Poppins" panose="00000500000000000000" pitchFamily="2" charset="-18"/>
+                <a:cs typeface="Poppins" panose="00000500000000000000" pitchFamily="2" charset="-18"/>
+              </a:rPr>
+              <a:t>Key Concepts</a:t>
+            </a:r>
+          </a:p>
+          <a:p>
+            <a:pPr algn="l">
+              <a:buFont typeface="Arial" panose="020B0604020202020204" pitchFamily="34" charset="0"/>
+              <a:buChar char="•"/>
+            </a:pPr>
+            <a:r>
+              <a:rPr lang="en-GB" sz="2000" b="1" i="0" dirty="0">
+                <a:effectLst/>
+                <a:latin typeface="Poppins" panose="00000500000000000000" pitchFamily="2" charset="-18"/>
+                <a:cs typeface="Poppins" panose="00000500000000000000" pitchFamily="2" charset="-18"/>
+              </a:rPr>
+              <a:t>Definition</a:t>
+            </a:r>
+            <a:r>
+              <a:rPr lang="en-GB" sz="2000" b="0" i="0" dirty="0">
+                <a:effectLst/>
+                <a:latin typeface="Poppins" panose="00000500000000000000" pitchFamily="2" charset="-18"/>
+                <a:cs typeface="Poppins" panose="00000500000000000000" pitchFamily="2" charset="-18"/>
+              </a:rPr>
+              <a:t>: AI systems designed for human-like conversation</a:t>
+            </a:r>
+          </a:p>
+          <a:p>
+            <a:pPr algn="l">
+              <a:buFont typeface="Arial" panose="020B0604020202020204" pitchFamily="34" charset="0"/>
+              <a:buChar char="•"/>
+            </a:pPr>
+            <a:r>
+              <a:rPr lang="en-GB" sz="2000" b="1" i="0" dirty="0">
+                <a:effectLst/>
+                <a:latin typeface="Poppins" panose="00000500000000000000" pitchFamily="2" charset="-18"/>
+                <a:cs typeface="Poppins" panose="00000500000000000000" pitchFamily="2" charset="-18"/>
+              </a:rPr>
+              <a:t>Evolution</a:t>
+            </a:r>
+            <a:r>
+              <a:rPr lang="en-GB" sz="2000" b="0" i="0" dirty="0">
+                <a:effectLst/>
+                <a:latin typeface="Poppins" panose="00000500000000000000" pitchFamily="2" charset="-18"/>
+                <a:cs typeface="Poppins" panose="00000500000000000000" pitchFamily="2" charset="-18"/>
+              </a:rPr>
+              <a:t>: Rule-based → ML-powered → LLM-powered</a:t>
+            </a:r>
+          </a:p>
+          <a:p>
+            <a:pPr algn="l">
+              <a:buFont typeface="Arial" panose="020B0604020202020204" pitchFamily="34" charset="0"/>
+              <a:buChar char="•"/>
+            </a:pPr>
+            <a:r>
+              <a:rPr lang="en-GB" sz="2000" b="1" i="0" dirty="0">
+                <a:effectLst/>
+                <a:latin typeface="Poppins" panose="00000500000000000000" pitchFamily="2" charset="-18"/>
+                <a:cs typeface="Poppins" panose="00000500000000000000" pitchFamily="2" charset="-18"/>
+              </a:rPr>
+              <a:t>Capabilities</a:t>
+            </a:r>
+            <a:r>
+              <a:rPr lang="en-GB" sz="2000" b="0" i="0" dirty="0">
+                <a:effectLst/>
+                <a:latin typeface="Poppins" panose="00000500000000000000" pitchFamily="2" charset="-18"/>
+                <a:cs typeface="Poppins" panose="00000500000000000000" pitchFamily="2" charset="-18"/>
+              </a:rPr>
+              <a:t>: Text completion, knowledge access, tool use</a:t>
+            </a:r>
+            <a:endParaRPr lang="pl-PL" sz="2000" b="0" i="0" dirty="0">
+              <a:effectLst/>
+              <a:latin typeface="Poppins" panose="00000500000000000000" pitchFamily="2" charset="-18"/>
+              <a:cs typeface="Poppins" panose="00000500000000000000" pitchFamily="2" charset="-18"/>
+            </a:endParaRPr>
+          </a:p>
+          <a:p>
+            <a:pPr algn="l">
+              <a:buFont typeface="Arial" panose="020B0604020202020204" pitchFamily="34" charset="0"/>
+              <a:buChar char="•"/>
+            </a:pPr>
+            <a:endParaRPr lang="pl-PL" sz="2000" dirty="0">
+              <a:latin typeface="Poppins" panose="00000500000000000000" pitchFamily="2" charset="-18"/>
+              <a:cs typeface="Poppins" panose="00000500000000000000" pitchFamily="2" charset="-18"/>
+            </a:endParaRPr>
+          </a:p>
+          <a:p>
+            <a:pPr algn="l">
+              <a:buFont typeface="Arial" panose="020B0604020202020204" pitchFamily="34" charset="0"/>
+              <a:buChar char="•"/>
+            </a:pPr>
+            <a:r>
+              <a:rPr lang="pl-PL" sz="2000" b="0" i="0" dirty="0">
+                <a:effectLst/>
+                <a:latin typeface="Poppins" panose="00000500000000000000" pitchFamily="2" charset="-18"/>
+                <a:cs typeface="Poppins" panose="00000500000000000000" pitchFamily="2" charset="-18"/>
+              </a:rPr>
+              <a:t>Most popular </a:t>
+            </a:r>
+            <a:r>
+              <a:rPr lang="pl-PL" sz="2000" b="0" i="0" dirty="0" err="1">
+                <a:effectLst/>
+                <a:latin typeface="Poppins" panose="00000500000000000000" pitchFamily="2" charset="-18"/>
+                <a:cs typeface="Poppins" panose="00000500000000000000" pitchFamily="2" charset="-18"/>
+              </a:rPr>
+              <a:t>topic</a:t>
+            </a:r>
+            <a:r>
+              <a:rPr lang="pl-PL" sz="2000" b="0" i="0" dirty="0">
+                <a:effectLst/>
+                <a:latin typeface="Poppins" panose="00000500000000000000" pitchFamily="2" charset="-18"/>
+                <a:cs typeface="Poppins" panose="00000500000000000000" pitchFamily="2" charset="-18"/>
+              </a:rPr>
+              <a:t> of 2024-&gt; real-life </a:t>
+            </a:r>
+            <a:r>
+              <a:rPr lang="pl-PL" sz="2000" b="0" i="0" dirty="0" err="1">
+                <a:effectLst/>
+                <a:latin typeface="Poppins" panose="00000500000000000000" pitchFamily="2" charset="-18"/>
+                <a:cs typeface="Poppins" panose="00000500000000000000" pitchFamily="2" charset="-18"/>
+              </a:rPr>
+              <a:t>showed</a:t>
+            </a:r>
+            <a:r>
+              <a:rPr lang="pl-PL" sz="2000" b="0" i="0" dirty="0">
+                <a:effectLst/>
+                <a:latin typeface="Poppins" panose="00000500000000000000" pitchFamily="2" charset="-18"/>
+                <a:cs typeface="Poppins" panose="00000500000000000000" pitchFamily="2" charset="-18"/>
+              </a:rPr>
+              <a:t> </a:t>
+            </a:r>
+            <a:r>
+              <a:rPr lang="pl-PL" sz="2000" b="0" i="0" dirty="0" err="1">
+                <a:effectLst/>
+                <a:latin typeface="Poppins" panose="00000500000000000000" pitchFamily="2" charset="-18"/>
+                <a:cs typeface="Poppins" panose="00000500000000000000" pitchFamily="2" charset="-18"/>
+              </a:rPr>
+              <a:t>that</a:t>
+            </a:r>
+            <a:r>
+              <a:rPr lang="pl-PL" sz="2000" b="0" i="0" dirty="0">
+                <a:effectLst/>
+                <a:latin typeface="Poppins" panose="00000500000000000000" pitchFamily="2" charset="-18"/>
+                <a:cs typeface="Poppins" panose="00000500000000000000" pitchFamily="2" charset="-18"/>
+              </a:rPr>
+              <a:t> Chat </a:t>
+            </a:r>
+            <a:r>
+              <a:rPr lang="pl-PL" sz="2000" b="0" i="0" dirty="0" err="1">
+                <a:effectLst/>
+                <a:latin typeface="Poppins" panose="00000500000000000000" pitchFamily="2" charset="-18"/>
+                <a:cs typeface="Poppins" panose="00000500000000000000" pitchFamily="2" charset="-18"/>
+              </a:rPr>
+              <a:t>bots</a:t>
+            </a:r>
+            <a:r>
+              <a:rPr lang="pl-PL" sz="2000" b="0" i="0" dirty="0">
+                <a:effectLst/>
+                <a:latin typeface="Poppins" panose="00000500000000000000" pitchFamily="2" charset="-18"/>
+                <a:cs typeface="Poppins" panose="00000500000000000000" pitchFamily="2" charset="-18"/>
+              </a:rPr>
+              <a:t> </a:t>
+            </a:r>
+            <a:r>
+              <a:rPr lang="pl-PL" sz="2000" b="0" i="0" dirty="0" err="1">
+                <a:effectLst/>
+                <a:latin typeface="Poppins" panose="00000500000000000000" pitchFamily="2" charset="-18"/>
+                <a:cs typeface="Poppins" panose="00000500000000000000" pitchFamily="2" charset="-18"/>
+              </a:rPr>
+              <a:t>are</a:t>
+            </a:r>
+            <a:r>
+              <a:rPr lang="pl-PL" sz="2000" b="0" i="0" dirty="0">
+                <a:effectLst/>
+                <a:latin typeface="Poppins" panose="00000500000000000000" pitchFamily="2" charset="-18"/>
+                <a:cs typeface="Poppins" panose="00000500000000000000" pitchFamily="2" charset="-18"/>
+              </a:rPr>
+              <a:t> </a:t>
+            </a:r>
+            <a:r>
+              <a:rPr lang="pl-PL" sz="2000" b="0" i="0" dirty="0" err="1">
+                <a:effectLst/>
+                <a:latin typeface="Poppins" panose="00000500000000000000" pitchFamily="2" charset="-18"/>
+                <a:cs typeface="Poppins" panose="00000500000000000000" pitchFamily="2" charset="-18"/>
+              </a:rPr>
+              <a:t>harder</a:t>
+            </a:r>
+            <a:r>
+              <a:rPr lang="pl-PL" sz="2000" b="0" i="0" dirty="0">
+                <a:effectLst/>
+                <a:latin typeface="Poppins" panose="00000500000000000000" pitchFamily="2" charset="-18"/>
+                <a:cs typeface="Poppins" panose="00000500000000000000" pitchFamily="2" charset="-18"/>
+              </a:rPr>
+              <a:t> </a:t>
+            </a:r>
+            <a:r>
+              <a:rPr lang="pl-PL" sz="2000" b="0" i="0" dirty="0" err="1">
+                <a:effectLst/>
+                <a:latin typeface="Poppins" panose="00000500000000000000" pitchFamily="2" charset="-18"/>
+                <a:cs typeface="Poppins" panose="00000500000000000000" pitchFamily="2" charset="-18"/>
+              </a:rPr>
+              <a:t>than</a:t>
+            </a:r>
+            <a:r>
+              <a:rPr lang="pl-PL" sz="2000" b="0" i="0" dirty="0">
+                <a:effectLst/>
+                <a:latin typeface="Poppins" panose="00000500000000000000" pitchFamily="2" charset="-18"/>
+                <a:cs typeface="Poppins" panose="00000500000000000000" pitchFamily="2" charset="-18"/>
+              </a:rPr>
+              <a:t> </a:t>
+            </a:r>
+            <a:r>
+              <a:rPr lang="pl-PL" sz="2000" b="0" i="0" dirty="0" err="1">
+                <a:effectLst/>
+                <a:latin typeface="Poppins" panose="00000500000000000000" pitchFamily="2" charset="-18"/>
+                <a:cs typeface="Poppins" panose="00000500000000000000" pitchFamily="2" charset="-18"/>
+              </a:rPr>
+              <a:t>they</a:t>
+            </a:r>
+            <a:r>
+              <a:rPr lang="pl-PL" sz="2000" b="0" i="0" dirty="0">
+                <a:effectLst/>
+                <a:latin typeface="Poppins" panose="00000500000000000000" pitchFamily="2" charset="-18"/>
+                <a:cs typeface="Poppins" panose="00000500000000000000" pitchFamily="2" charset="-18"/>
+              </a:rPr>
+              <a:t> </a:t>
+            </a:r>
+            <a:r>
+              <a:rPr lang="pl-PL" sz="2000" b="0" i="0" dirty="0" err="1">
+                <a:effectLst/>
+                <a:latin typeface="Poppins" panose="00000500000000000000" pitchFamily="2" charset="-18"/>
+                <a:cs typeface="Poppins" panose="00000500000000000000" pitchFamily="2" charset="-18"/>
+              </a:rPr>
+              <a:t>seem</a:t>
+            </a:r>
+            <a:br>
+              <a:rPr lang="pl-PL" sz="2000" b="0" i="0" dirty="0">
+                <a:effectLst/>
+                <a:latin typeface="Poppins" panose="00000500000000000000" pitchFamily="2" charset="-18"/>
+                <a:cs typeface="Poppins" panose="00000500000000000000" pitchFamily="2" charset="-18"/>
+              </a:rPr>
+            </a:br>
+            <a:endParaRPr lang="pl-PL" sz="2000" b="0" i="0" dirty="0">
+              <a:effectLst/>
+              <a:latin typeface="Poppins" panose="00000500000000000000" pitchFamily="2" charset="-18"/>
+              <a:cs typeface="Poppins" panose="00000500000000000000" pitchFamily="2" charset="-18"/>
+            </a:endParaRPr>
+          </a:p>
+          <a:p>
+            <a:pPr algn="l">
+              <a:buFont typeface="Arial" panose="020B0604020202020204" pitchFamily="34" charset="0"/>
+              <a:buChar char="•"/>
+            </a:pPr>
+            <a:r>
+              <a:rPr lang="pl-PL" sz="2000" dirty="0" err="1">
+                <a:latin typeface="Poppins" panose="00000500000000000000" pitchFamily="2" charset="-18"/>
+                <a:cs typeface="Poppins" panose="00000500000000000000" pitchFamily="2" charset="-18"/>
+              </a:rPr>
+              <a:t>Chatbots</a:t>
+            </a:r>
+            <a:r>
+              <a:rPr lang="pl-PL" sz="2000" dirty="0">
+                <a:latin typeface="Poppins" panose="00000500000000000000" pitchFamily="2" charset="-18"/>
+                <a:cs typeface="Poppins" panose="00000500000000000000" pitchFamily="2" charset="-18"/>
+              </a:rPr>
+              <a:t> </a:t>
+            </a:r>
+            <a:r>
+              <a:rPr lang="pl-PL" sz="2000" dirty="0" err="1">
+                <a:latin typeface="Poppins" panose="00000500000000000000" pitchFamily="2" charset="-18"/>
+                <a:cs typeface="Poppins" panose="00000500000000000000" pitchFamily="2" charset="-18"/>
+              </a:rPr>
+              <a:t>combine</a:t>
+            </a:r>
+            <a:r>
+              <a:rPr lang="pl-PL" sz="2000" dirty="0">
+                <a:latin typeface="Poppins" panose="00000500000000000000" pitchFamily="2" charset="-18"/>
+                <a:cs typeface="Poppins" panose="00000500000000000000" pitchFamily="2" charset="-18"/>
+              </a:rPr>
+              <a:t> </a:t>
+            </a:r>
+            <a:r>
+              <a:rPr lang="pl-PL" sz="2000" dirty="0" err="1">
+                <a:latin typeface="Poppins" panose="00000500000000000000" pitchFamily="2" charset="-18"/>
+                <a:cs typeface="Poppins" panose="00000500000000000000" pitchFamily="2" charset="-18"/>
+              </a:rPr>
+              <a:t>LLMs</a:t>
+            </a:r>
+            <a:r>
+              <a:rPr lang="pl-PL" sz="2000" dirty="0">
+                <a:latin typeface="Poppins" panose="00000500000000000000" pitchFamily="2" charset="-18"/>
+                <a:cs typeface="Poppins" panose="00000500000000000000" pitchFamily="2" charset="-18"/>
+              </a:rPr>
+              <a:t>, Tools and </a:t>
+            </a:r>
+            <a:r>
+              <a:rPr lang="pl-PL" sz="2000" dirty="0" err="1">
+                <a:latin typeface="Poppins" panose="00000500000000000000" pitchFamily="2" charset="-18"/>
+                <a:cs typeface="Poppins" panose="00000500000000000000" pitchFamily="2" charset="-18"/>
+              </a:rPr>
+              <a:t>managing</a:t>
+            </a:r>
+            <a:r>
+              <a:rPr lang="pl-PL" sz="2000" dirty="0">
+                <a:latin typeface="Poppins" panose="00000500000000000000" pitchFamily="2" charset="-18"/>
+                <a:cs typeface="Poppins" panose="00000500000000000000" pitchFamily="2" charset="-18"/>
+              </a:rPr>
+              <a:t> </a:t>
+            </a:r>
+            <a:r>
+              <a:rPr lang="pl-PL" sz="2000" dirty="0" err="1">
+                <a:latin typeface="Poppins" panose="00000500000000000000" pitchFamily="2" charset="-18"/>
+                <a:cs typeface="Poppins" panose="00000500000000000000" pitchFamily="2" charset="-18"/>
+              </a:rPr>
+              <a:t>short</a:t>
+            </a:r>
+            <a:r>
+              <a:rPr lang="pl-PL" sz="2000" dirty="0">
+                <a:latin typeface="Poppins" panose="00000500000000000000" pitchFamily="2" charset="-18"/>
+                <a:cs typeface="Poppins" panose="00000500000000000000" pitchFamily="2" charset="-18"/>
+              </a:rPr>
+              <a:t> and </a:t>
+            </a:r>
+            <a:r>
+              <a:rPr lang="pl-PL" sz="2000" dirty="0" err="1">
+                <a:latin typeface="Poppins" panose="00000500000000000000" pitchFamily="2" charset="-18"/>
+                <a:cs typeface="Poppins" panose="00000500000000000000" pitchFamily="2" charset="-18"/>
+              </a:rPr>
+              <a:t>long</a:t>
+            </a:r>
+            <a:r>
+              <a:rPr lang="pl-PL" sz="2000" dirty="0">
+                <a:latin typeface="Poppins" panose="00000500000000000000" pitchFamily="2" charset="-18"/>
+                <a:cs typeface="Poppins" panose="00000500000000000000" pitchFamily="2" charset="-18"/>
+              </a:rPr>
+              <a:t> </a:t>
+            </a:r>
+            <a:r>
+              <a:rPr lang="pl-PL" sz="2000" dirty="0" err="1">
+                <a:latin typeface="Poppins" panose="00000500000000000000" pitchFamily="2" charset="-18"/>
+                <a:cs typeface="Poppins" panose="00000500000000000000" pitchFamily="2" charset="-18"/>
+              </a:rPr>
+              <a:t>conversation</a:t>
+            </a:r>
+            <a:r>
+              <a:rPr lang="pl-PL" sz="2000" dirty="0">
+                <a:latin typeface="Poppins" panose="00000500000000000000" pitchFamily="2" charset="-18"/>
+                <a:cs typeface="Poppins" panose="00000500000000000000" pitchFamily="2" charset="-18"/>
+              </a:rPr>
+              <a:t> </a:t>
+            </a:r>
+            <a:r>
+              <a:rPr lang="pl-PL" sz="2000" dirty="0" err="1">
+                <a:latin typeface="Poppins" panose="00000500000000000000" pitchFamily="2" charset="-18"/>
+                <a:cs typeface="Poppins" panose="00000500000000000000" pitchFamily="2" charset="-18"/>
+              </a:rPr>
+              <a:t>memory</a:t>
+            </a:r>
+            <a:endParaRPr lang="en-GB" sz="2000" b="0" i="0" dirty="0">
+              <a:effectLst/>
+              <a:latin typeface="Poppins" panose="00000500000000000000" pitchFamily="2" charset="-18"/>
+              <a:cs typeface="Poppins" panose="00000500000000000000" pitchFamily="2" charset="-18"/>
+            </a:endParaRPr>
+          </a:p>
+        </p:txBody>
+      </p:sp>
+      <p:sp>
+        <p:nvSpPr>
+          <p:cNvPr id="5" name="pole tekstowe 4">
+            <a:extLst>
+              <a:ext uri="{FF2B5EF4-FFF2-40B4-BE49-F238E27FC236}">
+                <a16:creationId xmlns:a16="http://schemas.microsoft.com/office/drawing/2014/main" id="{BAD34833-0AC2-594F-A7A6-3D3A29B78925}"/>
+              </a:ext>
+            </a:extLst>
+          </p:cNvPr>
+          <p:cNvSpPr txBox="1"/>
+          <p:nvPr/>
+        </p:nvSpPr>
+        <p:spPr>
+          <a:xfrm>
+            <a:off x="6506708" y="1557850"/>
+            <a:ext cx="5075692" cy="1831271"/>
+          </a:xfrm>
+          <a:prstGeom prst="rect">
+            <a:avLst/>
+          </a:prstGeom>
+          <a:noFill/>
+        </p:spPr>
+        <p:txBody>
+          <a:bodyPr wrap="square">
+            <a:spAutoFit/>
+          </a:bodyPr>
+          <a:lstStyle/>
+          <a:p>
+            <a:pPr algn="l">
+              <a:spcBef>
+                <a:spcPts val="1200"/>
+              </a:spcBef>
+              <a:spcAft>
+                <a:spcPts val="600"/>
+              </a:spcAft>
+              <a:buNone/>
+            </a:pPr>
+            <a:r>
+              <a:rPr lang="en-GB" b="1" i="0" dirty="0">
+                <a:effectLst/>
+                <a:latin typeface="Poppins" panose="00000500000000000000" pitchFamily="2" charset="-18"/>
+                <a:cs typeface="Poppins" panose="00000500000000000000" pitchFamily="2" charset="-18"/>
+              </a:rPr>
+              <a:t>Real-World Applications</a:t>
+            </a:r>
+          </a:p>
+          <a:p>
+            <a:pPr algn="l">
+              <a:buFont typeface="Arial" panose="020B0604020202020204" pitchFamily="34" charset="0"/>
+              <a:buChar char="•"/>
+            </a:pPr>
+            <a:r>
+              <a:rPr lang="en-GB" b="0" i="0" dirty="0">
+                <a:effectLst/>
+                <a:latin typeface="Poppins" panose="00000500000000000000" pitchFamily="2" charset="-18"/>
+                <a:cs typeface="Poppins" panose="00000500000000000000" pitchFamily="2" charset="-18"/>
+              </a:rPr>
+              <a:t>Customer service automation</a:t>
+            </a:r>
+          </a:p>
+          <a:p>
+            <a:pPr algn="l">
+              <a:buFont typeface="Arial" panose="020B0604020202020204" pitchFamily="34" charset="0"/>
+              <a:buChar char="•"/>
+            </a:pPr>
+            <a:r>
+              <a:rPr lang="en-GB" b="0" i="0" dirty="0">
+                <a:effectLst/>
+                <a:latin typeface="Poppins" panose="00000500000000000000" pitchFamily="2" charset="-18"/>
+                <a:cs typeface="Poppins" panose="00000500000000000000" pitchFamily="2" charset="-18"/>
+              </a:rPr>
+              <a:t>Virtual assistants (Siri, Alexa)</a:t>
+            </a:r>
+          </a:p>
+          <a:p>
+            <a:pPr algn="l">
+              <a:buFont typeface="Arial" panose="020B0604020202020204" pitchFamily="34" charset="0"/>
+              <a:buChar char="•"/>
+            </a:pPr>
+            <a:r>
+              <a:rPr lang="en-GB" b="0" i="0" dirty="0">
+                <a:effectLst/>
+                <a:latin typeface="Poppins" panose="00000500000000000000" pitchFamily="2" charset="-18"/>
+                <a:cs typeface="Poppins" panose="00000500000000000000" pitchFamily="2" charset="-18"/>
+              </a:rPr>
+              <a:t>Technical support</a:t>
+            </a:r>
+          </a:p>
+          <a:p>
+            <a:pPr algn="l">
+              <a:buFont typeface="Arial" panose="020B0604020202020204" pitchFamily="34" charset="0"/>
+              <a:buChar char="•"/>
+            </a:pPr>
+            <a:r>
+              <a:rPr lang="en-GB" b="0" i="0" dirty="0">
+                <a:effectLst/>
+                <a:latin typeface="Poppins" panose="00000500000000000000" pitchFamily="2" charset="-18"/>
+                <a:cs typeface="Poppins" panose="00000500000000000000" pitchFamily="2" charset="-18"/>
+              </a:rPr>
+              <a:t>Educational tutoring</a:t>
+            </a:r>
+          </a:p>
+          <a:p>
+            <a:pPr algn="l">
+              <a:buFont typeface="Arial" panose="020B0604020202020204" pitchFamily="34" charset="0"/>
+              <a:buChar char="•"/>
+            </a:pPr>
+            <a:r>
+              <a:rPr lang="en-GB" b="0" i="0" dirty="0">
+                <a:effectLst/>
+                <a:latin typeface="Poppins" panose="00000500000000000000" pitchFamily="2" charset="-18"/>
+                <a:cs typeface="Poppins" panose="00000500000000000000" pitchFamily="2" charset="-18"/>
+              </a:rPr>
+              <a:t>Healthcare triage</a:t>
+            </a:r>
+          </a:p>
+        </p:txBody>
+      </p:sp>
+      <p:sp>
+        <p:nvSpPr>
+          <p:cNvPr id="8" name="pole tekstowe 7">
+            <a:extLst>
+              <a:ext uri="{FF2B5EF4-FFF2-40B4-BE49-F238E27FC236}">
+                <a16:creationId xmlns:a16="http://schemas.microsoft.com/office/drawing/2014/main" id="{7932B3B4-703E-662D-CA14-5B121D55762D}"/>
+              </a:ext>
+            </a:extLst>
+          </p:cNvPr>
+          <p:cNvSpPr txBox="1"/>
+          <p:nvPr/>
+        </p:nvSpPr>
+        <p:spPr>
+          <a:xfrm>
+            <a:off x="6506708" y="3857986"/>
+            <a:ext cx="4789942" cy="2662267"/>
+          </a:xfrm>
+          <a:prstGeom prst="rect">
+            <a:avLst/>
+          </a:prstGeom>
+          <a:noFill/>
+        </p:spPr>
+        <p:txBody>
+          <a:bodyPr wrap="square">
+            <a:spAutoFit/>
+          </a:bodyPr>
+          <a:lstStyle/>
+          <a:p>
+            <a:pPr algn="l">
+              <a:spcBef>
+                <a:spcPts val="1200"/>
+              </a:spcBef>
+              <a:spcAft>
+                <a:spcPts val="600"/>
+              </a:spcAft>
+              <a:buNone/>
+            </a:pPr>
+            <a:r>
+              <a:rPr lang="en-GB" b="1" i="0" dirty="0">
+                <a:effectLst/>
+                <a:latin typeface="Poppins" panose="00000500000000000000" pitchFamily="2" charset="-18"/>
+                <a:cs typeface="Poppins" panose="00000500000000000000" pitchFamily="2" charset="-18"/>
+              </a:rPr>
+              <a:t>Limitations</a:t>
+            </a:r>
+            <a:r>
+              <a:rPr lang="pl-PL" b="1" i="0" dirty="0">
+                <a:effectLst/>
+                <a:latin typeface="Poppins" panose="00000500000000000000" pitchFamily="2" charset="-18"/>
+                <a:cs typeface="Poppins" panose="00000500000000000000" pitchFamily="2" charset="-18"/>
+              </a:rPr>
+              <a:t> and </a:t>
+            </a:r>
+            <a:r>
+              <a:rPr lang="pl-PL" b="1" i="0" dirty="0" err="1">
+                <a:effectLst/>
+                <a:latin typeface="Poppins" panose="00000500000000000000" pitchFamily="2" charset="-18"/>
+                <a:cs typeface="Poppins" panose="00000500000000000000" pitchFamily="2" charset="-18"/>
+              </a:rPr>
+              <a:t>Risks</a:t>
+            </a:r>
+            <a:endParaRPr lang="en-GB" b="1" i="0" dirty="0">
+              <a:effectLst/>
+              <a:latin typeface="Poppins" panose="00000500000000000000" pitchFamily="2" charset="-18"/>
+              <a:cs typeface="Poppins" panose="00000500000000000000" pitchFamily="2" charset="-18"/>
+            </a:endParaRPr>
+          </a:p>
+          <a:p>
+            <a:pPr algn="l"/>
+            <a:r>
+              <a:rPr lang="pl-PL" b="0" i="0" dirty="0" err="1">
+                <a:effectLst/>
+                <a:latin typeface="Poppins" panose="00000500000000000000" pitchFamily="2" charset="-18"/>
+                <a:cs typeface="Poppins" panose="00000500000000000000" pitchFamily="2" charset="-18"/>
+              </a:rPr>
+              <a:t>Chats</a:t>
+            </a:r>
+            <a:r>
+              <a:rPr lang="pl-PL" b="0" i="0" dirty="0">
+                <a:effectLst/>
+                <a:latin typeface="Poppins" panose="00000500000000000000" pitchFamily="2" charset="-18"/>
+                <a:cs typeface="Poppins" panose="00000500000000000000" pitchFamily="2" charset="-18"/>
+              </a:rPr>
+              <a:t> </a:t>
+            </a:r>
+            <a:r>
+              <a:rPr lang="pl-PL" b="0" i="0" dirty="0" err="1">
+                <a:effectLst/>
+                <a:latin typeface="Poppins" panose="00000500000000000000" pitchFamily="2" charset="-18"/>
+                <a:cs typeface="Poppins" panose="00000500000000000000" pitchFamily="2" charset="-18"/>
+              </a:rPr>
+              <a:t>are</a:t>
+            </a:r>
+            <a:r>
+              <a:rPr lang="pl-PL" b="0" i="0" dirty="0">
+                <a:effectLst/>
+                <a:latin typeface="Poppins" panose="00000500000000000000" pitchFamily="2" charset="-18"/>
+                <a:cs typeface="Poppins" panose="00000500000000000000" pitchFamily="2" charset="-18"/>
+              </a:rPr>
+              <a:t> </a:t>
+            </a:r>
+            <a:r>
+              <a:rPr lang="pl-PL" b="0" i="0" dirty="0" err="1">
+                <a:effectLst/>
+                <a:latin typeface="Poppins" panose="00000500000000000000" pitchFamily="2" charset="-18"/>
+                <a:cs typeface="Poppins" panose="00000500000000000000" pitchFamily="2" charset="-18"/>
+              </a:rPr>
+              <a:t>pretty</a:t>
+            </a:r>
+            <a:r>
+              <a:rPr lang="pl-PL" b="0" i="0" dirty="0">
+                <a:effectLst/>
+                <a:latin typeface="Poppins" panose="00000500000000000000" pitchFamily="2" charset="-18"/>
+                <a:cs typeface="Poppins" panose="00000500000000000000" pitchFamily="2" charset="-18"/>
+              </a:rPr>
+              <a:t> much as open as </a:t>
+            </a:r>
+            <a:r>
+              <a:rPr lang="pl-PL" b="0" i="0" dirty="0" err="1">
+                <a:effectLst/>
+                <a:latin typeface="Poppins" panose="00000500000000000000" pitchFamily="2" charset="-18"/>
+                <a:cs typeface="Poppins" panose="00000500000000000000" pitchFamily="2" charset="-18"/>
+              </a:rPr>
+              <a:t>its</a:t>
+            </a:r>
+            <a:r>
+              <a:rPr lang="pl-PL" b="0" i="0" dirty="0">
+                <a:effectLst/>
+                <a:latin typeface="Poppins" panose="00000500000000000000" pitchFamily="2" charset="-18"/>
+                <a:cs typeface="Poppins" panose="00000500000000000000" pitchFamily="2" charset="-18"/>
+              </a:rPr>
+              <a:t> </a:t>
+            </a:r>
+            <a:r>
+              <a:rPr lang="pl-PL" b="0" i="0" dirty="0" err="1">
+                <a:effectLst/>
+                <a:latin typeface="Poppins" panose="00000500000000000000" pitchFamily="2" charset="-18"/>
+                <a:cs typeface="Poppins" panose="00000500000000000000" pitchFamily="2" charset="-18"/>
+              </a:rPr>
+              <a:t>possible</a:t>
+            </a:r>
+            <a:r>
+              <a:rPr lang="pl-PL" b="0" i="0" dirty="0">
+                <a:effectLst/>
+                <a:latin typeface="Poppins" panose="00000500000000000000" pitchFamily="2" charset="-18"/>
+                <a:cs typeface="Poppins" panose="00000500000000000000" pitchFamily="2" charset="-18"/>
+              </a:rPr>
+              <a:t> -&gt; </a:t>
+            </a:r>
+            <a:r>
+              <a:rPr lang="pl-PL" b="0" i="0" dirty="0" err="1">
+                <a:effectLst/>
+                <a:latin typeface="Poppins" panose="00000500000000000000" pitchFamily="2" charset="-18"/>
+                <a:cs typeface="Poppins" panose="00000500000000000000" pitchFamily="2" charset="-18"/>
+              </a:rPr>
+              <a:t>this</a:t>
+            </a:r>
+            <a:r>
+              <a:rPr lang="pl-PL" b="0" i="0" dirty="0">
+                <a:effectLst/>
+                <a:latin typeface="Poppins" panose="00000500000000000000" pitchFamily="2" charset="-18"/>
+                <a:cs typeface="Poppins" panose="00000500000000000000" pitchFamily="2" charset="-18"/>
+              </a:rPr>
+              <a:t> </a:t>
+            </a:r>
+            <a:r>
+              <a:rPr lang="pl-PL" b="0" i="0" dirty="0" err="1">
+                <a:effectLst/>
+                <a:latin typeface="Poppins" panose="00000500000000000000" pitchFamily="2" charset="-18"/>
+                <a:cs typeface="Poppins" panose="00000500000000000000" pitchFamily="2" charset="-18"/>
+              </a:rPr>
+              <a:t>creates</a:t>
+            </a:r>
+            <a:r>
+              <a:rPr lang="pl-PL" b="0" i="0" dirty="0">
+                <a:effectLst/>
+                <a:latin typeface="Poppins" panose="00000500000000000000" pitchFamily="2" charset="-18"/>
+                <a:cs typeface="Poppins" panose="00000500000000000000" pitchFamily="2" charset="-18"/>
+              </a:rPr>
+              <a:t> a lot of </a:t>
+            </a:r>
+            <a:r>
+              <a:rPr lang="pl-PL" b="0" i="0" dirty="0" err="1">
+                <a:effectLst/>
+                <a:latin typeface="Poppins" panose="00000500000000000000" pitchFamily="2" charset="-18"/>
+                <a:cs typeface="Poppins" panose="00000500000000000000" pitchFamily="2" charset="-18"/>
+              </a:rPr>
+              <a:t>risk</a:t>
+            </a:r>
+            <a:r>
+              <a:rPr lang="pl-PL" dirty="0" err="1">
+                <a:latin typeface="Poppins" panose="00000500000000000000" pitchFamily="2" charset="-18"/>
+                <a:cs typeface="Poppins" panose="00000500000000000000" pitchFamily="2" charset="-18"/>
+              </a:rPr>
+              <a:t>s</a:t>
+            </a:r>
+            <a:r>
+              <a:rPr lang="pl-PL" dirty="0">
+                <a:latin typeface="Poppins" panose="00000500000000000000" pitchFamily="2" charset="-18"/>
+                <a:cs typeface="Poppins" panose="00000500000000000000" pitchFamily="2" charset="-18"/>
+              </a:rPr>
+              <a:t> </a:t>
+            </a:r>
+            <a:r>
+              <a:rPr lang="pl-PL" dirty="0" err="1">
+                <a:latin typeface="Poppins" panose="00000500000000000000" pitchFamily="2" charset="-18"/>
+                <a:cs typeface="Poppins" panose="00000500000000000000" pitchFamily="2" charset="-18"/>
+              </a:rPr>
+              <a:t>including</a:t>
+            </a:r>
+            <a:r>
+              <a:rPr lang="pl-PL" dirty="0">
+                <a:latin typeface="Poppins" panose="00000500000000000000" pitchFamily="2" charset="-18"/>
+                <a:cs typeface="Poppins" panose="00000500000000000000" pitchFamily="2" charset="-18"/>
+              </a:rPr>
+              <a:t>:</a:t>
+            </a:r>
+          </a:p>
+          <a:p>
+            <a:pPr lvl="1">
+              <a:buFont typeface="Arial" panose="020B0604020202020204" pitchFamily="34" charset="0"/>
+              <a:buChar char="•"/>
+            </a:pPr>
+            <a:r>
+              <a:rPr lang="pl-PL" b="0" i="0" dirty="0" err="1">
+                <a:effectLst/>
+                <a:latin typeface="Poppins" panose="00000500000000000000" pitchFamily="2" charset="-18"/>
+                <a:cs typeface="Poppins" panose="00000500000000000000" pitchFamily="2" charset="-18"/>
+              </a:rPr>
+              <a:t>Toxic</a:t>
+            </a:r>
+            <a:r>
+              <a:rPr lang="pl-PL" b="0" i="0" dirty="0">
+                <a:effectLst/>
+                <a:latin typeface="Poppins" panose="00000500000000000000" pitchFamily="2" charset="-18"/>
+                <a:cs typeface="Poppins" panose="00000500000000000000" pitchFamily="2" charset="-18"/>
+              </a:rPr>
+              <a:t> </a:t>
+            </a:r>
+            <a:r>
+              <a:rPr lang="pl-PL" b="0" i="0" dirty="0" err="1">
+                <a:effectLst/>
+                <a:latin typeface="Poppins" panose="00000500000000000000" pitchFamily="2" charset="-18"/>
+                <a:cs typeface="Poppins" panose="00000500000000000000" pitchFamily="2" charset="-18"/>
+              </a:rPr>
+              <a:t>behaviour</a:t>
+            </a:r>
+            <a:endParaRPr lang="pl-PL" b="0" i="0" dirty="0">
+              <a:effectLst/>
+              <a:latin typeface="Poppins" panose="00000500000000000000" pitchFamily="2" charset="-18"/>
+              <a:cs typeface="Poppins" panose="00000500000000000000" pitchFamily="2" charset="-18"/>
+            </a:endParaRPr>
+          </a:p>
+          <a:p>
+            <a:pPr lvl="1">
+              <a:buFont typeface="Arial" panose="020B0604020202020204" pitchFamily="34" charset="0"/>
+              <a:buChar char="•"/>
+            </a:pPr>
+            <a:r>
+              <a:rPr lang="pl-PL" dirty="0" err="1">
+                <a:latin typeface="Poppins" panose="00000500000000000000" pitchFamily="2" charset="-18"/>
+                <a:cs typeface="Poppins" panose="00000500000000000000" pitchFamily="2" charset="-18"/>
+              </a:rPr>
+              <a:t>Prompt</a:t>
+            </a:r>
+            <a:r>
+              <a:rPr lang="pl-PL" dirty="0">
+                <a:latin typeface="Poppins" panose="00000500000000000000" pitchFamily="2" charset="-18"/>
+                <a:cs typeface="Poppins" panose="00000500000000000000" pitchFamily="2" charset="-18"/>
+              </a:rPr>
+              <a:t> </a:t>
+            </a:r>
+            <a:r>
+              <a:rPr lang="pl-PL" dirty="0" err="1">
+                <a:latin typeface="Poppins" panose="00000500000000000000" pitchFamily="2" charset="-18"/>
+                <a:cs typeface="Poppins" panose="00000500000000000000" pitchFamily="2" charset="-18"/>
+              </a:rPr>
+              <a:t>Injection</a:t>
+            </a:r>
+            <a:endParaRPr lang="pl-PL" dirty="0">
+              <a:latin typeface="Poppins" panose="00000500000000000000" pitchFamily="2" charset="-18"/>
+              <a:cs typeface="Poppins" panose="00000500000000000000" pitchFamily="2" charset="-18"/>
+            </a:endParaRPr>
+          </a:p>
+          <a:p>
+            <a:pPr lvl="1">
+              <a:buFont typeface="Arial" panose="020B0604020202020204" pitchFamily="34" charset="0"/>
+              <a:buChar char="•"/>
+            </a:pPr>
+            <a:r>
+              <a:rPr lang="pl-PL" b="0" i="0" dirty="0" err="1">
+                <a:effectLst/>
+                <a:latin typeface="Poppins" panose="00000500000000000000" pitchFamily="2" charset="-18"/>
+                <a:cs typeface="Poppins" panose="00000500000000000000" pitchFamily="2" charset="-18"/>
+              </a:rPr>
+              <a:t>Customers</a:t>
+            </a:r>
+            <a:r>
+              <a:rPr lang="pl-PL" b="0" i="0" dirty="0">
+                <a:effectLst/>
+                <a:latin typeface="Poppins" panose="00000500000000000000" pitchFamily="2" charset="-18"/>
+                <a:cs typeface="Poppins" panose="00000500000000000000" pitchFamily="2" charset="-18"/>
+              </a:rPr>
+              <a:t> </a:t>
+            </a:r>
+            <a:r>
+              <a:rPr lang="pl-PL" b="0" i="0" dirty="0" err="1">
+                <a:effectLst/>
+                <a:latin typeface="Poppins" panose="00000500000000000000" pitchFamily="2" charset="-18"/>
+                <a:cs typeface="Poppins" panose="00000500000000000000" pitchFamily="2" charset="-18"/>
+              </a:rPr>
+              <a:t>trying</a:t>
+            </a:r>
+            <a:r>
+              <a:rPr lang="pl-PL" b="0" i="0" dirty="0">
+                <a:effectLst/>
+                <a:latin typeface="Poppins" panose="00000500000000000000" pitchFamily="2" charset="-18"/>
+                <a:cs typeface="Poppins" panose="00000500000000000000" pitchFamily="2" charset="-18"/>
+              </a:rPr>
+              <a:t> to </a:t>
+            </a:r>
+            <a:r>
+              <a:rPr lang="pl-PL" b="0" i="0" dirty="0" err="1">
+                <a:effectLst/>
+                <a:latin typeface="Poppins" panose="00000500000000000000" pitchFamily="2" charset="-18"/>
+                <a:cs typeface="Poppins" panose="00000500000000000000" pitchFamily="2" charset="-18"/>
+              </a:rPr>
+              <a:t>get</a:t>
+            </a:r>
+            <a:r>
+              <a:rPr lang="pl-PL" b="0" i="0" dirty="0">
+                <a:effectLst/>
+                <a:latin typeface="Poppins" panose="00000500000000000000" pitchFamily="2" charset="-18"/>
+                <a:cs typeface="Poppins" panose="00000500000000000000" pitchFamily="2" charset="-18"/>
+              </a:rPr>
+              <a:t> </a:t>
+            </a:r>
+            <a:r>
+              <a:rPr lang="pl-PL" b="0" i="0" dirty="0" err="1">
+                <a:effectLst/>
+                <a:latin typeface="Poppins" panose="00000500000000000000" pitchFamily="2" charset="-18"/>
+                <a:cs typeface="Poppins" panose="00000500000000000000" pitchFamily="2" charset="-18"/>
+              </a:rPr>
+              <a:t>benefits</a:t>
+            </a:r>
+            <a:r>
+              <a:rPr lang="pl-PL" b="0" i="0" dirty="0">
+                <a:effectLst/>
+                <a:latin typeface="Poppins" panose="00000500000000000000" pitchFamily="2" charset="-18"/>
+                <a:cs typeface="Poppins" panose="00000500000000000000" pitchFamily="2" charset="-18"/>
+              </a:rPr>
+              <a:t> from </a:t>
+            </a:r>
+            <a:r>
+              <a:rPr lang="pl-PL" b="0" i="0" dirty="0" err="1">
+                <a:effectLst/>
+                <a:latin typeface="Poppins" panose="00000500000000000000" pitchFamily="2" charset="-18"/>
+                <a:cs typeface="Poppins" panose="00000500000000000000" pitchFamily="2" charset="-18"/>
+              </a:rPr>
+              <a:t>ChatBot</a:t>
+            </a:r>
+            <a:r>
+              <a:rPr lang="pl-PL" b="0" i="0" dirty="0">
+                <a:effectLst/>
+                <a:latin typeface="Poppins" panose="00000500000000000000" pitchFamily="2" charset="-18"/>
+                <a:cs typeface="Poppins" panose="00000500000000000000" pitchFamily="2" charset="-18"/>
+              </a:rPr>
+              <a:t> </a:t>
+            </a:r>
+            <a:r>
+              <a:rPr lang="pl-PL" b="0" i="0" dirty="0" err="1">
+                <a:effectLst/>
+                <a:latin typeface="Poppins" panose="00000500000000000000" pitchFamily="2" charset="-18"/>
+                <a:cs typeface="Poppins" panose="00000500000000000000" pitchFamily="2" charset="-18"/>
+              </a:rPr>
+              <a:t>errors</a:t>
+            </a:r>
+            <a:r>
+              <a:rPr lang="pl-PL" b="0" i="0" dirty="0">
+                <a:effectLst/>
+                <a:latin typeface="Poppins" panose="00000500000000000000" pitchFamily="2" charset="-18"/>
+                <a:cs typeface="Poppins" panose="00000500000000000000" pitchFamily="2" charset="-18"/>
+              </a:rPr>
+              <a:t> -&gt; </a:t>
+            </a:r>
+            <a:r>
+              <a:rPr lang="pl-PL" b="0" i="0" dirty="0" err="1">
+                <a:effectLst/>
+                <a:latin typeface="Poppins" panose="00000500000000000000" pitchFamily="2" charset="-18"/>
+                <a:cs typeface="Poppins" panose="00000500000000000000" pitchFamily="2" charset="-18"/>
+              </a:rPr>
+              <a:t>they</a:t>
+            </a:r>
+            <a:r>
+              <a:rPr lang="pl-PL" b="0" i="0" dirty="0">
+                <a:effectLst/>
+                <a:latin typeface="Poppins" panose="00000500000000000000" pitchFamily="2" charset="-18"/>
+                <a:cs typeface="Poppins" panose="00000500000000000000" pitchFamily="2" charset="-18"/>
+              </a:rPr>
+              <a:t> </a:t>
+            </a:r>
+            <a:r>
+              <a:rPr lang="pl-PL" b="0" i="0" dirty="0" err="1">
+                <a:effectLst/>
+                <a:latin typeface="Poppins" panose="00000500000000000000" pitchFamily="2" charset="-18"/>
+                <a:cs typeface="Poppins" panose="00000500000000000000" pitchFamily="2" charset="-18"/>
+              </a:rPr>
+              <a:t>have</a:t>
+            </a:r>
+            <a:r>
+              <a:rPr lang="pl-PL" b="0" i="0" dirty="0">
+                <a:effectLst/>
+                <a:latin typeface="Poppins" panose="00000500000000000000" pitchFamily="2" charset="-18"/>
+                <a:cs typeface="Poppins" panose="00000500000000000000" pitchFamily="2" charset="-18"/>
+              </a:rPr>
+              <a:t> </a:t>
+            </a:r>
+            <a:r>
+              <a:rPr lang="pl-PL" b="0" i="0" dirty="0" err="1">
+                <a:effectLst/>
+                <a:latin typeface="Poppins" panose="00000500000000000000" pitchFamily="2" charset="-18"/>
+                <a:cs typeface="Poppins" panose="00000500000000000000" pitchFamily="2" charset="-18"/>
+              </a:rPr>
+              <a:t>unlimited</a:t>
+            </a:r>
+            <a:r>
+              <a:rPr lang="pl-PL" b="0" i="0" dirty="0">
+                <a:effectLst/>
+                <a:latin typeface="Poppins" panose="00000500000000000000" pitchFamily="2" charset="-18"/>
+                <a:cs typeface="Poppins" panose="00000500000000000000" pitchFamily="2" charset="-18"/>
+              </a:rPr>
+              <a:t> </a:t>
+            </a:r>
+            <a:r>
+              <a:rPr lang="pl-PL" b="0" i="0" dirty="0" err="1">
+                <a:effectLst/>
+                <a:latin typeface="Poppins" panose="00000500000000000000" pitchFamily="2" charset="-18"/>
+                <a:cs typeface="Poppins" panose="00000500000000000000" pitchFamily="2" charset="-18"/>
+              </a:rPr>
+              <a:t>tries</a:t>
+            </a:r>
+            <a:endParaRPr lang="pl-PL" b="0" i="0" dirty="0">
+              <a:effectLst/>
+              <a:latin typeface="Poppins" panose="00000500000000000000" pitchFamily="2" charset="-18"/>
+              <a:cs typeface="Poppins" panose="00000500000000000000" pitchFamily="2" charset="-18"/>
+            </a:endParaRPr>
+          </a:p>
+        </p:txBody>
+      </p:sp>
+    </p:spTree>
+    <p:extLst>
+      <p:ext uri="{BB962C8B-B14F-4D97-AF65-F5344CB8AC3E}">
+        <p14:creationId xmlns:p14="http://schemas.microsoft.com/office/powerpoint/2010/main" val="1863012725"/>
+      </p:ext>
+    </p:extLst>
+  </p:cSld>
+  <p:clrMapOvr>
+    <a:masterClrMapping/>
+  </p:clrMapOvr>
+</p:sld>
+</file>
+
+<file path=ppt/slides/slide35.xml><?xml version="1.0" encoding="utf-8"?>
+<p:sld xmlns:a="http://schemas.openxmlformats.org/drawingml/2006/main" xmlns:r="http://schemas.openxmlformats.org/officeDocument/2006/relationships" xmlns:p="http://schemas.openxmlformats.org/presentationml/2006/main">
+  <p:cSld>
+    <p:spTree>
+      <p:nvGrpSpPr>
         <p:cNvPr id="1" name="">
           <a:extLst>
             <a:ext uri="{FF2B5EF4-FFF2-40B4-BE49-F238E27FC236}">
@@ -18722,7 +21083,7 @@
 </p:sld>
 </file>
 
-<file path=ppt/slides/slide31.xml><?xml version="1.0" encoding="utf-8"?>
+<file path=ppt/slides/slide36.xml><?xml version="1.0" encoding="utf-8"?>
 <p:sld xmlns:a="http://schemas.openxmlformats.org/drawingml/2006/main" xmlns:r="http://schemas.openxmlformats.org/officeDocument/2006/relationships" xmlns:p="http://schemas.openxmlformats.org/presentationml/2006/main">
   <p:cSld>
     <p:spTree>
@@ -18898,7 +21259,7 @@
 </p:sld>
 </file>
 
-<file path=ppt/slides/slide32.xml><?xml version="1.0" encoding="utf-8"?>
+<file path=ppt/slides/slide37.xml><?xml version="1.0" encoding="utf-8"?>
 <p:sld xmlns:a="http://schemas.openxmlformats.org/drawingml/2006/main" xmlns:r="http://schemas.openxmlformats.org/officeDocument/2006/relationships" xmlns:p="http://schemas.openxmlformats.org/presentationml/2006/main">
   <p:cSld>
     <p:spTree>
@@ -19824,7 +22185,7 @@
 </p:sld>
 </file>
 
-<file path=ppt/slides/slide33.xml><?xml version="1.0" encoding="utf-8"?>
+<file path=ppt/slides/slide38.xml><?xml version="1.0" encoding="utf-8"?>
 <p:sld xmlns:a="http://schemas.openxmlformats.org/drawingml/2006/main" xmlns:r="http://schemas.openxmlformats.org/officeDocument/2006/relationships" xmlns:p="http://schemas.openxmlformats.org/presentationml/2006/main">
   <p:cSld>
     <p:spTree>
@@ -19992,7 +22353,7 @@
 </p:sld>
 </file>
 
-<file path=ppt/slides/slide34.xml><?xml version="1.0" encoding="utf-8"?>
+<file path=ppt/slides/slide39.xml><?xml version="1.0" encoding="utf-8"?>
 <p:sld xmlns:a="http://schemas.openxmlformats.org/drawingml/2006/main" xmlns:r="http://schemas.openxmlformats.org/officeDocument/2006/relationships" xmlns:p="http://schemas.openxmlformats.org/presentationml/2006/main">
   <p:cSld>
     <p:spTree>
@@ -21024,1679 +23385,6 @@
     <p:extLst>
       <p:ext uri="{BB962C8B-B14F-4D97-AF65-F5344CB8AC3E}">
         <p14:creationId xmlns:p14="http://schemas.microsoft.com/office/powerpoint/2010/main" val="1155844590"/>
-      </p:ext>
-    </p:extLst>
-  </p:cSld>
-  <p:clrMapOvr>
-    <a:masterClrMapping/>
-  </p:clrMapOvr>
-</p:sld>
-</file>
-
-<file path=ppt/slides/slide35.xml><?xml version="1.0" encoding="utf-8"?>
-<p:sld xmlns:a="http://schemas.openxmlformats.org/drawingml/2006/main" xmlns:r="http://schemas.openxmlformats.org/officeDocument/2006/relationships" xmlns:p="http://schemas.openxmlformats.org/presentationml/2006/main">
-  <p:cSld>
-    <p:spTree>
-      <p:nvGrpSpPr>
-        <p:cNvPr id="1" name="Shape 332">
-          <a:extLst>
-            <a:ext uri="{FF2B5EF4-FFF2-40B4-BE49-F238E27FC236}">
-              <a16:creationId xmlns:a16="http://schemas.microsoft.com/office/drawing/2014/main" id="{5E13A571-5373-5EE2-EA85-02B8695BA28D}"/>
-            </a:ext>
-          </a:extLst>
-        </p:cNvPr>
-        <p:cNvGrpSpPr/>
-        <p:nvPr/>
-      </p:nvGrpSpPr>
-      <p:grpSpPr>
-        <a:xfrm>
-          <a:off x="0" y="0"/>
-          <a:ext cx="0" cy="0"/>
-          <a:chOff x="0" y="0"/>
-          <a:chExt cx="0" cy="0"/>
-        </a:xfrm>
-      </p:grpSpPr>
-      <p:sp>
-        <p:nvSpPr>
-          <p:cNvPr id="335" name="Google Shape;335;g2ae502b7976_1_101">
-            <a:extLst>
-              <a:ext uri="{FF2B5EF4-FFF2-40B4-BE49-F238E27FC236}">
-                <a16:creationId xmlns:a16="http://schemas.microsoft.com/office/drawing/2014/main" id="{C5D520F8-E619-D322-79D8-4E95B9102407}"/>
-              </a:ext>
-            </a:extLst>
-          </p:cNvPr>
-          <p:cNvSpPr txBox="1"/>
-          <p:nvPr/>
-        </p:nvSpPr>
-        <p:spPr>
-          <a:xfrm>
-            <a:off x="407988" y="565805"/>
-            <a:ext cx="11376000" cy="523180"/>
-          </a:xfrm>
-          <a:prstGeom prst="rect">
-            <a:avLst/>
-          </a:prstGeom>
-          <a:noFill/>
-          <a:ln>
-            <a:noFill/>
-          </a:ln>
-        </p:spPr>
-        <p:txBody>
-          <a:bodyPr spcFirstLastPara="1" wrap="square" lIns="91425" tIns="45700" rIns="91425" bIns="45700" anchor="t" anchorCtr="0">
-            <a:spAutoFit/>
-          </a:bodyPr>
-          <a:lstStyle/>
-          <a:p>
-            <a:pPr marL="0" marR="0" lvl="0" indent="0" algn="l" rtl="0">
-              <a:spcBef>
-                <a:spcPts val="0"/>
-              </a:spcBef>
-              <a:spcAft>
-                <a:spcPts val="0"/>
-              </a:spcAft>
-              <a:buNone/>
-            </a:pPr>
-            <a:r>
-              <a:rPr lang="pl-PL" sz="2800" b="1" dirty="0">
-                <a:solidFill>
-                  <a:schemeClr val="dk1"/>
-                </a:solidFill>
-                <a:latin typeface="Poppins"/>
-                <a:ea typeface="Poppins"/>
-                <a:cs typeface="Poppins"/>
-                <a:sym typeface="Poppins"/>
-              </a:rPr>
-              <a:t>T</a:t>
-            </a:r>
-            <a:r>
-              <a:rPr lang="en-GB" sz="2800" b="1" dirty="0">
-                <a:solidFill>
-                  <a:schemeClr val="dk1"/>
-                </a:solidFill>
-                <a:latin typeface="Poppins"/>
-                <a:ea typeface="Poppins"/>
-                <a:cs typeface="Poppins"/>
-                <a:sym typeface="Poppins"/>
-              </a:rPr>
-              <a:t>ravel agency chat bot hints</a:t>
-            </a:r>
-            <a:endParaRPr lang="pl-PL" sz="2800" b="1" dirty="0">
-              <a:solidFill>
-                <a:schemeClr val="dk1"/>
-              </a:solidFill>
-              <a:latin typeface="Poppins"/>
-              <a:ea typeface="Poppins"/>
-              <a:cs typeface="Poppins"/>
-              <a:sym typeface="Poppins"/>
-            </a:endParaRPr>
-          </a:p>
-        </p:txBody>
-      </p:sp>
-      <p:sp>
-        <p:nvSpPr>
-          <p:cNvPr id="4" name="pole tekstowe 3">
-            <a:extLst>
-              <a:ext uri="{FF2B5EF4-FFF2-40B4-BE49-F238E27FC236}">
-                <a16:creationId xmlns:a16="http://schemas.microsoft.com/office/drawing/2014/main" id="{E97ABC4C-EC8E-E378-D1C3-5E0C76A928D5}"/>
-              </a:ext>
-            </a:extLst>
-          </p:cNvPr>
-          <p:cNvSpPr txBox="1"/>
-          <p:nvPr/>
-        </p:nvSpPr>
-        <p:spPr>
-          <a:xfrm>
-            <a:off x="838350" y="2229633"/>
-            <a:ext cx="4377846" cy="4801314"/>
-          </a:xfrm>
-          <a:prstGeom prst="rect">
-            <a:avLst/>
-          </a:prstGeom>
-          <a:noFill/>
-        </p:spPr>
-        <p:txBody>
-          <a:bodyPr wrap="square" rtlCol="0">
-            <a:spAutoFit/>
-          </a:bodyPr>
-          <a:lstStyle/>
-          <a:p>
-            <a:r>
-              <a:rPr lang="en-GB" dirty="0">
-                <a:latin typeface="Poppins" panose="00000500000000000000" pitchFamily="2" charset="-18"/>
-                <a:cs typeface="Poppins" panose="00000500000000000000" pitchFamily="2" charset="-18"/>
-              </a:rPr>
-              <a:t>Base</a:t>
-            </a:r>
-          </a:p>
-          <a:p>
-            <a:pPr marL="285750" indent="-285750">
-              <a:buFont typeface="Arial" panose="020B0604020202020204" pitchFamily="34" charset="0"/>
-              <a:buChar char="•"/>
-            </a:pPr>
-            <a:r>
-              <a:rPr lang="en-GB" dirty="0">
-                <a:latin typeface="Poppins" panose="00000500000000000000" pitchFamily="2" charset="-18"/>
-                <a:cs typeface="Poppins" panose="00000500000000000000" pitchFamily="2" charset="-18"/>
-              </a:rPr>
-              <a:t>Answer questions about company travel policies passed on the FAQ files</a:t>
-            </a:r>
-          </a:p>
-          <a:p>
-            <a:pPr marL="285750" indent="-285750">
-              <a:buFont typeface="Arial" panose="020B0604020202020204" pitchFamily="34" charset="0"/>
-              <a:buChar char="•"/>
-            </a:pPr>
-            <a:r>
-              <a:rPr lang="en-GB" dirty="0">
-                <a:latin typeface="Poppins" panose="00000500000000000000" pitchFamily="2" charset="-18"/>
-                <a:cs typeface="Poppins" panose="00000500000000000000" pitchFamily="2" charset="-18"/>
-              </a:rPr>
-              <a:t>Working memory -&gt; being able to use contents from previous messages in answers</a:t>
-            </a:r>
-          </a:p>
-          <a:p>
-            <a:endParaRPr lang="en-GB" dirty="0">
-              <a:latin typeface="Poppins" panose="00000500000000000000" pitchFamily="2" charset="-18"/>
-              <a:cs typeface="Poppins" panose="00000500000000000000" pitchFamily="2" charset="-18"/>
-            </a:endParaRPr>
-          </a:p>
-          <a:p>
-            <a:r>
-              <a:rPr lang="en-GB" dirty="0">
-                <a:latin typeface="Poppins" panose="00000500000000000000" pitchFamily="2" charset="-18"/>
-                <a:cs typeface="Poppins" panose="00000500000000000000" pitchFamily="2" charset="-18"/>
-              </a:rPr>
-              <a:t>Extra</a:t>
-            </a:r>
-          </a:p>
-          <a:p>
-            <a:pPr marL="285750" indent="-285750">
-              <a:buFont typeface="Arial" panose="020B0604020202020204" pitchFamily="34" charset="0"/>
-              <a:buChar char="•"/>
-            </a:pPr>
-            <a:r>
-              <a:rPr lang="en-GB" dirty="0" err="1">
-                <a:latin typeface="Poppins" panose="00000500000000000000" pitchFamily="2" charset="-18"/>
-                <a:cs typeface="Poppins" panose="00000500000000000000" pitchFamily="2" charset="-18"/>
-              </a:rPr>
-              <a:t>Streamlit</a:t>
-            </a:r>
-            <a:r>
-              <a:rPr lang="en-GB" dirty="0">
-                <a:latin typeface="Poppins" panose="00000500000000000000" pitchFamily="2" charset="-18"/>
-                <a:cs typeface="Poppins" panose="00000500000000000000" pitchFamily="2" charset="-18"/>
-              </a:rPr>
-              <a:t> app for easier interaction</a:t>
-            </a:r>
-          </a:p>
-          <a:p>
-            <a:pPr marL="285750" indent="-285750">
-              <a:buFont typeface="Arial" panose="020B0604020202020204" pitchFamily="34" charset="0"/>
-              <a:buChar char="•"/>
-            </a:pPr>
-            <a:r>
-              <a:rPr lang="en-GB" dirty="0">
-                <a:latin typeface="Poppins" panose="00000500000000000000" pitchFamily="2" charset="-18"/>
-                <a:cs typeface="Poppins" panose="00000500000000000000" pitchFamily="2" charset="-18"/>
-              </a:rPr>
-              <a:t>Ability to fetch trips details from a file based on its id</a:t>
-            </a:r>
-          </a:p>
-          <a:p>
-            <a:pPr marL="285750" indent="-285750">
-              <a:buFont typeface="Arial" panose="020B0604020202020204" pitchFamily="34" charset="0"/>
-              <a:buChar char="•"/>
-            </a:pPr>
-            <a:r>
-              <a:rPr lang="en-GB" dirty="0">
-                <a:latin typeface="Poppins" panose="00000500000000000000" pitchFamily="2" charset="-18"/>
-                <a:cs typeface="Poppins" panose="00000500000000000000" pitchFamily="2" charset="-18"/>
-              </a:rPr>
-              <a:t>Guardrails against toxic </a:t>
-            </a:r>
-            <a:r>
-              <a:rPr lang="en-GB" dirty="0" err="1">
-                <a:latin typeface="Poppins" panose="00000500000000000000" pitchFamily="2" charset="-18"/>
-                <a:cs typeface="Poppins" panose="00000500000000000000" pitchFamily="2" charset="-18"/>
-              </a:rPr>
-              <a:t>behavious</a:t>
-            </a:r>
-            <a:r>
-              <a:rPr lang="en-GB" dirty="0">
-                <a:latin typeface="Poppins" panose="00000500000000000000" pitchFamily="2" charset="-18"/>
-                <a:cs typeface="Poppins" panose="00000500000000000000" pitchFamily="2" charset="-18"/>
-              </a:rPr>
-              <a:t> and jailbreaking</a:t>
-            </a:r>
-          </a:p>
-          <a:p>
-            <a:endParaRPr lang="en-GB" dirty="0">
-              <a:latin typeface="Poppins" panose="00000500000000000000" pitchFamily="2" charset="-18"/>
-              <a:cs typeface="Poppins" panose="00000500000000000000" pitchFamily="2" charset="-18"/>
-            </a:endParaRPr>
-          </a:p>
-          <a:p>
-            <a:pPr marL="285750" indent="-285750">
-              <a:buFont typeface="Arial" panose="020B0604020202020204" pitchFamily="34" charset="0"/>
-              <a:buChar char="•"/>
-            </a:pPr>
-            <a:endParaRPr lang="en-GB" dirty="0">
-              <a:latin typeface="Poppins" panose="00000500000000000000" pitchFamily="2" charset="-18"/>
-              <a:cs typeface="Poppins" panose="00000500000000000000" pitchFamily="2" charset="-18"/>
-            </a:endParaRPr>
-          </a:p>
-        </p:txBody>
-      </p:sp>
-      <p:sp>
-        <p:nvSpPr>
-          <p:cNvPr id="8" name="Prostokąt: zaokrąglone rogi 7">
-            <a:extLst>
-              <a:ext uri="{FF2B5EF4-FFF2-40B4-BE49-F238E27FC236}">
-                <a16:creationId xmlns:a16="http://schemas.microsoft.com/office/drawing/2014/main" id="{B0EC5938-3CD1-E155-AD1C-DC7AEEA32C6E}"/>
-              </a:ext>
-            </a:extLst>
-          </p:cNvPr>
-          <p:cNvSpPr/>
-          <p:nvPr/>
-        </p:nvSpPr>
-        <p:spPr>
-          <a:xfrm>
-            <a:off x="794508" y="1314843"/>
-            <a:ext cx="4421688" cy="688931"/>
-          </a:xfrm>
-          <a:prstGeom prst="roundRect">
-            <a:avLst/>
-          </a:prstGeom>
-          <a:solidFill>
-            <a:srgbClr val="0070C0"/>
-          </a:solidFill>
-          <a:ln>
-            <a:noFill/>
-          </a:ln>
-        </p:spPr>
-        <p:style>
-          <a:lnRef idx="2">
-            <a:schemeClr val="accent1">
-              <a:shade val="15000"/>
-            </a:schemeClr>
-          </a:lnRef>
-          <a:fillRef idx="1">
-            <a:schemeClr val="accent1"/>
-          </a:fillRef>
-          <a:effectRef idx="0">
-            <a:schemeClr val="accent1"/>
-          </a:effectRef>
-          <a:fontRef idx="minor">
-            <a:schemeClr val="lt1"/>
-          </a:fontRef>
-        </p:style>
-        <p:txBody>
-          <a:bodyPr rtlCol="0" anchor="ctr"/>
-          <a:lstStyle/>
-          <a:p>
-            <a:pPr algn="ctr"/>
-            <a:r>
-              <a:rPr lang="en-GB" dirty="0">
-                <a:latin typeface="Poppins" panose="00000500000000000000" pitchFamily="2" charset="-18"/>
-                <a:cs typeface="Poppins" panose="00000500000000000000" pitchFamily="2" charset="-18"/>
-              </a:rPr>
-              <a:t>Expected features</a:t>
-            </a:r>
-          </a:p>
-        </p:txBody>
-      </p:sp>
-      <p:sp>
-        <p:nvSpPr>
-          <p:cNvPr id="10" name="Prostokąt: zaokrąglone rogi 9">
-            <a:extLst>
-              <a:ext uri="{FF2B5EF4-FFF2-40B4-BE49-F238E27FC236}">
-                <a16:creationId xmlns:a16="http://schemas.microsoft.com/office/drawing/2014/main" id="{63477E31-5333-13B2-366B-6F936607CF15}"/>
-              </a:ext>
-            </a:extLst>
-          </p:cNvPr>
-          <p:cNvSpPr/>
-          <p:nvPr/>
-        </p:nvSpPr>
-        <p:spPr>
-          <a:xfrm>
-            <a:off x="6904638" y="1314843"/>
-            <a:ext cx="4421688" cy="688931"/>
-          </a:xfrm>
-          <a:prstGeom prst="roundRect">
-            <a:avLst/>
-          </a:prstGeom>
-          <a:solidFill>
-            <a:srgbClr val="0070C0"/>
-          </a:solidFill>
-          <a:ln>
-            <a:noFill/>
-          </a:ln>
-        </p:spPr>
-        <p:style>
-          <a:lnRef idx="2">
-            <a:schemeClr val="accent1">
-              <a:shade val="15000"/>
-            </a:schemeClr>
-          </a:lnRef>
-          <a:fillRef idx="1">
-            <a:schemeClr val="accent1"/>
-          </a:fillRef>
-          <a:effectRef idx="0">
-            <a:schemeClr val="accent1"/>
-          </a:effectRef>
-          <a:fontRef idx="minor">
-            <a:schemeClr val="lt1"/>
-          </a:fontRef>
-        </p:style>
-        <p:txBody>
-          <a:bodyPr rtlCol="0" anchor="ctr"/>
-          <a:lstStyle/>
-          <a:p>
-            <a:pPr algn="ctr"/>
-            <a:r>
-              <a:rPr lang="en-GB" dirty="0">
-                <a:latin typeface="Poppins" panose="00000500000000000000" pitchFamily="2" charset="-18"/>
-                <a:cs typeface="Poppins" panose="00000500000000000000" pitchFamily="2" charset="-18"/>
-              </a:rPr>
-              <a:t>Most important steps</a:t>
-            </a:r>
-          </a:p>
-        </p:txBody>
-      </p:sp>
-      <p:sp>
-        <p:nvSpPr>
-          <p:cNvPr id="11" name="pole tekstowe 10">
-            <a:extLst>
-              <a:ext uri="{FF2B5EF4-FFF2-40B4-BE49-F238E27FC236}">
-                <a16:creationId xmlns:a16="http://schemas.microsoft.com/office/drawing/2014/main" id="{86940432-C691-1AA2-D9FD-9C6351D6A489}"/>
-              </a:ext>
-            </a:extLst>
-          </p:cNvPr>
-          <p:cNvSpPr txBox="1"/>
-          <p:nvPr/>
-        </p:nvSpPr>
-        <p:spPr>
-          <a:xfrm>
-            <a:off x="6904638" y="2229633"/>
-            <a:ext cx="4377846" cy="3970318"/>
-          </a:xfrm>
-          <a:prstGeom prst="rect">
-            <a:avLst/>
-          </a:prstGeom>
-          <a:noFill/>
-        </p:spPr>
-        <p:txBody>
-          <a:bodyPr wrap="square" rtlCol="0">
-            <a:spAutoFit/>
-          </a:bodyPr>
-          <a:lstStyle/>
-          <a:p>
-            <a:r>
-              <a:rPr lang="en-GB" sz="1400" dirty="0">
-                <a:latin typeface="Poppins" panose="00000500000000000000" pitchFamily="2" charset="-18"/>
-                <a:cs typeface="Poppins" panose="00000500000000000000" pitchFamily="2" charset="-18"/>
-              </a:rPr>
-              <a:t>Base</a:t>
-            </a:r>
-          </a:p>
-          <a:p>
-            <a:pPr marL="285750" indent="-285750">
-              <a:buFont typeface="Arial" panose="020B0604020202020204" pitchFamily="34" charset="0"/>
-              <a:buChar char="•"/>
-            </a:pPr>
-            <a:r>
-              <a:rPr lang="en-GB" sz="1400" dirty="0">
-                <a:latin typeface="Poppins" panose="00000500000000000000" pitchFamily="2" charset="-18"/>
-                <a:cs typeface="Poppins" panose="00000500000000000000" pitchFamily="2" charset="-18"/>
-              </a:rPr>
-              <a:t>Vectorize FAQs based on `W2-llm-calling-and-vector-search`</a:t>
-            </a:r>
-          </a:p>
-          <a:p>
-            <a:pPr marL="285750" indent="-285750">
-              <a:buFont typeface="Arial" panose="020B0604020202020204" pitchFamily="34" charset="0"/>
-              <a:buChar char="•"/>
-            </a:pPr>
-            <a:r>
-              <a:rPr lang="en-GB" sz="1400" dirty="0">
-                <a:latin typeface="Poppins" panose="00000500000000000000" pitchFamily="2" charset="-18"/>
-                <a:cs typeface="Poppins" panose="00000500000000000000" pitchFamily="2" charset="-18"/>
-              </a:rPr>
-              <a:t>Prepare RAG tool based on previous notebook and `W3-agent_with_tools`</a:t>
-            </a:r>
-          </a:p>
-          <a:p>
-            <a:pPr marL="285750" indent="-285750">
-              <a:buFont typeface="Arial" panose="020B0604020202020204" pitchFamily="34" charset="0"/>
-              <a:buChar char="•"/>
-            </a:pPr>
-            <a:r>
-              <a:rPr lang="en-GB" sz="1400" dirty="0">
-                <a:latin typeface="Poppins" panose="00000500000000000000" pitchFamily="2" charset="-18"/>
-                <a:cs typeface="Poppins" panose="00000500000000000000" pitchFamily="2" charset="-18"/>
-              </a:rPr>
-              <a:t>Implement memory  stored in </a:t>
-            </a:r>
-            <a:r>
-              <a:rPr lang="en-GB" sz="1400" dirty="0" err="1">
-                <a:latin typeface="Poppins" panose="00000500000000000000" pitchFamily="2" charset="-18"/>
-                <a:cs typeface="Poppins" panose="00000500000000000000" pitchFamily="2" charset="-18"/>
-              </a:rPr>
-              <a:t>json</a:t>
-            </a:r>
-            <a:r>
-              <a:rPr lang="en-GB" sz="1400" dirty="0">
-                <a:latin typeface="Poppins" panose="00000500000000000000" pitchFamily="2" charset="-18"/>
-                <a:cs typeface="Poppins" panose="00000500000000000000" pitchFamily="2" charset="-18"/>
-              </a:rPr>
-              <a:t> file based on `W3_chat_with_memory`</a:t>
-            </a:r>
-          </a:p>
-          <a:p>
-            <a:endParaRPr lang="en-GB" sz="1400" dirty="0">
-              <a:latin typeface="Poppins" panose="00000500000000000000" pitchFamily="2" charset="-18"/>
-              <a:cs typeface="Poppins" panose="00000500000000000000" pitchFamily="2" charset="-18"/>
-            </a:endParaRPr>
-          </a:p>
-          <a:p>
-            <a:r>
-              <a:rPr lang="en-GB" sz="1400" dirty="0">
-                <a:latin typeface="Poppins" panose="00000500000000000000" pitchFamily="2" charset="-18"/>
-                <a:cs typeface="Poppins" panose="00000500000000000000" pitchFamily="2" charset="-18"/>
-              </a:rPr>
-              <a:t>Extra</a:t>
-            </a:r>
-          </a:p>
-          <a:p>
-            <a:pPr marL="285750" indent="-285750">
-              <a:buFont typeface="Arial" panose="020B0604020202020204" pitchFamily="34" charset="0"/>
-              <a:buChar char="•"/>
-            </a:pPr>
-            <a:r>
-              <a:rPr lang="en-GB" sz="1400" dirty="0">
-                <a:latin typeface="Poppins" panose="00000500000000000000" pitchFamily="2" charset="-18"/>
-                <a:cs typeface="Poppins" panose="00000500000000000000" pitchFamily="2" charset="-18"/>
-              </a:rPr>
-              <a:t>Retool </a:t>
-            </a:r>
-            <a:r>
-              <a:rPr lang="en-GB" sz="1400" dirty="0" err="1">
-                <a:latin typeface="Poppins" panose="00000500000000000000" pitchFamily="2" charset="-18"/>
-                <a:cs typeface="Poppins" panose="00000500000000000000" pitchFamily="2" charset="-18"/>
-              </a:rPr>
-              <a:t>streamlit</a:t>
-            </a:r>
-            <a:r>
-              <a:rPr lang="en-GB" sz="1400" dirty="0">
-                <a:latin typeface="Poppins" panose="00000500000000000000" pitchFamily="2" charset="-18"/>
-                <a:cs typeface="Poppins" panose="00000500000000000000" pitchFamily="2" charset="-18"/>
-              </a:rPr>
-              <a:t> app from `W3-chat_app` to show this chat</a:t>
-            </a:r>
-          </a:p>
-          <a:p>
-            <a:pPr marL="285750" indent="-285750">
-              <a:buFont typeface="Arial" panose="020B0604020202020204" pitchFamily="34" charset="0"/>
-              <a:buChar char="•"/>
-            </a:pPr>
-            <a:r>
-              <a:rPr lang="en-GB" sz="1400" dirty="0">
-                <a:latin typeface="Poppins" panose="00000500000000000000" pitchFamily="2" charset="-18"/>
-                <a:cs typeface="Poppins" panose="00000500000000000000" pitchFamily="2" charset="-18"/>
-              </a:rPr>
-              <a:t>Connect tool from and `W3-agent_with_tools` for interactions with csv</a:t>
-            </a:r>
-          </a:p>
-          <a:p>
-            <a:pPr marL="285750" indent="-285750">
-              <a:buFont typeface="Arial" panose="020B0604020202020204" pitchFamily="34" charset="0"/>
-              <a:buChar char="•"/>
-            </a:pPr>
-            <a:r>
-              <a:rPr lang="en-GB" sz="1400" dirty="0">
-                <a:latin typeface="Poppins" panose="00000500000000000000" pitchFamily="2" charset="-18"/>
-                <a:cs typeface="Poppins" panose="00000500000000000000" pitchFamily="2" charset="-18"/>
-              </a:rPr>
-              <a:t>Read about jailbreaking and toxicity filters, try preventing them with system prompt instructions</a:t>
-            </a:r>
-          </a:p>
-          <a:p>
-            <a:endParaRPr lang="en-GB" sz="1400" dirty="0">
-              <a:latin typeface="Poppins" panose="00000500000000000000" pitchFamily="2" charset="-18"/>
-              <a:cs typeface="Poppins" panose="00000500000000000000" pitchFamily="2" charset="-18"/>
-            </a:endParaRPr>
-          </a:p>
-          <a:p>
-            <a:pPr marL="285750" indent="-285750">
-              <a:buFont typeface="Arial" panose="020B0604020202020204" pitchFamily="34" charset="0"/>
-              <a:buChar char="•"/>
-            </a:pPr>
-            <a:endParaRPr lang="en-GB" sz="1400" dirty="0">
-              <a:latin typeface="Poppins" panose="00000500000000000000" pitchFamily="2" charset="-18"/>
-              <a:cs typeface="Poppins" panose="00000500000000000000" pitchFamily="2" charset="-18"/>
-            </a:endParaRPr>
-          </a:p>
-        </p:txBody>
-      </p:sp>
-    </p:spTree>
-    <p:extLst>
-      <p:ext uri="{BB962C8B-B14F-4D97-AF65-F5344CB8AC3E}">
-        <p14:creationId xmlns:p14="http://schemas.microsoft.com/office/powerpoint/2010/main" val="3814982571"/>
-      </p:ext>
-    </p:extLst>
-  </p:cSld>
-  <p:clrMapOvr>
-    <a:masterClrMapping/>
-  </p:clrMapOvr>
-</p:sld>
-</file>
-
-<file path=ppt/slides/slide36.xml><?xml version="1.0" encoding="utf-8"?>
-<p:sld xmlns:a="http://schemas.openxmlformats.org/drawingml/2006/main" xmlns:r="http://schemas.openxmlformats.org/officeDocument/2006/relationships" xmlns:p="http://schemas.openxmlformats.org/presentationml/2006/main">
-  <p:cSld>
-    <p:spTree>
-      <p:nvGrpSpPr>
-        <p:cNvPr id="1" name="Shape 332">
-          <a:extLst>
-            <a:ext uri="{FF2B5EF4-FFF2-40B4-BE49-F238E27FC236}">
-              <a16:creationId xmlns:a16="http://schemas.microsoft.com/office/drawing/2014/main" id="{6DA8AC66-2E9D-3E82-8532-CD160BC36AAE}"/>
-            </a:ext>
-          </a:extLst>
-        </p:cNvPr>
-        <p:cNvGrpSpPr/>
-        <p:nvPr/>
-      </p:nvGrpSpPr>
-      <p:grpSpPr>
-        <a:xfrm>
-          <a:off x="0" y="0"/>
-          <a:ext cx="0" cy="0"/>
-          <a:chOff x="0" y="0"/>
-          <a:chExt cx="0" cy="0"/>
-        </a:xfrm>
-      </p:grpSpPr>
-      <p:sp>
-        <p:nvSpPr>
-          <p:cNvPr id="335" name="Google Shape;335;g2ae502b7976_1_101">
-            <a:extLst>
-              <a:ext uri="{FF2B5EF4-FFF2-40B4-BE49-F238E27FC236}">
-                <a16:creationId xmlns:a16="http://schemas.microsoft.com/office/drawing/2014/main" id="{6B79A08A-A1CA-E571-5089-2D10255C651F}"/>
-              </a:ext>
-            </a:extLst>
-          </p:cNvPr>
-          <p:cNvSpPr txBox="1"/>
-          <p:nvPr/>
-        </p:nvSpPr>
-        <p:spPr>
-          <a:xfrm>
-            <a:off x="407988" y="565805"/>
-            <a:ext cx="11376000" cy="523180"/>
-          </a:xfrm>
-          <a:prstGeom prst="rect">
-            <a:avLst/>
-          </a:prstGeom>
-          <a:noFill/>
-          <a:ln>
-            <a:noFill/>
-          </a:ln>
-        </p:spPr>
-        <p:txBody>
-          <a:bodyPr spcFirstLastPara="1" wrap="square" lIns="91425" tIns="45700" rIns="91425" bIns="45700" anchor="t" anchorCtr="0">
-            <a:spAutoFit/>
-          </a:bodyPr>
-          <a:lstStyle/>
-          <a:p>
-            <a:pPr marL="0" marR="0" lvl="0" indent="0" algn="l" rtl="0">
-              <a:spcBef>
-                <a:spcPts val="0"/>
-              </a:spcBef>
-              <a:spcAft>
-                <a:spcPts val="0"/>
-              </a:spcAft>
-              <a:buNone/>
-            </a:pPr>
-            <a:r>
-              <a:rPr lang="pl-PL" sz="2800" b="1" dirty="0" err="1">
-                <a:solidFill>
-                  <a:schemeClr val="dk1"/>
-                </a:solidFill>
-                <a:latin typeface="Poppins"/>
-                <a:ea typeface="Poppins"/>
-                <a:cs typeface="Poppins"/>
-                <a:sym typeface="Poppins"/>
-              </a:rPr>
-              <a:t>Customer</a:t>
-            </a:r>
-            <a:r>
-              <a:rPr lang="pl-PL" sz="2800" b="1" dirty="0">
-                <a:solidFill>
-                  <a:schemeClr val="dk1"/>
-                </a:solidFill>
-                <a:latin typeface="Poppins"/>
-                <a:ea typeface="Poppins"/>
-                <a:cs typeface="Poppins"/>
-                <a:sym typeface="Poppins"/>
-              </a:rPr>
-              <a:t> </a:t>
-            </a:r>
-            <a:r>
-              <a:rPr lang="pl-PL" sz="2800" b="1" dirty="0" err="1">
-                <a:solidFill>
-                  <a:schemeClr val="dk1"/>
-                </a:solidFill>
-                <a:latin typeface="Poppins"/>
-                <a:ea typeface="Poppins"/>
-                <a:cs typeface="Poppins"/>
-                <a:sym typeface="Poppins"/>
-              </a:rPr>
-              <a:t>Satisfaction</a:t>
-            </a:r>
-            <a:r>
-              <a:rPr lang="pl-PL" sz="2800" b="1" dirty="0">
-                <a:solidFill>
-                  <a:schemeClr val="dk1"/>
-                </a:solidFill>
-                <a:latin typeface="Poppins"/>
-                <a:ea typeface="Poppins"/>
-                <a:cs typeface="Poppins"/>
-                <a:sym typeface="Poppins"/>
-              </a:rPr>
-              <a:t> </a:t>
-            </a:r>
-            <a:r>
-              <a:rPr lang="pl-PL" sz="2800" b="1" dirty="0" err="1">
-                <a:solidFill>
-                  <a:schemeClr val="dk1"/>
-                </a:solidFill>
-                <a:latin typeface="Poppins"/>
-                <a:ea typeface="Poppins"/>
-                <a:cs typeface="Poppins"/>
-                <a:sym typeface="Poppins"/>
-              </a:rPr>
-              <a:t>processing</a:t>
-            </a:r>
-            <a:r>
-              <a:rPr lang="pl-PL" sz="2800" b="1" dirty="0">
-                <a:solidFill>
-                  <a:schemeClr val="dk1"/>
-                </a:solidFill>
-                <a:latin typeface="Poppins"/>
-                <a:ea typeface="Poppins"/>
-                <a:cs typeface="Poppins"/>
-                <a:sym typeface="Poppins"/>
-              </a:rPr>
-              <a:t> bot</a:t>
-            </a:r>
-            <a:r>
-              <a:rPr lang="en-GB" sz="2800" b="1" dirty="0">
-                <a:solidFill>
-                  <a:schemeClr val="dk1"/>
-                </a:solidFill>
-                <a:latin typeface="Poppins"/>
-                <a:ea typeface="Poppins"/>
-                <a:cs typeface="Poppins"/>
-                <a:sym typeface="Poppins"/>
-              </a:rPr>
-              <a:t> hints</a:t>
-            </a:r>
-            <a:endParaRPr lang="pl-PL" sz="2800" b="1" dirty="0">
-              <a:solidFill>
-                <a:schemeClr val="dk1"/>
-              </a:solidFill>
-              <a:latin typeface="Poppins"/>
-              <a:ea typeface="Poppins"/>
-              <a:cs typeface="Poppins"/>
-              <a:sym typeface="Poppins"/>
-            </a:endParaRPr>
-          </a:p>
-        </p:txBody>
-      </p:sp>
-      <p:sp>
-        <p:nvSpPr>
-          <p:cNvPr id="4" name="pole tekstowe 3">
-            <a:extLst>
-              <a:ext uri="{FF2B5EF4-FFF2-40B4-BE49-F238E27FC236}">
-                <a16:creationId xmlns:a16="http://schemas.microsoft.com/office/drawing/2014/main" id="{F845F384-FE5F-6A0D-74B1-F089F97EF916}"/>
-              </a:ext>
-            </a:extLst>
-          </p:cNvPr>
-          <p:cNvSpPr txBox="1"/>
-          <p:nvPr/>
-        </p:nvSpPr>
-        <p:spPr>
-          <a:xfrm>
-            <a:off x="838350" y="2099005"/>
-            <a:ext cx="4377846" cy="5078313"/>
-          </a:xfrm>
-          <a:prstGeom prst="rect">
-            <a:avLst/>
-          </a:prstGeom>
-          <a:noFill/>
-        </p:spPr>
-        <p:txBody>
-          <a:bodyPr wrap="square" rtlCol="0">
-            <a:spAutoFit/>
-          </a:bodyPr>
-          <a:lstStyle/>
-          <a:p>
-            <a:r>
-              <a:rPr lang="en-GB" dirty="0">
-                <a:latin typeface="Poppins" panose="00000500000000000000" pitchFamily="2" charset="-18"/>
-                <a:cs typeface="Poppins" panose="00000500000000000000" pitchFamily="2" charset="-18"/>
-              </a:rPr>
-              <a:t>Base</a:t>
-            </a:r>
-          </a:p>
-          <a:p>
-            <a:pPr marL="285750" indent="-285750">
-              <a:buFont typeface="Arial" panose="020B0604020202020204" pitchFamily="34" charset="0"/>
-              <a:buChar char="•"/>
-            </a:pPr>
-            <a:r>
-              <a:rPr lang="en-GB" dirty="0">
-                <a:latin typeface="Poppins" panose="00000500000000000000" pitchFamily="2" charset="-18"/>
-                <a:cs typeface="Poppins" panose="00000500000000000000" pitchFamily="2" charset="-18"/>
-              </a:rPr>
-              <a:t>Fetch Customer Satisfaction records from folder and classify sentiment</a:t>
-            </a:r>
-          </a:p>
-          <a:p>
-            <a:pPr marL="285750" indent="-285750">
-              <a:buFont typeface="Arial" panose="020B0604020202020204" pitchFamily="34" charset="0"/>
-              <a:buChar char="•"/>
-            </a:pPr>
-            <a:r>
-              <a:rPr lang="en-GB" dirty="0">
-                <a:latin typeface="Poppins" panose="00000500000000000000" pitchFamily="2" charset="-18"/>
-                <a:cs typeface="Poppins" panose="00000500000000000000" pitchFamily="2" charset="-18"/>
-              </a:rPr>
-              <a:t>Send a customized discount for negative reviews</a:t>
-            </a:r>
-          </a:p>
-          <a:p>
-            <a:pPr marL="285750" indent="-285750">
-              <a:buFont typeface="Arial" panose="020B0604020202020204" pitchFamily="34" charset="0"/>
-              <a:buChar char="•"/>
-            </a:pPr>
-            <a:r>
-              <a:rPr lang="en-GB" dirty="0">
-                <a:latin typeface="Poppins" panose="00000500000000000000" pitchFamily="2" charset="-18"/>
-                <a:cs typeface="Poppins" panose="00000500000000000000" pitchFamily="2" charset="-18"/>
-              </a:rPr>
-              <a:t>Recommend 3 best trips for positive reviews</a:t>
-            </a:r>
-          </a:p>
-          <a:p>
-            <a:pPr marL="285750" indent="-285750">
-              <a:buFont typeface="Arial" panose="020B0604020202020204" pitchFamily="34" charset="0"/>
-              <a:buChar char="•"/>
-            </a:pPr>
-            <a:r>
-              <a:rPr lang="en-GB" dirty="0">
-                <a:latin typeface="Poppins" panose="00000500000000000000" pitchFamily="2" charset="-18"/>
-                <a:cs typeface="Poppins" panose="00000500000000000000" pitchFamily="2" charset="-18"/>
-              </a:rPr>
-              <a:t>Save output to a csv file </a:t>
-            </a:r>
-          </a:p>
-          <a:p>
-            <a:endParaRPr lang="en-GB" dirty="0">
-              <a:latin typeface="Poppins" panose="00000500000000000000" pitchFamily="2" charset="-18"/>
-              <a:cs typeface="Poppins" panose="00000500000000000000" pitchFamily="2" charset="-18"/>
-            </a:endParaRPr>
-          </a:p>
-          <a:p>
-            <a:r>
-              <a:rPr lang="en-GB" dirty="0">
-                <a:latin typeface="Poppins" panose="00000500000000000000" pitchFamily="2" charset="-18"/>
-                <a:cs typeface="Poppins" panose="00000500000000000000" pitchFamily="2" charset="-18"/>
-              </a:rPr>
-              <a:t>Extra</a:t>
-            </a:r>
-          </a:p>
-          <a:p>
-            <a:pPr marL="285750" indent="-285750">
-              <a:buFont typeface="Arial" panose="020B0604020202020204" pitchFamily="34" charset="0"/>
-              <a:buChar char="•"/>
-            </a:pPr>
-            <a:r>
-              <a:rPr lang="en-GB" dirty="0">
-                <a:latin typeface="Poppins" panose="00000500000000000000" pitchFamily="2" charset="-18"/>
-                <a:cs typeface="Poppins" panose="00000500000000000000" pitchFamily="2" charset="-18"/>
-              </a:rPr>
-              <a:t>Use NER to extract all mentioned locations and save them to csv</a:t>
-            </a:r>
-          </a:p>
-          <a:p>
-            <a:pPr marL="285750" indent="-285750">
-              <a:buFont typeface="Arial" panose="020B0604020202020204" pitchFamily="34" charset="0"/>
-              <a:buChar char="•"/>
-            </a:pPr>
-            <a:r>
-              <a:rPr lang="en-GB" dirty="0">
-                <a:latin typeface="Poppins" panose="00000500000000000000" pitchFamily="2" charset="-18"/>
-                <a:cs typeface="Poppins" panose="00000500000000000000" pitchFamily="2" charset="-18"/>
-              </a:rPr>
-              <a:t>Compare classification metrics vs ground truth data</a:t>
-            </a:r>
-          </a:p>
-          <a:p>
-            <a:endParaRPr lang="en-GB" dirty="0">
-              <a:latin typeface="Poppins" panose="00000500000000000000" pitchFamily="2" charset="-18"/>
-              <a:cs typeface="Poppins" panose="00000500000000000000" pitchFamily="2" charset="-18"/>
-            </a:endParaRPr>
-          </a:p>
-          <a:p>
-            <a:endParaRPr lang="en-GB" dirty="0">
-              <a:latin typeface="Poppins" panose="00000500000000000000" pitchFamily="2" charset="-18"/>
-              <a:cs typeface="Poppins" panose="00000500000000000000" pitchFamily="2" charset="-18"/>
-            </a:endParaRPr>
-          </a:p>
-          <a:p>
-            <a:pPr marL="285750" indent="-285750">
-              <a:buFont typeface="Arial" panose="020B0604020202020204" pitchFamily="34" charset="0"/>
-              <a:buChar char="•"/>
-            </a:pPr>
-            <a:endParaRPr lang="en-GB" dirty="0">
-              <a:latin typeface="Poppins" panose="00000500000000000000" pitchFamily="2" charset="-18"/>
-              <a:cs typeface="Poppins" panose="00000500000000000000" pitchFamily="2" charset="-18"/>
-            </a:endParaRPr>
-          </a:p>
-        </p:txBody>
-      </p:sp>
-      <p:sp>
-        <p:nvSpPr>
-          <p:cNvPr id="8" name="Prostokąt: zaokrąglone rogi 7">
-            <a:extLst>
-              <a:ext uri="{FF2B5EF4-FFF2-40B4-BE49-F238E27FC236}">
-                <a16:creationId xmlns:a16="http://schemas.microsoft.com/office/drawing/2014/main" id="{896FDF71-9D61-C9DA-F0F1-FD479B26E7C3}"/>
-              </a:ext>
-            </a:extLst>
-          </p:cNvPr>
-          <p:cNvSpPr/>
-          <p:nvPr/>
-        </p:nvSpPr>
-        <p:spPr>
-          <a:xfrm>
-            <a:off x="794508" y="1314843"/>
-            <a:ext cx="4421688" cy="688931"/>
-          </a:xfrm>
-          <a:prstGeom prst="roundRect">
-            <a:avLst/>
-          </a:prstGeom>
-          <a:solidFill>
-            <a:srgbClr val="0070C0"/>
-          </a:solidFill>
-          <a:ln>
-            <a:noFill/>
-          </a:ln>
-        </p:spPr>
-        <p:style>
-          <a:lnRef idx="2">
-            <a:schemeClr val="accent1">
-              <a:shade val="15000"/>
-            </a:schemeClr>
-          </a:lnRef>
-          <a:fillRef idx="1">
-            <a:schemeClr val="accent1"/>
-          </a:fillRef>
-          <a:effectRef idx="0">
-            <a:schemeClr val="accent1"/>
-          </a:effectRef>
-          <a:fontRef idx="minor">
-            <a:schemeClr val="lt1"/>
-          </a:fontRef>
-        </p:style>
-        <p:txBody>
-          <a:bodyPr rtlCol="0" anchor="ctr"/>
-          <a:lstStyle/>
-          <a:p>
-            <a:pPr algn="ctr"/>
-            <a:r>
-              <a:rPr lang="en-GB" dirty="0">
-                <a:latin typeface="Poppins" panose="00000500000000000000" pitchFamily="2" charset="-18"/>
-                <a:cs typeface="Poppins" panose="00000500000000000000" pitchFamily="2" charset="-18"/>
-              </a:rPr>
-              <a:t>Expected features</a:t>
-            </a:r>
-          </a:p>
-        </p:txBody>
-      </p:sp>
-      <p:sp>
-        <p:nvSpPr>
-          <p:cNvPr id="10" name="Prostokąt: zaokrąglone rogi 9">
-            <a:extLst>
-              <a:ext uri="{FF2B5EF4-FFF2-40B4-BE49-F238E27FC236}">
-                <a16:creationId xmlns:a16="http://schemas.microsoft.com/office/drawing/2014/main" id="{3033F5A4-D75D-1E9B-7A36-61256BE18050}"/>
-              </a:ext>
-            </a:extLst>
-          </p:cNvPr>
-          <p:cNvSpPr/>
-          <p:nvPr/>
-        </p:nvSpPr>
-        <p:spPr>
-          <a:xfrm>
-            <a:off x="6904638" y="1314843"/>
-            <a:ext cx="4421688" cy="688931"/>
-          </a:xfrm>
-          <a:prstGeom prst="roundRect">
-            <a:avLst/>
-          </a:prstGeom>
-          <a:solidFill>
-            <a:srgbClr val="0070C0"/>
-          </a:solidFill>
-          <a:ln>
-            <a:noFill/>
-          </a:ln>
-        </p:spPr>
-        <p:style>
-          <a:lnRef idx="2">
-            <a:schemeClr val="accent1">
-              <a:shade val="15000"/>
-            </a:schemeClr>
-          </a:lnRef>
-          <a:fillRef idx="1">
-            <a:schemeClr val="accent1"/>
-          </a:fillRef>
-          <a:effectRef idx="0">
-            <a:schemeClr val="accent1"/>
-          </a:effectRef>
-          <a:fontRef idx="minor">
-            <a:schemeClr val="lt1"/>
-          </a:fontRef>
-        </p:style>
-        <p:txBody>
-          <a:bodyPr rtlCol="0" anchor="ctr"/>
-          <a:lstStyle/>
-          <a:p>
-            <a:pPr algn="ctr"/>
-            <a:r>
-              <a:rPr lang="en-GB" dirty="0">
-                <a:latin typeface="Poppins" panose="00000500000000000000" pitchFamily="2" charset="-18"/>
-                <a:cs typeface="Poppins" panose="00000500000000000000" pitchFamily="2" charset="-18"/>
-              </a:rPr>
-              <a:t>Most important steps</a:t>
-            </a:r>
-          </a:p>
-        </p:txBody>
-      </p:sp>
-      <p:sp>
-        <p:nvSpPr>
-          <p:cNvPr id="11" name="pole tekstowe 10">
-            <a:extLst>
-              <a:ext uri="{FF2B5EF4-FFF2-40B4-BE49-F238E27FC236}">
-                <a16:creationId xmlns:a16="http://schemas.microsoft.com/office/drawing/2014/main" id="{9389697A-0D75-07C5-48E8-F376084D8D5D}"/>
-              </a:ext>
-            </a:extLst>
-          </p:cNvPr>
-          <p:cNvSpPr txBox="1"/>
-          <p:nvPr/>
-        </p:nvSpPr>
-        <p:spPr>
-          <a:xfrm>
-            <a:off x="6904638" y="2229633"/>
-            <a:ext cx="4377846" cy="3754874"/>
-          </a:xfrm>
-          <a:prstGeom prst="rect">
-            <a:avLst/>
-          </a:prstGeom>
-          <a:noFill/>
-        </p:spPr>
-        <p:txBody>
-          <a:bodyPr wrap="square" rtlCol="0">
-            <a:spAutoFit/>
-          </a:bodyPr>
-          <a:lstStyle/>
-          <a:p>
-            <a:r>
-              <a:rPr lang="en-GB" sz="1400" dirty="0">
-                <a:latin typeface="Poppins" panose="00000500000000000000" pitchFamily="2" charset="-18"/>
-                <a:cs typeface="Poppins" panose="00000500000000000000" pitchFamily="2" charset="-18"/>
-              </a:rPr>
-              <a:t>Base</a:t>
-            </a:r>
-          </a:p>
-          <a:p>
-            <a:pPr marL="285750" indent="-285750">
-              <a:buFont typeface="Arial" panose="020B0604020202020204" pitchFamily="34" charset="0"/>
-              <a:buChar char="•"/>
-            </a:pPr>
-            <a:r>
-              <a:rPr lang="en-GB" sz="1400" dirty="0">
-                <a:latin typeface="Poppins" panose="00000500000000000000" pitchFamily="2" charset="-18"/>
-                <a:cs typeface="Poppins" panose="00000500000000000000" pitchFamily="2" charset="-18"/>
-              </a:rPr>
-              <a:t>Retool chain from `W3-llm-flows-and-monitoring` to work with new data and instructions</a:t>
-            </a:r>
-          </a:p>
-          <a:p>
-            <a:pPr marL="285750" indent="-285750">
-              <a:buFont typeface="Arial" panose="020B0604020202020204" pitchFamily="34" charset="0"/>
-              <a:buChar char="•"/>
-            </a:pPr>
-            <a:r>
-              <a:rPr lang="en-GB" sz="1400" dirty="0">
-                <a:latin typeface="Poppins" panose="00000500000000000000" pitchFamily="2" charset="-18"/>
-                <a:cs typeface="Poppins" panose="00000500000000000000" pitchFamily="2" charset="-18"/>
-              </a:rPr>
-              <a:t>Find a solution to find best trips related to NER -&gt; can be purely RAG, possibly expanded by filtering by metadata e.g. location</a:t>
-            </a:r>
-          </a:p>
-          <a:p>
-            <a:endParaRPr lang="en-GB" sz="1400" dirty="0">
-              <a:latin typeface="Poppins" panose="00000500000000000000" pitchFamily="2" charset="-18"/>
-              <a:cs typeface="Poppins" panose="00000500000000000000" pitchFamily="2" charset="-18"/>
-            </a:endParaRPr>
-          </a:p>
-          <a:p>
-            <a:r>
-              <a:rPr lang="en-GB" sz="1400" dirty="0">
-                <a:latin typeface="Poppins" panose="00000500000000000000" pitchFamily="2" charset="-18"/>
-                <a:cs typeface="Poppins" panose="00000500000000000000" pitchFamily="2" charset="-18"/>
-              </a:rPr>
-              <a:t>Extra</a:t>
-            </a:r>
-          </a:p>
-          <a:p>
-            <a:pPr marL="285750" indent="-285750">
-              <a:buFont typeface="Arial" panose="020B0604020202020204" pitchFamily="34" charset="0"/>
-              <a:buChar char="•"/>
-            </a:pPr>
-            <a:r>
-              <a:rPr lang="en-GB" sz="1400" dirty="0">
-                <a:latin typeface="Poppins" panose="00000500000000000000" pitchFamily="2" charset="-18"/>
-                <a:cs typeface="Poppins" panose="00000500000000000000" pitchFamily="2" charset="-18"/>
-              </a:rPr>
-              <a:t>Leverage model from `W2-NER-Intro` to implement location processing into pipeline</a:t>
-            </a:r>
-          </a:p>
-          <a:p>
-            <a:pPr marL="285750" indent="-285750">
-              <a:buFont typeface="Arial" panose="020B0604020202020204" pitchFamily="34" charset="0"/>
-              <a:buChar char="•"/>
-            </a:pPr>
-            <a:r>
-              <a:rPr lang="en-GB" sz="1400" dirty="0">
-                <a:latin typeface="Poppins" panose="00000500000000000000" pitchFamily="2" charset="-18"/>
-                <a:cs typeface="Poppins" panose="00000500000000000000" pitchFamily="2" charset="-18"/>
-              </a:rPr>
-              <a:t>Calculate accuracy, recall and precision of sentiment analysis and visualize results</a:t>
-            </a:r>
-          </a:p>
-          <a:p>
-            <a:endParaRPr lang="en-GB" sz="1400" dirty="0">
-              <a:latin typeface="Poppins" panose="00000500000000000000" pitchFamily="2" charset="-18"/>
-              <a:cs typeface="Poppins" panose="00000500000000000000" pitchFamily="2" charset="-18"/>
-            </a:endParaRPr>
-          </a:p>
-          <a:p>
-            <a:pPr marL="285750" indent="-285750">
-              <a:buFont typeface="Arial" panose="020B0604020202020204" pitchFamily="34" charset="0"/>
-              <a:buChar char="•"/>
-            </a:pPr>
-            <a:endParaRPr lang="en-GB" sz="1400" dirty="0">
-              <a:latin typeface="Poppins" panose="00000500000000000000" pitchFamily="2" charset="-18"/>
-              <a:cs typeface="Poppins" panose="00000500000000000000" pitchFamily="2" charset="-18"/>
-            </a:endParaRPr>
-          </a:p>
-        </p:txBody>
-      </p:sp>
-    </p:spTree>
-    <p:extLst>
-      <p:ext uri="{BB962C8B-B14F-4D97-AF65-F5344CB8AC3E}">
-        <p14:creationId xmlns:p14="http://schemas.microsoft.com/office/powerpoint/2010/main" val="3594919820"/>
-      </p:ext>
-    </p:extLst>
-  </p:cSld>
-  <p:clrMapOvr>
-    <a:masterClrMapping/>
-  </p:clrMapOvr>
-</p:sld>
-</file>
-
-<file path=ppt/slides/slide37.xml><?xml version="1.0" encoding="utf-8"?>
-<p:sld xmlns:a="http://schemas.openxmlformats.org/drawingml/2006/main" xmlns:r="http://schemas.openxmlformats.org/officeDocument/2006/relationships" xmlns:p="http://schemas.openxmlformats.org/presentationml/2006/main">
-  <p:cSld>
-    <p:spTree>
-      <p:nvGrpSpPr>
-        <p:cNvPr id="1" name="Shape 332">
-          <a:extLst>
-            <a:ext uri="{FF2B5EF4-FFF2-40B4-BE49-F238E27FC236}">
-              <a16:creationId xmlns:a16="http://schemas.microsoft.com/office/drawing/2014/main" id="{C46D0526-4095-3CD0-017A-1553D4E55C00}"/>
-            </a:ext>
-          </a:extLst>
-        </p:cNvPr>
-        <p:cNvGrpSpPr/>
-        <p:nvPr/>
-      </p:nvGrpSpPr>
-      <p:grpSpPr>
-        <a:xfrm>
-          <a:off x="0" y="0"/>
-          <a:ext cx="0" cy="0"/>
-          <a:chOff x="0" y="0"/>
-          <a:chExt cx="0" cy="0"/>
-        </a:xfrm>
-      </p:grpSpPr>
-      <p:sp>
-        <p:nvSpPr>
-          <p:cNvPr id="335" name="Google Shape;335;g2ae502b7976_1_101">
-            <a:extLst>
-              <a:ext uri="{FF2B5EF4-FFF2-40B4-BE49-F238E27FC236}">
-                <a16:creationId xmlns:a16="http://schemas.microsoft.com/office/drawing/2014/main" id="{3D7ED4CF-6435-2D2E-351F-B2CAA15FD85F}"/>
-              </a:ext>
-            </a:extLst>
-          </p:cNvPr>
-          <p:cNvSpPr txBox="1"/>
-          <p:nvPr/>
-        </p:nvSpPr>
-        <p:spPr>
-          <a:xfrm>
-            <a:off x="407988" y="565805"/>
-            <a:ext cx="11376000" cy="954067"/>
-          </a:xfrm>
-          <a:prstGeom prst="rect">
-            <a:avLst/>
-          </a:prstGeom>
-          <a:noFill/>
-          <a:ln>
-            <a:noFill/>
-          </a:ln>
-        </p:spPr>
-        <p:txBody>
-          <a:bodyPr spcFirstLastPara="1" wrap="square" lIns="91425" tIns="45700" rIns="91425" bIns="45700" anchor="t" anchorCtr="0">
-            <a:spAutoFit/>
-          </a:bodyPr>
-          <a:lstStyle/>
-          <a:p>
-            <a:pPr marL="0" marR="0" lvl="0" indent="0" algn="l" rtl="0">
-              <a:spcBef>
-                <a:spcPts val="0"/>
-              </a:spcBef>
-              <a:spcAft>
-                <a:spcPts val="0"/>
-              </a:spcAft>
-              <a:buNone/>
-            </a:pPr>
-            <a:r>
-              <a:rPr lang="en-GB" sz="2800" b="1" dirty="0">
-                <a:solidFill>
-                  <a:schemeClr val="dk1"/>
-                </a:solidFill>
-                <a:latin typeface="Poppins"/>
-                <a:ea typeface="Poppins"/>
-                <a:cs typeface="Poppins"/>
-                <a:sym typeface="Poppins"/>
-              </a:rPr>
-              <a:t>Customer Satisfaction processing Hints</a:t>
-            </a:r>
-          </a:p>
-          <a:p>
-            <a:pPr marL="0" marR="0" lvl="0" indent="0" algn="l" rtl="0">
-              <a:spcBef>
-                <a:spcPts val="0"/>
-              </a:spcBef>
-              <a:spcAft>
-                <a:spcPts val="0"/>
-              </a:spcAft>
-              <a:buNone/>
-            </a:pPr>
-            <a:endParaRPr lang="pl-PL" sz="2800" b="1" dirty="0">
-              <a:solidFill>
-                <a:schemeClr val="dk1"/>
-              </a:solidFill>
-              <a:latin typeface="Poppins"/>
-              <a:ea typeface="Poppins"/>
-              <a:cs typeface="Poppins"/>
-              <a:sym typeface="Poppins"/>
-            </a:endParaRPr>
-          </a:p>
-        </p:txBody>
-      </p:sp>
-      <p:sp>
-        <p:nvSpPr>
-          <p:cNvPr id="5" name="pole tekstowe 4">
-            <a:extLst>
-              <a:ext uri="{FF2B5EF4-FFF2-40B4-BE49-F238E27FC236}">
-                <a16:creationId xmlns:a16="http://schemas.microsoft.com/office/drawing/2014/main" id="{902E6392-4006-09E6-0261-B5626D1A7ECA}"/>
-              </a:ext>
-            </a:extLst>
-          </p:cNvPr>
-          <p:cNvSpPr txBox="1"/>
-          <p:nvPr/>
-        </p:nvSpPr>
-        <p:spPr>
-          <a:xfrm>
-            <a:off x="507251" y="2228671"/>
-            <a:ext cx="5956123" cy="1477328"/>
-          </a:xfrm>
-          <a:prstGeom prst="rect">
-            <a:avLst/>
-          </a:prstGeom>
-          <a:noFill/>
-        </p:spPr>
-        <p:txBody>
-          <a:bodyPr wrap="square" rtlCol="0">
-            <a:spAutoFit/>
-          </a:bodyPr>
-          <a:lstStyle/>
-          <a:p>
-            <a:pPr marL="285750" indent="-285750">
-              <a:buFont typeface="Arial" panose="020B0604020202020204" pitchFamily="34" charset="0"/>
-              <a:buChar char="•"/>
-            </a:pPr>
-            <a:r>
-              <a:rPr lang="pl-PL" dirty="0" err="1">
-                <a:latin typeface="Poppins" panose="00000500000000000000" pitchFamily="2" charset="-18"/>
-                <a:cs typeface="Poppins" panose="00000500000000000000" pitchFamily="2" charset="-18"/>
-              </a:rPr>
-              <a:t>Extract</a:t>
-            </a:r>
-            <a:r>
-              <a:rPr lang="pl-PL" dirty="0">
-                <a:latin typeface="Poppins" panose="00000500000000000000" pitchFamily="2" charset="-18"/>
-                <a:cs typeface="Poppins" panose="00000500000000000000" pitchFamily="2" charset="-18"/>
-              </a:rPr>
-              <a:t> </a:t>
-            </a:r>
-            <a:r>
-              <a:rPr lang="pl-PL" dirty="0" err="1">
-                <a:latin typeface="Poppins" panose="00000500000000000000" pitchFamily="2" charset="-18"/>
-                <a:cs typeface="Poppins" panose="00000500000000000000" pitchFamily="2" charset="-18"/>
-              </a:rPr>
-              <a:t>all</a:t>
-            </a:r>
-            <a:r>
-              <a:rPr lang="pl-PL" dirty="0">
-                <a:latin typeface="Poppins" panose="00000500000000000000" pitchFamily="2" charset="-18"/>
-                <a:cs typeface="Poppins" panose="00000500000000000000" pitchFamily="2" charset="-18"/>
-              </a:rPr>
-              <a:t> </a:t>
-            </a:r>
-            <a:r>
-              <a:rPr lang="pl-PL" dirty="0" err="1">
-                <a:latin typeface="Poppins" panose="00000500000000000000" pitchFamily="2" charset="-18"/>
-                <a:cs typeface="Poppins" panose="00000500000000000000" pitchFamily="2" charset="-18"/>
-              </a:rPr>
-              <a:t>mentioned</a:t>
-            </a:r>
-            <a:r>
-              <a:rPr lang="pl-PL" dirty="0">
-                <a:latin typeface="Poppins" panose="00000500000000000000" pitchFamily="2" charset="-18"/>
-                <a:cs typeface="Poppins" panose="00000500000000000000" pitchFamily="2" charset="-18"/>
-              </a:rPr>
-              <a:t> </a:t>
-            </a:r>
-            <a:r>
-              <a:rPr lang="pl-PL" dirty="0" err="1">
-                <a:latin typeface="Poppins" panose="00000500000000000000" pitchFamily="2" charset="-18"/>
-                <a:cs typeface="Poppins" panose="00000500000000000000" pitchFamily="2" charset="-18"/>
-              </a:rPr>
-              <a:t>locations</a:t>
-            </a:r>
-            <a:r>
-              <a:rPr lang="pl-PL" dirty="0">
-                <a:latin typeface="Poppins" panose="00000500000000000000" pitchFamily="2" charset="-18"/>
-                <a:cs typeface="Poppins" panose="00000500000000000000" pitchFamily="2" charset="-18"/>
-              </a:rPr>
-              <a:t> with NER</a:t>
-            </a:r>
-          </a:p>
-          <a:p>
-            <a:pPr marL="285750" indent="-285750">
-              <a:buFont typeface="Arial" panose="020B0604020202020204" pitchFamily="34" charset="0"/>
-              <a:buChar char="•"/>
-            </a:pPr>
-            <a:r>
-              <a:rPr lang="pl-PL" dirty="0">
-                <a:latin typeface="Poppins" panose="00000500000000000000" pitchFamily="2" charset="-18"/>
-                <a:cs typeface="Poppins" panose="00000500000000000000" pitchFamily="2" charset="-18"/>
-              </a:rPr>
-              <a:t>LLM </a:t>
-            </a:r>
-            <a:r>
-              <a:rPr lang="pl-PL" dirty="0" err="1">
-                <a:latin typeface="Poppins" panose="00000500000000000000" pitchFamily="2" charset="-18"/>
-                <a:cs typeface="Poppins" panose="00000500000000000000" pitchFamily="2" charset="-18"/>
-              </a:rPr>
-              <a:t>classification</a:t>
-            </a:r>
-            <a:r>
-              <a:rPr lang="pl-PL" dirty="0">
-                <a:latin typeface="Poppins" panose="00000500000000000000" pitchFamily="2" charset="-18"/>
-                <a:cs typeface="Poppins" panose="00000500000000000000" pitchFamily="2" charset="-18"/>
-              </a:rPr>
-              <a:t> and </a:t>
-            </a:r>
-            <a:r>
-              <a:rPr lang="pl-PL" dirty="0" err="1">
-                <a:latin typeface="Poppins" panose="00000500000000000000" pitchFamily="2" charset="-18"/>
-                <a:cs typeface="Poppins" panose="00000500000000000000" pitchFamily="2" charset="-18"/>
-              </a:rPr>
-              <a:t>summary</a:t>
-            </a:r>
-            <a:r>
-              <a:rPr lang="pl-PL" dirty="0">
-                <a:latin typeface="Poppins" panose="00000500000000000000" pitchFamily="2" charset="-18"/>
-                <a:cs typeface="Poppins" panose="00000500000000000000" pitchFamily="2" charset="-18"/>
-              </a:rPr>
-              <a:t> </a:t>
-            </a:r>
-            <a:r>
-              <a:rPr lang="pl-PL" dirty="0" err="1">
-                <a:latin typeface="Poppins" panose="00000500000000000000" pitchFamily="2" charset="-18"/>
-                <a:cs typeface="Poppins" panose="00000500000000000000" pitchFamily="2" charset="-18"/>
-              </a:rPr>
-              <a:t>based</a:t>
-            </a:r>
-            <a:r>
-              <a:rPr lang="pl-PL" dirty="0">
-                <a:latin typeface="Poppins" panose="00000500000000000000" pitchFamily="2" charset="-18"/>
-                <a:cs typeface="Poppins" panose="00000500000000000000" pitchFamily="2" charset="-18"/>
-              </a:rPr>
-              <a:t> on </a:t>
-            </a:r>
-            <a:r>
-              <a:rPr lang="pl-PL" dirty="0" err="1">
-                <a:latin typeface="Poppins" panose="00000500000000000000" pitchFamily="2" charset="-18"/>
-                <a:cs typeface="Poppins" panose="00000500000000000000" pitchFamily="2" charset="-18"/>
-              </a:rPr>
-              <a:t>customizable</a:t>
-            </a:r>
-            <a:r>
-              <a:rPr lang="pl-PL" dirty="0">
-                <a:latin typeface="Poppins" panose="00000500000000000000" pitchFamily="2" charset="-18"/>
-                <a:cs typeface="Poppins" panose="00000500000000000000" pitchFamily="2" charset="-18"/>
-              </a:rPr>
-              <a:t> </a:t>
-            </a:r>
-            <a:r>
-              <a:rPr lang="pl-PL" dirty="0" err="1">
-                <a:latin typeface="Poppins" panose="00000500000000000000" pitchFamily="2" charset="-18"/>
-                <a:cs typeface="Poppins" panose="00000500000000000000" pitchFamily="2" charset="-18"/>
-              </a:rPr>
-              <a:t>prompt</a:t>
-            </a:r>
-            <a:endParaRPr lang="pl-PL" dirty="0">
-              <a:latin typeface="Poppins" panose="00000500000000000000" pitchFamily="2" charset="-18"/>
-              <a:cs typeface="Poppins" panose="00000500000000000000" pitchFamily="2" charset="-18"/>
-            </a:endParaRPr>
-          </a:p>
-          <a:p>
-            <a:pPr marL="285750" indent="-285750">
-              <a:buFont typeface="Arial" panose="020B0604020202020204" pitchFamily="34" charset="0"/>
-              <a:buChar char="•"/>
-            </a:pPr>
-            <a:r>
-              <a:rPr lang="pl-PL" dirty="0" err="1">
-                <a:latin typeface="Poppins" panose="00000500000000000000" pitchFamily="2" charset="-18"/>
-                <a:cs typeface="Poppins" panose="00000500000000000000" pitchFamily="2" charset="-18"/>
-              </a:rPr>
-              <a:t>Decide</a:t>
-            </a:r>
-            <a:r>
-              <a:rPr lang="pl-PL" dirty="0">
-                <a:latin typeface="Poppins" panose="00000500000000000000" pitchFamily="2" charset="-18"/>
-                <a:cs typeface="Poppins" panose="00000500000000000000" pitchFamily="2" charset="-18"/>
-              </a:rPr>
-              <a:t> </a:t>
-            </a:r>
-            <a:r>
-              <a:rPr lang="pl-PL" dirty="0" err="1">
-                <a:latin typeface="Poppins" panose="00000500000000000000" pitchFamily="2" charset="-18"/>
-                <a:cs typeface="Poppins" panose="00000500000000000000" pitchFamily="2" charset="-18"/>
-              </a:rPr>
-              <a:t>whether</a:t>
-            </a:r>
-            <a:r>
-              <a:rPr lang="pl-PL" dirty="0">
-                <a:latin typeface="Poppins" panose="00000500000000000000" pitchFamily="2" charset="-18"/>
-                <a:cs typeface="Poppins" panose="00000500000000000000" pitchFamily="2" charset="-18"/>
-              </a:rPr>
-              <a:t> to </a:t>
-            </a:r>
-            <a:r>
-              <a:rPr lang="pl-PL" dirty="0" err="1">
-                <a:latin typeface="Poppins" panose="00000500000000000000" pitchFamily="2" charset="-18"/>
-                <a:cs typeface="Poppins" panose="00000500000000000000" pitchFamily="2" charset="-18"/>
-              </a:rPr>
-              <a:t>assign</a:t>
-            </a:r>
-            <a:r>
-              <a:rPr lang="pl-PL" dirty="0">
-                <a:latin typeface="Poppins" panose="00000500000000000000" pitchFamily="2" charset="-18"/>
-                <a:cs typeface="Poppins" panose="00000500000000000000" pitchFamily="2" charset="-18"/>
-              </a:rPr>
-              <a:t> </a:t>
-            </a:r>
-            <a:r>
-              <a:rPr lang="pl-PL" dirty="0" err="1">
-                <a:latin typeface="Poppins" panose="00000500000000000000" pitchFamily="2" charset="-18"/>
-                <a:cs typeface="Poppins" panose="00000500000000000000" pitchFamily="2" charset="-18"/>
-              </a:rPr>
-              <a:t>discount</a:t>
-            </a:r>
-            <a:r>
-              <a:rPr lang="pl-PL" dirty="0">
-                <a:latin typeface="Poppins" panose="00000500000000000000" pitchFamily="2" charset="-18"/>
-                <a:cs typeface="Poppins" panose="00000500000000000000" pitchFamily="2" charset="-18"/>
-              </a:rPr>
-              <a:t> </a:t>
-            </a:r>
-            <a:r>
-              <a:rPr lang="pl-PL" dirty="0" err="1">
-                <a:latin typeface="Poppins" panose="00000500000000000000" pitchFamily="2" charset="-18"/>
-                <a:cs typeface="Poppins" panose="00000500000000000000" pitchFamily="2" charset="-18"/>
-              </a:rPr>
-              <a:t>or</a:t>
-            </a:r>
-            <a:r>
-              <a:rPr lang="pl-PL" dirty="0">
-                <a:latin typeface="Poppins" panose="00000500000000000000" pitchFamily="2" charset="-18"/>
-                <a:cs typeface="Poppins" panose="00000500000000000000" pitchFamily="2" charset="-18"/>
-              </a:rPr>
-              <a:t> </a:t>
-            </a:r>
-            <a:r>
-              <a:rPr lang="pl-PL" dirty="0" err="1">
-                <a:latin typeface="Poppins" panose="00000500000000000000" pitchFamily="2" charset="-18"/>
-                <a:cs typeface="Poppins" panose="00000500000000000000" pitchFamily="2" charset="-18"/>
-              </a:rPr>
-              <a:t>recommend</a:t>
-            </a:r>
-            <a:r>
-              <a:rPr lang="pl-PL" dirty="0">
-                <a:latin typeface="Poppins" panose="00000500000000000000" pitchFamily="2" charset="-18"/>
-                <a:cs typeface="Poppins" panose="00000500000000000000" pitchFamily="2" charset="-18"/>
-              </a:rPr>
-              <a:t> </a:t>
-            </a:r>
-            <a:r>
-              <a:rPr lang="pl-PL" dirty="0" err="1">
-                <a:latin typeface="Poppins" panose="00000500000000000000" pitchFamily="2" charset="-18"/>
-                <a:cs typeface="Poppins" panose="00000500000000000000" pitchFamily="2" charset="-18"/>
-              </a:rPr>
-              <a:t>next</a:t>
-            </a:r>
-            <a:r>
-              <a:rPr lang="pl-PL" dirty="0">
-                <a:latin typeface="Poppins" panose="00000500000000000000" pitchFamily="2" charset="-18"/>
-                <a:cs typeface="Poppins" panose="00000500000000000000" pitchFamily="2" charset="-18"/>
-              </a:rPr>
-              <a:t> </a:t>
-            </a:r>
-            <a:r>
-              <a:rPr lang="pl-PL" dirty="0" err="1">
-                <a:latin typeface="Poppins" panose="00000500000000000000" pitchFamily="2" charset="-18"/>
-                <a:cs typeface="Poppins" panose="00000500000000000000" pitchFamily="2" charset="-18"/>
-              </a:rPr>
-              <a:t>trip</a:t>
-            </a:r>
-            <a:r>
-              <a:rPr lang="pl-PL" dirty="0">
-                <a:latin typeface="Poppins" panose="00000500000000000000" pitchFamily="2" charset="-18"/>
-                <a:cs typeface="Poppins" panose="00000500000000000000" pitchFamily="2" charset="-18"/>
-              </a:rPr>
-              <a:t> </a:t>
-            </a:r>
-            <a:endParaRPr lang="en-GB" dirty="0">
-              <a:latin typeface="Poppins" panose="00000500000000000000" pitchFamily="2" charset="-18"/>
-              <a:cs typeface="Poppins" panose="00000500000000000000" pitchFamily="2" charset="-18"/>
-            </a:endParaRPr>
-          </a:p>
-        </p:txBody>
-      </p:sp>
-      <p:sp>
-        <p:nvSpPr>
-          <p:cNvPr id="7" name="pole tekstowe 6">
-            <a:extLst>
-              <a:ext uri="{FF2B5EF4-FFF2-40B4-BE49-F238E27FC236}">
-                <a16:creationId xmlns:a16="http://schemas.microsoft.com/office/drawing/2014/main" id="{AE94B350-19A1-4B98-8EBE-E1EE73EEC047}"/>
-              </a:ext>
-            </a:extLst>
-          </p:cNvPr>
-          <p:cNvSpPr txBox="1"/>
-          <p:nvPr/>
-        </p:nvSpPr>
-        <p:spPr>
-          <a:xfrm>
-            <a:off x="654208" y="4417594"/>
-            <a:ext cx="4377846" cy="1200329"/>
-          </a:xfrm>
-          <a:prstGeom prst="rect">
-            <a:avLst/>
-          </a:prstGeom>
-          <a:noFill/>
-        </p:spPr>
-        <p:txBody>
-          <a:bodyPr wrap="square" rtlCol="0">
-            <a:spAutoFit/>
-          </a:bodyPr>
-          <a:lstStyle/>
-          <a:p>
-            <a:r>
-              <a:rPr lang="pl-PL" dirty="0">
-                <a:latin typeface="Poppins" panose="00000500000000000000" pitchFamily="2" charset="-18"/>
-                <a:cs typeface="Poppins" panose="00000500000000000000" pitchFamily="2" charset="-18"/>
-              </a:rPr>
-              <a:t>DATA</a:t>
-            </a:r>
-          </a:p>
-          <a:p>
-            <a:pPr marL="285750" indent="-285750">
-              <a:buFont typeface="Arial" panose="020B0604020202020204" pitchFamily="34" charset="0"/>
-              <a:buChar char="•"/>
-            </a:pPr>
-            <a:r>
-              <a:rPr lang="pl-PL" dirty="0">
-                <a:latin typeface="Poppins" panose="00000500000000000000" pitchFamily="2" charset="-18"/>
-                <a:cs typeface="Poppins" panose="00000500000000000000" pitchFamily="2" charset="-18"/>
-              </a:rPr>
-              <a:t>500 </a:t>
-            </a:r>
-            <a:r>
-              <a:rPr lang="pl-PL" dirty="0" err="1">
-                <a:latin typeface="Poppins" panose="00000500000000000000" pitchFamily="2" charset="-18"/>
-                <a:cs typeface="Poppins" panose="00000500000000000000" pitchFamily="2" charset="-18"/>
-              </a:rPr>
-              <a:t>customer</a:t>
-            </a:r>
-            <a:r>
-              <a:rPr lang="pl-PL" dirty="0">
-                <a:latin typeface="Poppins" panose="00000500000000000000" pitchFamily="2" charset="-18"/>
-                <a:cs typeface="Poppins" panose="00000500000000000000" pitchFamily="2" charset="-18"/>
-              </a:rPr>
-              <a:t> </a:t>
-            </a:r>
-            <a:r>
-              <a:rPr lang="pl-PL" dirty="0" err="1">
-                <a:latin typeface="Poppins" panose="00000500000000000000" pitchFamily="2" charset="-18"/>
-                <a:cs typeface="Poppins" panose="00000500000000000000" pitchFamily="2" charset="-18"/>
-              </a:rPr>
-              <a:t>reviews</a:t>
-            </a:r>
-            <a:r>
-              <a:rPr lang="pl-PL" dirty="0">
-                <a:latin typeface="Poppins" panose="00000500000000000000" pitchFamily="2" charset="-18"/>
-                <a:cs typeface="Poppins" panose="00000500000000000000" pitchFamily="2" charset="-18"/>
-              </a:rPr>
-              <a:t> with </a:t>
-            </a:r>
-            <a:r>
-              <a:rPr lang="pl-PL" dirty="0" err="1">
-                <a:latin typeface="Poppins" panose="00000500000000000000" pitchFamily="2" charset="-18"/>
-                <a:cs typeface="Poppins" panose="00000500000000000000" pitchFamily="2" charset="-18"/>
-              </a:rPr>
-              <a:t>golden</a:t>
-            </a:r>
-            <a:r>
-              <a:rPr lang="pl-PL" dirty="0">
-                <a:latin typeface="Poppins" panose="00000500000000000000" pitchFamily="2" charset="-18"/>
-                <a:cs typeface="Poppins" panose="00000500000000000000" pitchFamily="2" charset="-18"/>
-              </a:rPr>
-              <a:t> </a:t>
-            </a:r>
-            <a:r>
-              <a:rPr lang="pl-PL" dirty="0" err="1">
-                <a:latin typeface="Poppins" panose="00000500000000000000" pitchFamily="2" charset="-18"/>
-                <a:cs typeface="Poppins" panose="00000500000000000000" pitchFamily="2" charset="-18"/>
-              </a:rPr>
-              <a:t>labels</a:t>
-            </a:r>
-            <a:endParaRPr lang="pl-PL" dirty="0">
-              <a:latin typeface="Poppins" panose="00000500000000000000" pitchFamily="2" charset="-18"/>
-              <a:cs typeface="Poppins" panose="00000500000000000000" pitchFamily="2" charset="-18"/>
-            </a:endParaRPr>
-          </a:p>
-          <a:p>
-            <a:pPr marL="285750" indent="-285750">
-              <a:buFont typeface="Arial" panose="020B0604020202020204" pitchFamily="34" charset="0"/>
-              <a:buChar char="•"/>
-            </a:pPr>
-            <a:r>
-              <a:rPr lang="pl-PL" dirty="0" err="1">
-                <a:latin typeface="Poppins" panose="00000500000000000000" pitchFamily="2" charset="-18"/>
-                <a:cs typeface="Poppins" panose="00000500000000000000" pitchFamily="2" charset="-18"/>
-              </a:rPr>
-              <a:t>Available</a:t>
-            </a:r>
-            <a:r>
-              <a:rPr lang="pl-PL" dirty="0">
-                <a:latin typeface="Poppins" panose="00000500000000000000" pitchFamily="2" charset="-18"/>
-                <a:cs typeface="Poppins" panose="00000500000000000000" pitchFamily="2" charset="-18"/>
-              </a:rPr>
-              <a:t> </a:t>
-            </a:r>
-            <a:r>
-              <a:rPr lang="pl-PL" dirty="0" err="1">
-                <a:latin typeface="Poppins" panose="00000500000000000000" pitchFamily="2" charset="-18"/>
-                <a:cs typeface="Poppins" panose="00000500000000000000" pitchFamily="2" charset="-18"/>
-              </a:rPr>
-              <a:t>trips</a:t>
-            </a:r>
-            <a:r>
-              <a:rPr lang="pl-PL" dirty="0">
-                <a:latin typeface="Poppins" panose="00000500000000000000" pitchFamily="2" charset="-18"/>
-                <a:cs typeface="Poppins" panose="00000500000000000000" pitchFamily="2" charset="-18"/>
-              </a:rPr>
-              <a:t> </a:t>
-            </a:r>
-            <a:r>
-              <a:rPr lang="pl-PL" dirty="0" err="1">
-                <a:latin typeface="Poppins" panose="00000500000000000000" pitchFamily="2" charset="-18"/>
-                <a:cs typeface="Poppins" panose="00000500000000000000" pitchFamily="2" charset="-18"/>
-              </a:rPr>
-              <a:t>csv</a:t>
-            </a:r>
-            <a:endParaRPr lang="en-GB" dirty="0">
-              <a:latin typeface="Poppins" panose="00000500000000000000" pitchFamily="2" charset="-18"/>
-              <a:cs typeface="Poppins" panose="00000500000000000000" pitchFamily="2" charset="-18"/>
-            </a:endParaRPr>
-          </a:p>
-        </p:txBody>
-      </p:sp>
-    </p:spTree>
-    <p:extLst>
-      <p:ext uri="{BB962C8B-B14F-4D97-AF65-F5344CB8AC3E}">
-        <p14:creationId xmlns:p14="http://schemas.microsoft.com/office/powerpoint/2010/main" val="1520590844"/>
       </p:ext>
     </p:extLst>
   </p:cSld>
@@ -22802,6 +23490,1679 @@
     <p:extLst>
       <p:ext uri="{BB962C8B-B14F-4D97-AF65-F5344CB8AC3E}">
         <p14:creationId xmlns:p14="http://schemas.microsoft.com/office/powerpoint/2010/main" val="1228832990"/>
+      </p:ext>
+    </p:extLst>
+  </p:cSld>
+  <p:clrMapOvr>
+    <a:masterClrMapping/>
+  </p:clrMapOvr>
+</p:sld>
+</file>
+
+<file path=ppt/slides/slide40.xml><?xml version="1.0" encoding="utf-8"?>
+<p:sld xmlns:a="http://schemas.openxmlformats.org/drawingml/2006/main" xmlns:r="http://schemas.openxmlformats.org/officeDocument/2006/relationships" xmlns:p="http://schemas.openxmlformats.org/presentationml/2006/main">
+  <p:cSld>
+    <p:spTree>
+      <p:nvGrpSpPr>
+        <p:cNvPr id="1" name="Shape 332">
+          <a:extLst>
+            <a:ext uri="{FF2B5EF4-FFF2-40B4-BE49-F238E27FC236}">
+              <a16:creationId xmlns:a16="http://schemas.microsoft.com/office/drawing/2014/main" id="{5E13A571-5373-5EE2-EA85-02B8695BA28D}"/>
+            </a:ext>
+          </a:extLst>
+        </p:cNvPr>
+        <p:cNvGrpSpPr/>
+        <p:nvPr/>
+      </p:nvGrpSpPr>
+      <p:grpSpPr>
+        <a:xfrm>
+          <a:off x="0" y="0"/>
+          <a:ext cx="0" cy="0"/>
+          <a:chOff x="0" y="0"/>
+          <a:chExt cx="0" cy="0"/>
+        </a:xfrm>
+      </p:grpSpPr>
+      <p:sp>
+        <p:nvSpPr>
+          <p:cNvPr id="335" name="Google Shape;335;g2ae502b7976_1_101">
+            <a:extLst>
+              <a:ext uri="{FF2B5EF4-FFF2-40B4-BE49-F238E27FC236}">
+                <a16:creationId xmlns:a16="http://schemas.microsoft.com/office/drawing/2014/main" id="{C5D520F8-E619-D322-79D8-4E95B9102407}"/>
+              </a:ext>
+            </a:extLst>
+          </p:cNvPr>
+          <p:cNvSpPr txBox="1"/>
+          <p:nvPr/>
+        </p:nvSpPr>
+        <p:spPr>
+          <a:xfrm>
+            <a:off x="407988" y="565805"/>
+            <a:ext cx="11376000" cy="523180"/>
+          </a:xfrm>
+          <a:prstGeom prst="rect">
+            <a:avLst/>
+          </a:prstGeom>
+          <a:noFill/>
+          <a:ln>
+            <a:noFill/>
+          </a:ln>
+        </p:spPr>
+        <p:txBody>
+          <a:bodyPr spcFirstLastPara="1" wrap="square" lIns="91425" tIns="45700" rIns="91425" bIns="45700" anchor="t" anchorCtr="0">
+            <a:spAutoFit/>
+          </a:bodyPr>
+          <a:lstStyle/>
+          <a:p>
+            <a:pPr marL="0" marR="0" lvl="0" indent="0" algn="l" rtl="0">
+              <a:spcBef>
+                <a:spcPts val="0"/>
+              </a:spcBef>
+              <a:spcAft>
+                <a:spcPts val="0"/>
+              </a:spcAft>
+              <a:buNone/>
+            </a:pPr>
+            <a:r>
+              <a:rPr lang="pl-PL" sz="2800" b="1" dirty="0">
+                <a:solidFill>
+                  <a:schemeClr val="dk1"/>
+                </a:solidFill>
+                <a:latin typeface="Poppins"/>
+                <a:ea typeface="Poppins"/>
+                <a:cs typeface="Poppins"/>
+                <a:sym typeface="Poppins"/>
+              </a:rPr>
+              <a:t>T</a:t>
+            </a:r>
+            <a:r>
+              <a:rPr lang="en-GB" sz="2800" b="1" dirty="0">
+                <a:solidFill>
+                  <a:schemeClr val="dk1"/>
+                </a:solidFill>
+                <a:latin typeface="Poppins"/>
+                <a:ea typeface="Poppins"/>
+                <a:cs typeface="Poppins"/>
+                <a:sym typeface="Poppins"/>
+              </a:rPr>
+              <a:t>ravel agency chat bot hints</a:t>
+            </a:r>
+            <a:endParaRPr lang="pl-PL" sz="2800" b="1" dirty="0">
+              <a:solidFill>
+                <a:schemeClr val="dk1"/>
+              </a:solidFill>
+              <a:latin typeface="Poppins"/>
+              <a:ea typeface="Poppins"/>
+              <a:cs typeface="Poppins"/>
+              <a:sym typeface="Poppins"/>
+            </a:endParaRPr>
+          </a:p>
+        </p:txBody>
+      </p:sp>
+      <p:sp>
+        <p:nvSpPr>
+          <p:cNvPr id="4" name="pole tekstowe 3">
+            <a:extLst>
+              <a:ext uri="{FF2B5EF4-FFF2-40B4-BE49-F238E27FC236}">
+                <a16:creationId xmlns:a16="http://schemas.microsoft.com/office/drawing/2014/main" id="{E97ABC4C-EC8E-E378-D1C3-5E0C76A928D5}"/>
+              </a:ext>
+            </a:extLst>
+          </p:cNvPr>
+          <p:cNvSpPr txBox="1"/>
+          <p:nvPr/>
+        </p:nvSpPr>
+        <p:spPr>
+          <a:xfrm>
+            <a:off x="838350" y="2229633"/>
+            <a:ext cx="4377846" cy="4801314"/>
+          </a:xfrm>
+          <a:prstGeom prst="rect">
+            <a:avLst/>
+          </a:prstGeom>
+          <a:noFill/>
+        </p:spPr>
+        <p:txBody>
+          <a:bodyPr wrap="square" rtlCol="0">
+            <a:spAutoFit/>
+          </a:bodyPr>
+          <a:lstStyle/>
+          <a:p>
+            <a:r>
+              <a:rPr lang="en-GB" dirty="0">
+                <a:latin typeface="Poppins" panose="00000500000000000000" pitchFamily="2" charset="-18"/>
+                <a:cs typeface="Poppins" panose="00000500000000000000" pitchFamily="2" charset="-18"/>
+              </a:rPr>
+              <a:t>Base</a:t>
+            </a:r>
+          </a:p>
+          <a:p>
+            <a:pPr marL="285750" indent="-285750">
+              <a:buFont typeface="Arial" panose="020B0604020202020204" pitchFamily="34" charset="0"/>
+              <a:buChar char="•"/>
+            </a:pPr>
+            <a:r>
+              <a:rPr lang="en-GB" dirty="0">
+                <a:latin typeface="Poppins" panose="00000500000000000000" pitchFamily="2" charset="-18"/>
+                <a:cs typeface="Poppins" panose="00000500000000000000" pitchFamily="2" charset="-18"/>
+              </a:rPr>
+              <a:t>Answer questions about company travel policies passed on the FAQ files</a:t>
+            </a:r>
+          </a:p>
+          <a:p>
+            <a:pPr marL="285750" indent="-285750">
+              <a:buFont typeface="Arial" panose="020B0604020202020204" pitchFamily="34" charset="0"/>
+              <a:buChar char="•"/>
+            </a:pPr>
+            <a:r>
+              <a:rPr lang="en-GB" dirty="0">
+                <a:latin typeface="Poppins" panose="00000500000000000000" pitchFamily="2" charset="-18"/>
+                <a:cs typeface="Poppins" panose="00000500000000000000" pitchFamily="2" charset="-18"/>
+              </a:rPr>
+              <a:t>Working memory -&gt; being able to use contents from previous messages in answers</a:t>
+            </a:r>
+          </a:p>
+          <a:p>
+            <a:endParaRPr lang="en-GB" dirty="0">
+              <a:latin typeface="Poppins" panose="00000500000000000000" pitchFamily="2" charset="-18"/>
+              <a:cs typeface="Poppins" panose="00000500000000000000" pitchFamily="2" charset="-18"/>
+            </a:endParaRPr>
+          </a:p>
+          <a:p>
+            <a:r>
+              <a:rPr lang="en-GB" dirty="0">
+                <a:latin typeface="Poppins" panose="00000500000000000000" pitchFamily="2" charset="-18"/>
+                <a:cs typeface="Poppins" panose="00000500000000000000" pitchFamily="2" charset="-18"/>
+              </a:rPr>
+              <a:t>Extra</a:t>
+            </a:r>
+          </a:p>
+          <a:p>
+            <a:pPr marL="285750" indent="-285750">
+              <a:buFont typeface="Arial" panose="020B0604020202020204" pitchFamily="34" charset="0"/>
+              <a:buChar char="•"/>
+            </a:pPr>
+            <a:r>
+              <a:rPr lang="en-GB" dirty="0" err="1">
+                <a:latin typeface="Poppins" panose="00000500000000000000" pitchFamily="2" charset="-18"/>
+                <a:cs typeface="Poppins" panose="00000500000000000000" pitchFamily="2" charset="-18"/>
+              </a:rPr>
+              <a:t>Streamlit</a:t>
+            </a:r>
+            <a:r>
+              <a:rPr lang="en-GB" dirty="0">
+                <a:latin typeface="Poppins" panose="00000500000000000000" pitchFamily="2" charset="-18"/>
+                <a:cs typeface="Poppins" panose="00000500000000000000" pitchFamily="2" charset="-18"/>
+              </a:rPr>
+              <a:t> app for easier interaction</a:t>
+            </a:r>
+          </a:p>
+          <a:p>
+            <a:pPr marL="285750" indent="-285750">
+              <a:buFont typeface="Arial" panose="020B0604020202020204" pitchFamily="34" charset="0"/>
+              <a:buChar char="•"/>
+            </a:pPr>
+            <a:r>
+              <a:rPr lang="en-GB" dirty="0">
+                <a:latin typeface="Poppins" panose="00000500000000000000" pitchFamily="2" charset="-18"/>
+                <a:cs typeface="Poppins" panose="00000500000000000000" pitchFamily="2" charset="-18"/>
+              </a:rPr>
+              <a:t>Ability to fetch trips details from a file based on its id</a:t>
+            </a:r>
+          </a:p>
+          <a:p>
+            <a:pPr marL="285750" indent="-285750">
+              <a:buFont typeface="Arial" panose="020B0604020202020204" pitchFamily="34" charset="0"/>
+              <a:buChar char="•"/>
+            </a:pPr>
+            <a:r>
+              <a:rPr lang="en-GB" dirty="0">
+                <a:latin typeface="Poppins" panose="00000500000000000000" pitchFamily="2" charset="-18"/>
+                <a:cs typeface="Poppins" panose="00000500000000000000" pitchFamily="2" charset="-18"/>
+              </a:rPr>
+              <a:t>Guardrails against toxic </a:t>
+            </a:r>
+            <a:r>
+              <a:rPr lang="en-GB" dirty="0" err="1">
+                <a:latin typeface="Poppins" panose="00000500000000000000" pitchFamily="2" charset="-18"/>
+                <a:cs typeface="Poppins" panose="00000500000000000000" pitchFamily="2" charset="-18"/>
+              </a:rPr>
+              <a:t>behavious</a:t>
+            </a:r>
+            <a:r>
+              <a:rPr lang="en-GB" dirty="0">
+                <a:latin typeface="Poppins" panose="00000500000000000000" pitchFamily="2" charset="-18"/>
+                <a:cs typeface="Poppins" panose="00000500000000000000" pitchFamily="2" charset="-18"/>
+              </a:rPr>
+              <a:t> and jailbreaking</a:t>
+            </a:r>
+          </a:p>
+          <a:p>
+            <a:endParaRPr lang="en-GB" dirty="0">
+              <a:latin typeface="Poppins" panose="00000500000000000000" pitchFamily="2" charset="-18"/>
+              <a:cs typeface="Poppins" panose="00000500000000000000" pitchFamily="2" charset="-18"/>
+            </a:endParaRPr>
+          </a:p>
+          <a:p>
+            <a:pPr marL="285750" indent="-285750">
+              <a:buFont typeface="Arial" panose="020B0604020202020204" pitchFamily="34" charset="0"/>
+              <a:buChar char="•"/>
+            </a:pPr>
+            <a:endParaRPr lang="en-GB" dirty="0">
+              <a:latin typeface="Poppins" panose="00000500000000000000" pitchFamily="2" charset="-18"/>
+              <a:cs typeface="Poppins" panose="00000500000000000000" pitchFamily="2" charset="-18"/>
+            </a:endParaRPr>
+          </a:p>
+        </p:txBody>
+      </p:sp>
+      <p:sp>
+        <p:nvSpPr>
+          <p:cNvPr id="8" name="Prostokąt: zaokrąglone rogi 7">
+            <a:extLst>
+              <a:ext uri="{FF2B5EF4-FFF2-40B4-BE49-F238E27FC236}">
+                <a16:creationId xmlns:a16="http://schemas.microsoft.com/office/drawing/2014/main" id="{B0EC5938-3CD1-E155-AD1C-DC7AEEA32C6E}"/>
+              </a:ext>
+            </a:extLst>
+          </p:cNvPr>
+          <p:cNvSpPr/>
+          <p:nvPr/>
+        </p:nvSpPr>
+        <p:spPr>
+          <a:xfrm>
+            <a:off x="794508" y="1314843"/>
+            <a:ext cx="4421688" cy="688931"/>
+          </a:xfrm>
+          <a:prstGeom prst="roundRect">
+            <a:avLst/>
+          </a:prstGeom>
+          <a:solidFill>
+            <a:srgbClr val="0070C0"/>
+          </a:solidFill>
+          <a:ln>
+            <a:noFill/>
+          </a:ln>
+        </p:spPr>
+        <p:style>
+          <a:lnRef idx="2">
+            <a:schemeClr val="accent1">
+              <a:shade val="15000"/>
+            </a:schemeClr>
+          </a:lnRef>
+          <a:fillRef idx="1">
+            <a:schemeClr val="accent1"/>
+          </a:fillRef>
+          <a:effectRef idx="0">
+            <a:schemeClr val="accent1"/>
+          </a:effectRef>
+          <a:fontRef idx="minor">
+            <a:schemeClr val="lt1"/>
+          </a:fontRef>
+        </p:style>
+        <p:txBody>
+          <a:bodyPr rtlCol="0" anchor="ctr"/>
+          <a:lstStyle/>
+          <a:p>
+            <a:pPr algn="ctr"/>
+            <a:r>
+              <a:rPr lang="en-GB" dirty="0">
+                <a:latin typeface="Poppins" panose="00000500000000000000" pitchFamily="2" charset="-18"/>
+                <a:cs typeface="Poppins" panose="00000500000000000000" pitchFamily="2" charset="-18"/>
+              </a:rPr>
+              <a:t>Expected features</a:t>
+            </a:r>
+          </a:p>
+        </p:txBody>
+      </p:sp>
+      <p:sp>
+        <p:nvSpPr>
+          <p:cNvPr id="10" name="Prostokąt: zaokrąglone rogi 9">
+            <a:extLst>
+              <a:ext uri="{FF2B5EF4-FFF2-40B4-BE49-F238E27FC236}">
+                <a16:creationId xmlns:a16="http://schemas.microsoft.com/office/drawing/2014/main" id="{63477E31-5333-13B2-366B-6F936607CF15}"/>
+              </a:ext>
+            </a:extLst>
+          </p:cNvPr>
+          <p:cNvSpPr/>
+          <p:nvPr/>
+        </p:nvSpPr>
+        <p:spPr>
+          <a:xfrm>
+            <a:off x="6904638" y="1314843"/>
+            <a:ext cx="4421688" cy="688931"/>
+          </a:xfrm>
+          <a:prstGeom prst="roundRect">
+            <a:avLst/>
+          </a:prstGeom>
+          <a:solidFill>
+            <a:srgbClr val="0070C0"/>
+          </a:solidFill>
+          <a:ln>
+            <a:noFill/>
+          </a:ln>
+        </p:spPr>
+        <p:style>
+          <a:lnRef idx="2">
+            <a:schemeClr val="accent1">
+              <a:shade val="15000"/>
+            </a:schemeClr>
+          </a:lnRef>
+          <a:fillRef idx="1">
+            <a:schemeClr val="accent1"/>
+          </a:fillRef>
+          <a:effectRef idx="0">
+            <a:schemeClr val="accent1"/>
+          </a:effectRef>
+          <a:fontRef idx="minor">
+            <a:schemeClr val="lt1"/>
+          </a:fontRef>
+        </p:style>
+        <p:txBody>
+          <a:bodyPr rtlCol="0" anchor="ctr"/>
+          <a:lstStyle/>
+          <a:p>
+            <a:pPr algn="ctr"/>
+            <a:r>
+              <a:rPr lang="en-GB" dirty="0">
+                <a:latin typeface="Poppins" panose="00000500000000000000" pitchFamily="2" charset="-18"/>
+                <a:cs typeface="Poppins" panose="00000500000000000000" pitchFamily="2" charset="-18"/>
+              </a:rPr>
+              <a:t>Most important steps</a:t>
+            </a:r>
+          </a:p>
+        </p:txBody>
+      </p:sp>
+      <p:sp>
+        <p:nvSpPr>
+          <p:cNvPr id="11" name="pole tekstowe 10">
+            <a:extLst>
+              <a:ext uri="{FF2B5EF4-FFF2-40B4-BE49-F238E27FC236}">
+                <a16:creationId xmlns:a16="http://schemas.microsoft.com/office/drawing/2014/main" id="{86940432-C691-1AA2-D9FD-9C6351D6A489}"/>
+              </a:ext>
+            </a:extLst>
+          </p:cNvPr>
+          <p:cNvSpPr txBox="1"/>
+          <p:nvPr/>
+        </p:nvSpPr>
+        <p:spPr>
+          <a:xfrm>
+            <a:off x="6904638" y="2229633"/>
+            <a:ext cx="4377846" cy="3970318"/>
+          </a:xfrm>
+          <a:prstGeom prst="rect">
+            <a:avLst/>
+          </a:prstGeom>
+          <a:noFill/>
+        </p:spPr>
+        <p:txBody>
+          <a:bodyPr wrap="square" rtlCol="0">
+            <a:spAutoFit/>
+          </a:bodyPr>
+          <a:lstStyle/>
+          <a:p>
+            <a:r>
+              <a:rPr lang="en-GB" sz="1400" dirty="0">
+                <a:latin typeface="Poppins" panose="00000500000000000000" pitchFamily="2" charset="-18"/>
+                <a:cs typeface="Poppins" panose="00000500000000000000" pitchFamily="2" charset="-18"/>
+              </a:rPr>
+              <a:t>Base</a:t>
+            </a:r>
+          </a:p>
+          <a:p>
+            <a:pPr marL="285750" indent="-285750">
+              <a:buFont typeface="Arial" panose="020B0604020202020204" pitchFamily="34" charset="0"/>
+              <a:buChar char="•"/>
+            </a:pPr>
+            <a:r>
+              <a:rPr lang="en-GB" sz="1400" dirty="0">
+                <a:latin typeface="Poppins" panose="00000500000000000000" pitchFamily="2" charset="-18"/>
+                <a:cs typeface="Poppins" panose="00000500000000000000" pitchFamily="2" charset="-18"/>
+              </a:rPr>
+              <a:t>Vectorize FAQs based on `W2-llm-calling-and-vector-search`</a:t>
+            </a:r>
+          </a:p>
+          <a:p>
+            <a:pPr marL="285750" indent="-285750">
+              <a:buFont typeface="Arial" panose="020B0604020202020204" pitchFamily="34" charset="0"/>
+              <a:buChar char="•"/>
+            </a:pPr>
+            <a:r>
+              <a:rPr lang="en-GB" sz="1400" dirty="0">
+                <a:latin typeface="Poppins" panose="00000500000000000000" pitchFamily="2" charset="-18"/>
+                <a:cs typeface="Poppins" panose="00000500000000000000" pitchFamily="2" charset="-18"/>
+              </a:rPr>
+              <a:t>Prepare RAG tool based on previous notebook and `W3-agent_with_tools`</a:t>
+            </a:r>
+          </a:p>
+          <a:p>
+            <a:pPr marL="285750" indent="-285750">
+              <a:buFont typeface="Arial" panose="020B0604020202020204" pitchFamily="34" charset="0"/>
+              <a:buChar char="•"/>
+            </a:pPr>
+            <a:r>
+              <a:rPr lang="en-GB" sz="1400" dirty="0">
+                <a:latin typeface="Poppins" panose="00000500000000000000" pitchFamily="2" charset="-18"/>
+                <a:cs typeface="Poppins" panose="00000500000000000000" pitchFamily="2" charset="-18"/>
+              </a:rPr>
+              <a:t>Implement memory  stored in </a:t>
+            </a:r>
+            <a:r>
+              <a:rPr lang="en-GB" sz="1400" dirty="0" err="1">
+                <a:latin typeface="Poppins" panose="00000500000000000000" pitchFamily="2" charset="-18"/>
+                <a:cs typeface="Poppins" panose="00000500000000000000" pitchFamily="2" charset="-18"/>
+              </a:rPr>
+              <a:t>json</a:t>
+            </a:r>
+            <a:r>
+              <a:rPr lang="en-GB" sz="1400" dirty="0">
+                <a:latin typeface="Poppins" panose="00000500000000000000" pitchFamily="2" charset="-18"/>
+                <a:cs typeface="Poppins" panose="00000500000000000000" pitchFamily="2" charset="-18"/>
+              </a:rPr>
+              <a:t> file based on `W3_chat_with_memory`</a:t>
+            </a:r>
+          </a:p>
+          <a:p>
+            <a:endParaRPr lang="en-GB" sz="1400" dirty="0">
+              <a:latin typeface="Poppins" panose="00000500000000000000" pitchFamily="2" charset="-18"/>
+              <a:cs typeface="Poppins" panose="00000500000000000000" pitchFamily="2" charset="-18"/>
+            </a:endParaRPr>
+          </a:p>
+          <a:p>
+            <a:r>
+              <a:rPr lang="en-GB" sz="1400" dirty="0">
+                <a:latin typeface="Poppins" panose="00000500000000000000" pitchFamily="2" charset="-18"/>
+                <a:cs typeface="Poppins" panose="00000500000000000000" pitchFamily="2" charset="-18"/>
+              </a:rPr>
+              <a:t>Extra</a:t>
+            </a:r>
+          </a:p>
+          <a:p>
+            <a:pPr marL="285750" indent="-285750">
+              <a:buFont typeface="Arial" panose="020B0604020202020204" pitchFamily="34" charset="0"/>
+              <a:buChar char="•"/>
+            </a:pPr>
+            <a:r>
+              <a:rPr lang="en-GB" sz="1400" dirty="0">
+                <a:latin typeface="Poppins" panose="00000500000000000000" pitchFamily="2" charset="-18"/>
+                <a:cs typeface="Poppins" panose="00000500000000000000" pitchFamily="2" charset="-18"/>
+              </a:rPr>
+              <a:t>Retool </a:t>
+            </a:r>
+            <a:r>
+              <a:rPr lang="en-GB" sz="1400" dirty="0" err="1">
+                <a:latin typeface="Poppins" panose="00000500000000000000" pitchFamily="2" charset="-18"/>
+                <a:cs typeface="Poppins" panose="00000500000000000000" pitchFamily="2" charset="-18"/>
+              </a:rPr>
+              <a:t>streamlit</a:t>
+            </a:r>
+            <a:r>
+              <a:rPr lang="en-GB" sz="1400" dirty="0">
+                <a:latin typeface="Poppins" panose="00000500000000000000" pitchFamily="2" charset="-18"/>
+                <a:cs typeface="Poppins" panose="00000500000000000000" pitchFamily="2" charset="-18"/>
+              </a:rPr>
+              <a:t> app from `W3-chat_app` to show this chat</a:t>
+            </a:r>
+          </a:p>
+          <a:p>
+            <a:pPr marL="285750" indent="-285750">
+              <a:buFont typeface="Arial" panose="020B0604020202020204" pitchFamily="34" charset="0"/>
+              <a:buChar char="•"/>
+            </a:pPr>
+            <a:r>
+              <a:rPr lang="en-GB" sz="1400" dirty="0">
+                <a:latin typeface="Poppins" panose="00000500000000000000" pitchFamily="2" charset="-18"/>
+                <a:cs typeface="Poppins" panose="00000500000000000000" pitchFamily="2" charset="-18"/>
+              </a:rPr>
+              <a:t>Connect tool from and `W3-agent_with_tools` for interactions with csv</a:t>
+            </a:r>
+          </a:p>
+          <a:p>
+            <a:pPr marL="285750" indent="-285750">
+              <a:buFont typeface="Arial" panose="020B0604020202020204" pitchFamily="34" charset="0"/>
+              <a:buChar char="•"/>
+            </a:pPr>
+            <a:r>
+              <a:rPr lang="en-GB" sz="1400" dirty="0">
+                <a:latin typeface="Poppins" panose="00000500000000000000" pitchFamily="2" charset="-18"/>
+                <a:cs typeface="Poppins" panose="00000500000000000000" pitchFamily="2" charset="-18"/>
+              </a:rPr>
+              <a:t>Read about jailbreaking and toxicity filters, try preventing them with system prompt instructions</a:t>
+            </a:r>
+          </a:p>
+          <a:p>
+            <a:endParaRPr lang="en-GB" sz="1400" dirty="0">
+              <a:latin typeface="Poppins" panose="00000500000000000000" pitchFamily="2" charset="-18"/>
+              <a:cs typeface="Poppins" panose="00000500000000000000" pitchFamily="2" charset="-18"/>
+            </a:endParaRPr>
+          </a:p>
+          <a:p>
+            <a:pPr marL="285750" indent="-285750">
+              <a:buFont typeface="Arial" panose="020B0604020202020204" pitchFamily="34" charset="0"/>
+              <a:buChar char="•"/>
+            </a:pPr>
+            <a:endParaRPr lang="en-GB" sz="1400" dirty="0">
+              <a:latin typeface="Poppins" panose="00000500000000000000" pitchFamily="2" charset="-18"/>
+              <a:cs typeface="Poppins" panose="00000500000000000000" pitchFamily="2" charset="-18"/>
+            </a:endParaRPr>
+          </a:p>
+        </p:txBody>
+      </p:sp>
+    </p:spTree>
+    <p:extLst>
+      <p:ext uri="{BB962C8B-B14F-4D97-AF65-F5344CB8AC3E}">
+        <p14:creationId xmlns:p14="http://schemas.microsoft.com/office/powerpoint/2010/main" val="3814982571"/>
+      </p:ext>
+    </p:extLst>
+  </p:cSld>
+  <p:clrMapOvr>
+    <a:masterClrMapping/>
+  </p:clrMapOvr>
+</p:sld>
+</file>
+
+<file path=ppt/slides/slide41.xml><?xml version="1.0" encoding="utf-8"?>
+<p:sld xmlns:a="http://schemas.openxmlformats.org/drawingml/2006/main" xmlns:r="http://schemas.openxmlformats.org/officeDocument/2006/relationships" xmlns:p="http://schemas.openxmlformats.org/presentationml/2006/main">
+  <p:cSld>
+    <p:spTree>
+      <p:nvGrpSpPr>
+        <p:cNvPr id="1" name="Shape 332">
+          <a:extLst>
+            <a:ext uri="{FF2B5EF4-FFF2-40B4-BE49-F238E27FC236}">
+              <a16:creationId xmlns:a16="http://schemas.microsoft.com/office/drawing/2014/main" id="{6DA8AC66-2E9D-3E82-8532-CD160BC36AAE}"/>
+            </a:ext>
+          </a:extLst>
+        </p:cNvPr>
+        <p:cNvGrpSpPr/>
+        <p:nvPr/>
+      </p:nvGrpSpPr>
+      <p:grpSpPr>
+        <a:xfrm>
+          <a:off x="0" y="0"/>
+          <a:ext cx="0" cy="0"/>
+          <a:chOff x="0" y="0"/>
+          <a:chExt cx="0" cy="0"/>
+        </a:xfrm>
+      </p:grpSpPr>
+      <p:sp>
+        <p:nvSpPr>
+          <p:cNvPr id="335" name="Google Shape;335;g2ae502b7976_1_101">
+            <a:extLst>
+              <a:ext uri="{FF2B5EF4-FFF2-40B4-BE49-F238E27FC236}">
+                <a16:creationId xmlns:a16="http://schemas.microsoft.com/office/drawing/2014/main" id="{6B79A08A-A1CA-E571-5089-2D10255C651F}"/>
+              </a:ext>
+            </a:extLst>
+          </p:cNvPr>
+          <p:cNvSpPr txBox="1"/>
+          <p:nvPr/>
+        </p:nvSpPr>
+        <p:spPr>
+          <a:xfrm>
+            <a:off x="407988" y="565805"/>
+            <a:ext cx="11376000" cy="523180"/>
+          </a:xfrm>
+          <a:prstGeom prst="rect">
+            <a:avLst/>
+          </a:prstGeom>
+          <a:noFill/>
+          <a:ln>
+            <a:noFill/>
+          </a:ln>
+        </p:spPr>
+        <p:txBody>
+          <a:bodyPr spcFirstLastPara="1" wrap="square" lIns="91425" tIns="45700" rIns="91425" bIns="45700" anchor="t" anchorCtr="0">
+            <a:spAutoFit/>
+          </a:bodyPr>
+          <a:lstStyle/>
+          <a:p>
+            <a:pPr marL="0" marR="0" lvl="0" indent="0" algn="l" rtl="0">
+              <a:spcBef>
+                <a:spcPts val="0"/>
+              </a:spcBef>
+              <a:spcAft>
+                <a:spcPts val="0"/>
+              </a:spcAft>
+              <a:buNone/>
+            </a:pPr>
+            <a:r>
+              <a:rPr lang="pl-PL" sz="2800" b="1" dirty="0" err="1">
+                <a:solidFill>
+                  <a:schemeClr val="dk1"/>
+                </a:solidFill>
+                <a:latin typeface="Poppins"/>
+                <a:ea typeface="Poppins"/>
+                <a:cs typeface="Poppins"/>
+                <a:sym typeface="Poppins"/>
+              </a:rPr>
+              <a:t>Customer</a:t>
+            </a:r>
+            <a:r>
+              <a:rPr lang="pl-PL" sz="2800" b="1" dirty="0">
+                <a:solidFill>
+                  <a:schemeClr val="dk1"/>
+                </a:solidFill>
+                <a:latin typeface="Poppins"/>
+                <a:ea typeface="Poppins"/>
+                <a:cs typeface="Poppins"/>
+                <a:sym typeface="Poppins"/>
+              </a:rPr>
+              <a:t> </a:t>
+            </a:r>
+            <a:r>
+              <a:rPr lang="pl-PL" sz="2800" b="1" dirty="0" err="1">
+                <a:solidFill>
+                  <a:schemeClr val="dk1"/>
+                </a:solidFill>
+                <a:latin typeface="Poppins"/>
+                <a:ea typeface="Poppins"/>
+                <a:cs typeface="Poppins"/>
+                <a:sym typeface="Poppins"/>
+              </a:rPr>
+              <a:t>Satisfaction</a:t>
+            </a:r>
+            <a:r>
+              <a:rPr lang="pl-PL" sz="2800" b="1" dirty="0">
+                <a:solidFill>
+                  <a:schemeClr val="dk1"/>
+                </a:solidFill>
+                <a:latin typeface="Poppins"/>
+                <a:ea typeface="Poppins"/>
+                <a:cs typeface="Poppins"/>
+                <a:sym typeface="Poppins"/>
+              </a:rPr>
+              <a:t> </a:t>
+            </a:r>
+            <a:r>
+              <a:rPr lang="pl-PL" sz="2800" b="1" dirty="0" err="1">
+                <a:solidFill>
+                  <a:schemeClr val="dk1"/>
+                </a:solidFill>
+                <a:latin typeface="Poppins"/>
+                <a:ea typeface="Poppins"/>
+                <a:cs typeface="Poppins"/>
+                <a:sym typeface="Poppins"/>
+              </a:rPr>
+              <a:t>processing</a:t>
+            </a:r>
+            <a:r>
+              <a:rPr lang="pl-PL" sz="2800" b="1" dirty="0">
+                <a:solidFill>
+                  <a:schemeClr val="dk1"/>
+                </a:solidFill>
+                <a:latin typeface="Poppins"/>
+                <a:ea typeface="Poppins"/>
+                <a:cs typeface="Poppins"/>
+                <a:sym typeface="Poppins"/>
+              </a:rPr>
+              <a:t> bot</a:t>
+            </a:r>
+            <a:r>
+              <a:rPr lang="en-GB" sz="2800" b="1" dirty="0">
+                <a:solidFill>
+                  <a:schemeClr val="dk1"/>
+                </a:solidFill>
+                <a:latin typeface="Poppins"/>
+                <a:ea typeface="Poppins"/>
+                <a:cs typeface="Poppins"/>
+                <a:sym typeface="Poppins"/>
+              </a:rPr>
+              <a:t> hints</a:t>
+            </a:r>
+            <a:endParaRPr lang="pl-PL" sz="2800" b="1" dirty="0">
+              <a:solidFill>
+                <a:schemeClr val="dk1"/>
+              </a:solidFill>
+              <a:latin typeface="Poppins"/>
+              <a:ea typeface="Poppins"/>
+              <a:cs typeface="Poppins"/>
+              <a:sym typeface="Poppins"/>
+            </a:endParaRPr>
+          </a:p>
+        </p:txBody>
+      </p:sp>
+      <p:sp>
+        <p:nvSpPr>
+          <p:cNvPr id="4" name="pole tekstowe 3">
+            <a:extLst>
+              <a:ext uri="{FF2B5EF4-FFF2-40B4-BE49-F238E27FC236}">
+                <a16:creationId xmlns:a16="http://schemas.microsoft.com/office/drawing/2014/main" id="{F845F384-FE5F-6A0D-74B1-F089F97EF916}"/>
+              </a:ext>
+            </a:extLst>
+          </p:cNvPr>
+          <p:cNvSpPr txBox="1"/>
+          <p:nvPr/>
+        </p:nvSpPr>
+        <p:spPr>
+          <a:xfrm>
+            <a:off x="838350" y="2099005"/>
+            <a:ext cx="4377846" cy="5078313"/>
+          </a:xfrm>
+          <a:prstGeom prst="rect">
+            <a:avLst/>
+          </a:prstGeom>
+          <a:noFill/>
+        </p:spPr>
+        <p:txBody>
+          <a:bodyPr wrap="square" rtlCol="0">
+            <a:spAutoFit/>
+          </a:bodyPr>
+          <a:lstStyle/>
+          <a:p>
+            <a:r>
+              <a:rPr lang="en-GB" dirty="0">
+                <a:latin typeface="Poppins" panose="00000500000000000000" pitchFamily="2" charset="-18"/>
+                <a:cs typeface="Poppins" panose="00000500000000000000" pitchFamily="2" charset="-18"/>
+              </a:rPr>
+              <a:t>Base</a:t>
+            </a:r>
+          </a:p>
+          <a:p>
+            <a:pPr marL="285750" indent="-285750">
+              <a:buFont typeface="Arial" panose="020B0604020202020204" pitchFamily="34" charset="0"/>
+              <a:buChar char="•"/>
+            </a:pPr>
+            <a:r>
+              <a:rPr lang="en-GB" dirty="0">
+                <a:latin typeface="Poppins" panose="00000500000000000000" pitchFamily="2" charset="-18"/>
+                <a:cs typeface="Poppins" panose="00000500000000000000" pitchFamily="2" charset="-18"/>
+              </a:rPr>
+              <a:t>Fetch Customer Satisfaction records from folder and classify sentiment</a:t>
+            </a:r>
+          </a:p>
+          <a:p>
+            <a:pPr marL="285750" indent="-285750">
+              <a:buFont typeface="Arial" panose="020B0604020202020204" pitchFamily="34" charset="0"/>
+              <a:buChar char="•"/>
+            </a:pPr>
+            <a:r>
+              <a:rPr lang="en-GB" dirty="0">
+                <a:latin typeface="Poppins" panose="00000500000000000000" pitchFamily="2" charset="-18"/>
+                <a:cs typeface="Poppins" panose="00000500000000000000" pitchFamily="2" charset="-18"/>
+              </a:rPr>
+              <a:t>Send a customized discount for negative reviews</a:t>
+            </a:r>
+          </a:p>
+          <a:p>
+            <a:pPr marL="285750" indent="-285750">
+              <a:buFont typeface="Arial" panose="020B0604020202020204" pitchFamily="34" charset="0"/>
+              <a:buChar char="•"/>
+            </a:pPr>
+            <a:r>
+              <a:rPr lang="en-GB" dirty="0">
+                <a:latin typeface="Poppins" panose="00000500000000000000" pitchFamily="2" charset="-18"/>
+                <a:cs typeface="Poppins" panose="00000500000000000000" pitchFamily="2" charset="-18"/>
+              </a:rPr>
+              <a:t>Recommend 3 best trips for positive reviews</a:t>
+            </a:r>
+          </a:p>
+          <a:p>
+            <a:pPr marL="285750" indent="-285750">
+              <a:buFont typeface="Arial" panose="020B0604020202020204" pitchFamily="34" charset="0"/>
+              <a:buChar char="•"/>
+            </a:pPr>
+            <a:r>
+              <a:rPr lang="en-GB" dirty="0">
+                <a:latin typeface="Poppins" panose="00000500000000000000" pitchFamily="2" charset="-18"/>
+                <a:cs typeface="Poppins" panose="00000500000000000000" pitchFamily="2" charset="-18"/>
+              </a:rPr>
+              <a:t>Save output to a csv file </a:t>
+            </a:r>
+          </a:p>
+          <a:p>
+            <a:endParaRPr lang="en-GB" dirty="0">
+              <a:latin typeface="Poppins" panose="00000500000000000000" pitchFamily="2" charset="-18"/>
+              <a:cs typeface="Poppins" panose="00000500000000000000" pitchFamily="2" charset="-18"/>
+            </a:endParaRPr>
+          </a:p>
+          <a:p>
+            <a:r>
+              <a:rPr lang="en-GB" dirty="0">
+                <a:latin typeface="Poppins" panose="00000500000000000000" pitchFamily="2" charset="-18"/>
+                <a:cs typeface="Poppins" panose="00000500000000000000" pitchFamily="2" charset="-18"/>
+              </a:rPr>
+              <a:t>Extra</a:t>
+            </a:r>
+          </a:p>
+          <a:p>
+            <a:pPr marL="285750" indent="-285750">
+              <a:buFont typeface="Arial" panose="020B0604020202020204" pitchFamily="34" charset="0"/>
+              <a:buChar char="•"/>
+            </a:pPr>
+            <a:r>
+              <a:rPr lang="en-GB" dirty="0">
+                <a:latin typeface="Poppins" panose="00000500000000000000" pitchFamily="2" charset="-18"/>
+                <a:cs typeface="Poppins" panose="00000500000000000000" pitchFamily="2" charset="-18"/>
+              </a:rPr>
+              <a:t>Use NER to extract all mentioned locations and save them to csv</a:t>
+            </a:r>
+          </a:p>
+          <a:p>
+            <a:pPr marL="285750" indent="-285750">
+              <a:buFont typeface="Arial" panose="020B0604020202020204" pitchFamily="34" charset="0"/>
+              <a:buChar char="•"/>
+            </a:pPr>
+            <a:r>
+              <a:rPr lang="en-GB" dirty="0">
+                <a:latin typeface="Poppins" panose="00000500000000000000" pitchFamily="2" charset="-18"/>
+                <a:cs typeface="Poppins" panose="00000500000000000000" pitchFamily="2" charset="-18"/>
+              </a:rPr>
+              <a:t>Compare classification metrics vs ground truth data</a:t>
+            </a:r>
+          </a:p>
+          <a:p>
+            <a:endParaRPr lang="en-GB" dirty="0">
+              <a:latin typeface="Poppins" panose="00000500000000000000" pitchFamily="2" charset="-18"/>
+              <a:cs typeface="Poppins" panose="00000500000000000000" pitchFamily="2" charset="-18"/>
+            </a:endParaRPr>
+          </a:p>
+          <a:p>
+            <a:endParaRPr lang="en-GB" dirty="0">
+              <a:latin typeface="Poppins" panose="00000500000000000000" pitchFamily="2" charset="-18"/>
+              <a:cs typeface="Poppins" panose="00000500000000000000" pitchFamily="2" charset="-18"/>
+            </a:endParaRPr>
+          </a:p>
+          <a:p>
+            <a:pPr marL="285750" indent="-285750">
+              <a:buFont typeface="Arial" panose="020B0604020202020204" pitchFamily="34" charset="0"/>
+              <a:buChar char="•"/>
+            </a:pPr>
+            <a:endParaRPr lang="en-GB" dirty="0">
+              <a:latin typeface="Poppins" panose="00000500000000000000" pitchFamily="2" charset="-18"/>
+              <a:cs typeface="Poppins" panose="00000500000000000000" pitchFamily="2" charset="-18"/>
+            </a:endParaRPr>
+          </a:p>
+        </p:txBody>
+      </p:sp>
+      <p:sp>
+        <p:nvSpPr>
+          <p:cNvPr id="8" name="Prostokąt: zaokrąglone rogi 7">
+            <a:extLst>
+              <a:ext uri="{FF2B5EF4-FFF2-40B4-BE49-F238E27FC236}">
+                <a16:creationId xmlns:a16="http://schemas.microsoft.com/office/drawing/2014/main" id="{896FDF71-9D61-C9DA-F0F1-FD479B26E7C3}"/>
+              </a:ext>
+            </a:extLst>
+          </p:cNvPr>
+          <p:cNvSpPr/>
+          <p:nvPr/>
+        </p:nvSpPr>
+        <p:spPr>
+          <a:xfrm>
+            <a:off x="794508" y="1314843"/>
+            <a:ext cx="4421688" cy="688931"/>
+          </a:xfrm>
+          <a:prstGeom prst="roundRect">
+            <a:avLst/>
+          </a:prstGeom>
+          <a:solidFill>
+            <a:srgbClr val="0070C0"/>
+          </a:solidFill>
+          <a:ln>
+            <a:noFill/>
+          </a:ln>
+        </p:spPr>
+        <p:style>
+          <a:lnRef idx="2">
+            <a:schemeClr val="accent1">
+              <a:shade val="15000"/>
+            </a:schemeClr>
+          </a:lnRef>
+          <a:fillRef idx="1">
+            <a:schemeClr val="accent1"/>
+          </a:fillRef>
+          <a:effectRef idx="0">
+            <a:schemeClr val="accent1"/>
+          </a:effectRef>
+          <a:fontRef idx="minor">
+            <a:schemeClr val="lt1"/>
+          </a:fontRef>
+        </p:style>
+        <p:txBody>
+          <a:bodyPr rtlCol="0" anchor="ctr"/>
+          <a:lstStyle/>
+          <a:p>
+            <a:pPr algn="ctr"/>
+            <a:r>
+              <a:rPr lang="en-GB" dirty="0">
+                <a:latin typeface="Poppins" panose="00000500000000000000" pitchFamily="2" charset="-18"/>
+                <a:cs typeface="Poppins" panose="00000500000000000000" pitchFamily="2" charset="-18"/>
+              </a:rPr>
+              <a:t>Expected features</a:t>
+            </a:r>
+          </a:p>
+        </p:txBody>
+      </p:sp>
+      <p:sp>
+        <p:nvSpPr>
+          <p:cNvPr id="10" name="Prostokąt: zaokrąglone rogi 9">
+            <a:extLst>
+              <a:ext uri="{FF2B5EF4-FFF2-40B4-BE49-F238E27FC236}">
+                <a16:creationId xmlns:a16="http://schemas.microsoft.com/office/drawing/2014/main" id="{3033F5A4-D75D-1E9B-7A36-61256BE18050}"/>
+              </a:ext>
+            </a:extLst>
+          </p:cNvPr>
+          <p:cNvSpPr/>
+          <p:nvPr/>
+        </p:nvSpPr>
+        <p:spPr>
+          <a:xfrm>
+            <a:off x="6904638" y="1314843"/>
+            <a:ext cx="4421688" cy="688931"/>
+          </a:xfrm>
+          <a:prstGeom prst="roundRect">
+            <a:avLst/>
+          </a:prstGeom>
+          <a:solidFill>
+            <a:srgbClr val="0070C0"/>
+          </a:solidFill>
+          <a:ln>
+            <a:noFill/>
+          </a:ln>
+        </p:spPr>
+        <p:style>
+          <a:lnRef idx="2">
+            <a:schemeClr val="accent1">
+              <a:shade val="15000"/>
+            </a:schemeClr>
+          </a:lnRef>
+          <a:fillRef idx="1">
+            <a:schemeClr val="accent1"/>
+          </a:fillRef>
+          <a:effectRef idx="0">
+            <a:schemeClr val="accent1"/>
+          </a:effectRef>
+          <a:fontRef idx="minor">
+            <a:schemeClr val="lt1"/>
+          </a:fontRef>
+        </p:style>
+        <p:txBody>
+          <a:bodyPr rtlCol="0" anchor="ctr"/>
+          <a:lstStyle/>
+          <a:p>
+            <a:pPr algn="ctr"/>
+            <a:r>
+              <a:rPr lang="en-GB" dirty="0">
+                <a:latin typeface="Poppins" panose="00000500000000000000" pitchFamily="2" charset="-18"/>
+                <a:cs typeface="Poppins" panose="00000500000000000000" pitchFamily="2" charset="-18"/>
+              </a:rPr>
+              <a:t>Most important steps</a:t>
+            </a:r>
+          </a:p>
+        </p:txBody>
+      </p:sp>
+      <p:sp>
+        <p:nvSpPr>
+          <p:cNvPr id="11" name="pole tekstowe 10">
+            <a:extLst>
+              <a:ext uri="{FF2B5EF4-FFF2-40B4-BE49-F238E27FC236}">
+                <a16:creationId xmlns:a16="http://schemas.microsoft.com/office/drawing/2014/main" id="{9389697A-0D75-07C5-48E8-F376084D8D5D}"/>
+              </a:ext>
+            </a:extLst>
+          </p:cNvPr>
+          <p:cNvSpPr txBox="1"/>
+          <p:nvPr/>
+        </p:nvSpPr>
+        <p:spPr>
+          <a:xfrm>
+            <a:off x="6904638" y="2229633"/>
+            <a:ext cx="4377846" cy="3754874"/>
+          </a:xfrm>
+          <a:prstGeom prst="rect">
+            <a:avLst/>
+          </a:prstGeom>
+          <a:noFill/>
+        </p:spPr>
+        <p:txBody>
+          <a:bodyPr wrap="square" rtlCol="0">
+            <a:spAutoFit/>
+          </a:bodyPr>
+          <a:lstStyle/>
+          <a:p>
+            <a:r>
+              <a:rPr lang="en-GB" sz="1400" dirty="0">
+                <a:latin typeface="Poppins" panose="00000500000000000000" pitchFamily="2" charset="-18"/>
+                <a:cs typeface="Poppins" panose="00000500000000000000" pitchFamily="2" charset="-18"/>
+              </a:rPr>
+              <a:t>Base</a:t>
+            </a:r>
+          </a:p>
+          <a:p>
+            <a:pPr marL="285750" indent="-285750">
+              <a:buFont typeface="Arial" panose="020B0604020202020204" pitchFamily="34" charset="0"/>
+              <a:buChar char="•"/>
+            </a:pPr>
+            <a:r>
+              <a:rPr lang="en-GB" sz="1400" dirty="0">
+                <a:latin typeface="Poppins" panose="00000500000000000000" pitchFamily="2" charset="-18"/>
+                <a:cs typeface="Poppins" panose="00000500000000000000" pitchFamily="2" charset="-18"/>
+              </a:rPr>
+              <a:t>Retool chain from `W3-llm-flows-and-monitoring` to work with new data and instructions</a:t>
+            </a:r>
+          </a:p>
+          <a:p>
+            <a:pPr marL="285750" indent="-285750">
+              <a:buFont typeface="Arial" panose="020B0604020202020204" pitchFamily="34" charset="0"/>
+              <a:buChar char="•"/>
+            </a:pPr>
+            <a:r>
+              <a:rPr lang="en-GB" sz="1400" dirty="0">
+                <a:latin typeface="Poppins" panose="00000500000000000000" pitchFamily="2" charset="-18"/>
+                <a:cs typeface="Poppins" panose="00000500000000000000" pitchFamily="2" charset="-18"/>
+              </a:rPr>
+              <a:t>Find a solution to find best trips related to NER -&gt; can be purely RAG, possibly expanded by filtering by metadata e.g. location</a:t>
+            </a:r>
+          </a:p>
+          <a:p>
+            <a:endParaRPr lang="en-GB" sz="1400" dirty="0">
+              <a:latin typeface="Poppins" panose="00000500000000000000" pitchFamily="2" charset="-18"/>
+              <a:cs typeface="Poppins" panose="00000500000000000000" pitchFamily="2" charset="-18"/>
+            </a:endParaRPr>
+          </a:p>
+          <a:p>
+            <a:r>
+              <a:rPr lang="en-GB" sz="1400" dirty="0">
+                <a:latin typeface="Poppins" panose="00000500000000000000" pitchFamily="2" charset="-18"/>
+                <a:cs typeface="Poppins" panose="00000500000000000000" pitchFamily="2" charset="-18"/>
+              </a:rPr>
+              <a:t>Extra</a:t>
+            </a:r>
+          </a:p>
+          <a:p>
+            <a:pPr marL="285750" indent="-285750">
+              <a:buFont typeface="Arial" panose="020B0604020202020204" pitchFamily="34" charset="0"/>
+              <a:buChar char="•"/>
+            </a:pPr>
+            <a:r>
+              <a:rPr lang="en-GB" sz="1400" dirty="0">
+                <a:latin typeface="Poppins" panose="00000500000000000000" pitchFamily="2" charset="-18"/>
+                <a:cs typeface="Poppins" panose="00000500000000000000" pitchFamily="2" charset="-18"/>
+              </a:rPr>
+              <a:t>Leverage model from `W2-NER-Intro` to implement location processing into pipeline</a:t>
+            </a:r>
+          </a:p>
+          <a:p>
+            <a:pPr marL="285750" indent="-285750">
+              <a:buFont typeface="Arial" panose="020B0604020202020204" pitchFamily="34" charset="0"/>
+              <a:buChar char="•"/>
+            </a:pPr>
+            <a:r>
+              <a:rPr lang="en-GB" sz="1400" dirty="0">
+                <a:latin typeface="Poppins" panose="00000500000000000000" pitchFamily="2" charset="-18"/>
+                <a:cs typeface="Poppins" panose="00000500000000000000" pitchFamily="2" charset="-18"/>
+              </a:rPr>
+              <a:t>Calculate accuracy, recall and precision of sentiment analysis and visualize results</a:t>
+            </a:r>
+          </a:p>
+          <a:p>
+            <a:endParaRPr lang="en-GB" sz="1400" dirty="0">
+              <a:latin typeface="Poppins" panose="00000500000000000000" pitchFamily="2" charset="-18"/>
+              <a:cs typeface="Poppins" panose="00000500000000000000" pitchFamily="2" charset="-18"/>
+            </a:endParaRPr>
+          </a:p>
+          <a:p>
+            <a:pPr marL="285750" indent="-285750">
+              <a:buFont typeface="Arial" panose="020B0604020202020204" pitchFamily="34" charset="0"/>
+              <a:buChar char="•"/>
+            </a:pPr>
+            <a:endParaRPr lang="en-GB" sz="1400" dirty="0">
+              <a:latin typeface="Poppins" panose="00000500000000000000" pitchFamily="2" charset="-18"/>
+              <a:cs typeface="Poppins" panose="00000500000000000000" pitchFamily="2" charset="-18"/>
+            </a:endParaRPr>
+          </a:p>
+        </p:txBody>
+      </p:sp>
+    </p:spTree>
+    <p:extLst>
+      <p:ext uri="{BB962C8B-B14F-4D97-AF65-F5344CB8AC3E}">
+        <p14:creationId xmlns:p14="http://schemas.microsoft.com/office/powerpoint/2010/main" val="3594919820"/>
+      </p:ext>
+    </p:extLst>
+  </p:cSld>
+  <p:clrMapOvr>
+    <a:masterClrMapping/>
+  </p:clrMapOvr>
+</p:sld>
+</file>
+
+<file path=ppt/slides/slide42.xml><?xml version="1.0" encoding="utf-8"?>
+<p:sld xmlns:a="http://schemas.openxmlformats.org/drawingml/2006/main" xmlns:r="http://schemas.openxmlformats.org/officeDocument/2006/relationships" xmlns:p="http://schemas.openxmlformats.org/presentationml/2006/main">
+  <p:cSld>
+    <p:spTree>
+      <p:nvGrpSpPr>
+        <p:cNvPr id="1" name="Shape 332">
+          <a:extLst>
+            <a:ext uri="{FF2B5EF4-FFF2-40B4-BE49-F238E27FC236}">
+              <a16:creationId xmlns:a16="http://schemas.microsoft.com/office/drawing/2014/main" id="{C46D0526-4095-3CD0-017A-1553D4E55C00}"/>
+            </a:ext>
+          </a:extLst>
+        </p:cNvPr>
+        <p:cNvGrpSpPr/>
+        <p:nvPr/>
+      </p:nvGrpSpPr>
+      <p:grpSpPr>
+        <a:xfrm>
+          <a:off x="0" y="0"/>
+          <a:ext cx="0" cy="0"/>
+          <a:chOff x="0" y="0"/>
+          <a:chExt cx="0" cy="0"/>
+        </a:xfrm>
+      </p:grpSpPr>
+      <p:sp>
+        <p:nvSpPr>
+          <p:cNvPr id="335" name="Google Shape;335;g2ae502b7976_1_101">
+            <a:extLst>
+              <a:ext uri="{FF2B5EF4-FFF2-40B4-BE49-F238E27FC236}">
+                <a16:creationId xmlns:a16="http://schemas.microsoft.com/office/drawing/2014/main" id="{3D7ED4CF-6435-2D2E-351F-B2CAA15FD85F}"/>
+              </a:ext>
+            </a:extLst>
+          </p:cNvPr>
+          <p:cNvSpPr txBox="1"/>
+          <p:nvPr/>
+        </p:nvSpPr>
+        <p:spPr>
+          <a:xfrm>
+            <a:off x="407988" y="565805"/>
+            <a:ext cx="11376000" cy="954067"/>
+          </a:xfrm>
+          <a:prstGeom prst="rect">
+            <a:avLst/>
+          </a:prstGeom>
+          <a:noFill/>
+          <a:ln>
+            <a:noFill/>
+          </a:ln>
+        </p:spPr>
+        <p:txBody>
+          <a:bodyPr spcFirstLastPara="1" wrap="square" lIns="91425" tIns="45700" rIns="91425" bIns="45700" anchor="t" anchorCtr="0">
+            <a:spAutoFit/>
+          </a:bodyPr>
+          <a:lstStyle/>
+          <a:p>
+            <a:pPr marL="0" marR="0" lvl="0" indent="0" algn="l" rtl="0">
+              <a:spcBef>
+                <a:spcPts val="0"/>
+              </a:spcBef>
+              <a:spcAft>
+                <a:spcPts val="0"/>
+              </a:spcAft>
+              <a:buNone/>
+            </a:pPr>
+            <a:r>
+              <a:rPr lang="en-GB" sz="2800" b="1" dirty="0">
+                <a:solidFill>
+                  <a:schemeClr val="dk1"/>
+                </a:solidFill>
+                <a:latin typeface="Poppins"/>
+                <a:ea typeface="Poppins"/>
+                <a:cs typeface="Poppins"/>
+                <a:sym typeface="Poppins"/>
+              </a:rPr>
+              <a:t>Customer Satisfaction processing Hints</a:t>
+            </a:r>
+          </a:p>
+          <a:p>
+            <a:pPr marL="0" marR="0" lvl="0" indent="0" algn="l" rtl="0">
+              <a:spcBef>
+                <a:spcPts val="0"/>
+              </a:spcBef>
+              <a:spcAft>
+                <a:spcPts val="0"/>
+              </a:spcAft>
+              <a:buNone/>
+            </a:pPr>
+            <a:endParaRPr lang="pl-PL" sz="2800" b="1" dirty="0">
+              <a:solidFill>
+                <a:schemeClr val="dk1"/>
+              </a:solidFill>
+              <a:latin typeface="Poppins"/>
+              <a:ea typeface="Poppins"/>
+              <a:cs typeface="Poppins"/>
+              <a:sym typeface="Poppins"/>
+            </a:endParaRPr>
+          </a:p>
+        </p:txBody>
+      </p:sp>
+      <p:sp>
+        <p:nvSpPr>
+          <p:cNvPr id="5" name="pole tekstowe 4">
+            <a:extLst>
+              <a:ext uri="{FF2B5EF4-FFF2-40B4-BE49-F238E27FC236}">
+                <a16:creationId xmlns:a16="http://schemas.microsoft.com/office/drawing/2014/main" id="{902E6392-4006-09E6-0261-B5626D1A7ECA}"/>
+              </a:ext>
+            </a:extLst>
+          </p:cNvPr>
+          <p:cNvSpPr txBox="1"/>
+          <p:nvPr/>
+        </p:nvSpPr>
+        <p:spPr>
+          <a:xfrm>
+            <a:off x="507251" y="2228671"/>
+            <a:ext cx="5956123" cy="1477328"/>
+          </a:xfrm>
+          <a:prstGeom prst="rect">
+            <a:avLst/>
+          </a:prstGeom>
+          <a:noFill/>
+        </p:spPr>
+        <p:txBody>
+          <a:bodyPr wrap="square" rtlCol="0">
+            <a:spAutoFit/>
+          </a:bodyPr>
+          <a:lstStyle/>
+          <a:p>
+            <a:pPr marL="285750" indent="-285750">
+              <a:buFont typeface="Arial" panose="020B0604020202020204" pitchFamily="34" charset="0"/>
+              <a:buChar char="•"/>
+            </a:pPr>
+            <a:r>
+              <a:rPr lang="pl-PL" dirty="0" err="1">
+                <a:latin typeface="Poppins" panose="00000500000000000000" pitchFamily="2" charset="-18"/>
+                <a:cs typeface="Poppins" panose="00000500000000000000" pitchFamily="2" charset="-18"/>
+              </a:rPr>
+              <a:t>Extract</a:t>
+            </a:r>
+            <a:r>
+              <a:rPr lang="pl-PL" dirty="0">
+                <a:latin typeface="Poppins" panose="00000500000000000000" pitchFamily="2" charset="-18"/>
+                <a:cs typeface="Poppins" panose="00000500000000000000" pitchFamily="2" charset="-18"/>
+              </a:rPr>
+              <a:t> </a:t>
+            </a:r>
+            <a:r>
+              <a:rPr lang="pl-PL" dirty="0" err="1">
+                <a:latin typeface="Poppins" panose="00000500000000000000" pitchFamily="2" charset="-18"/>
+                <a:cs typeface="Poppins" panose="00000500000000000000" pitchFamily="2" charset="-18"/>
+              </a:rPr>
+              <a:t>all</a:t>
+            </a:r>
+            <a:r>
+              <a:rPr lang="pl-PL" dirty="0">
+                <a:latin typeface="Poppins" panose="00000500000000000000" pitchFamily="2" charset="-18"/>
+                <a:cs typeface="Poppins" panose="00000500000000000000" pitchFamily="2" charset="-18"/>
+              </a:rPr>
+              <a:t> </a:t>
+            </a:r>
+            <a:r>
+              <a:rPr lang="pl-PL" dirty="0" err="1">
+                <a:latin typeface="Poppins" panose="00000500000000000000" pitchFamily="2" charset="-18"/>
+                <a:cs typeface="Poppins" panose="00000500000000000000" pitchFamily="2" charset="-18"/>
+              </a:rPr>
+              <a:t>mentioned</a:t>
+            </a:r>
+            <a:r>
+              <a:rPr lang="pl-PL" dirty="0">
+                <a:latin typeface="Poppins" panose="00000500000000000000" pitchFamily="2" charset="-18"/>
+                <a:cs typeface="Poppins" panose="00000500000000000000" pitchFamily="2" charset="-18"/>
+              </a:rPr>
+              <a:t> </a:t>
+            </a:r>
+            <a:r>
+              <a:rPr lang="pl-PL" dirty="0" err="1">
+                <a:latin typeface="Poppins" panose="00000500000000000000" pitchFamily="2" charset="-18"/>
+                <a:cs typeface="Poppins" panose="00000500000000000000" pitchFamily="2" charset="-18"/>
+              </a:rPr>
+              <a:t>locations</a:t>
+            </a:r>
+            <a:r>
+              <a:rPr lang="pl-PL" dirty="0">
+                <a:latin typeface="Poppins" panose="00000500000000000000" pitchFamily="2" charset="-18"/>
+                <a:cs typeface="Poppins" panose="00000500000000000000" pitchFamily="2" charset="-18"/>
+              </a:rPr>
+              <a:t> with NER</a:t>
+            </a:r>
+          </a:p>
+          <a:p>
+            <a:pPr marL="285750" indent="-285750">
+              <a:buFont typeface="Arial" panose="020B0604020202020204" pitchFamily="34" charset="0"/>
+              <a:buChar char="•"/>
+            </a:pPr>
+            <a:r>
+              <a:rPr lang="pl-PL" dirty="0">
+                <a:latin typeface="Poppins" panose="00000500000000000000" pitchFamily="2" charset="-18"/>
+                <a:cs typeface="Poppins" panose="00000500000000000000" pitchFamily="2" charset="-18"/>
+              </a:rPr>
+              <a:t>LLM </a:t>
+            </a:r>
+            <a:r>
+              <a:rPr lang="pl-PL" dirty="0" err="1">
+                <a:latin typeface="Poppins" panose="00000500000000000000" pitchFamily="2" charset="-18"/>
+                <a:cs typeface="Poppins" panose="00000500000000000000" pitchFamily="2" charset="-18"/>
+              </a:rPr>
+              <a:t>classification</a:t>
+            </a:r>
+            <a:r>
+              <a:rPr lang="pl-PL" dirty="0">
+                <a:latin typeface="Poppins" panose="00000500000000000000" pitchFamily="2" charset="-18"/>
+                <a:cs typeface="Poppins" panose="00000500000000000000" pitchFamily="2" charset="-18"/>
+              </a:rPr>
+              <a:t> and </a:t>
+            </a:r>
+            <a:r>
+              <a:rPr lang="pl-PL" dirty="0" err="1">
+                <a:latin typeface="Poppins" panose="00000500000000000000" pitchFamily="2" charset="-18"/>
+                <a:cs typeface="Poppins" panose="00000500000000000000" pitchFamily="2" charset="-18"/>
+              </a:rPr>
+              <a:t>summary</a:t>
+            </a:r>
+            <a:r>
+              <a:rPr lang="pl-PL" dirty="0">
+                <a:latin typeface="Poppins" panose="00000500000000000000" pitchFamily="2" charset="-18"/>
+                <a:cs typeface="Poppins" panose="00000500000000000000" pitchFamily="2" charset="-18"/>
+              </a:rPr>
+              <a:t> </a:t>
+            </a:r>
+            <a:r>
+              <a:rPr lang="pl-PL" dirty="0" err="1">
+                <a:latin typeface="Poppins" panose="00000500000000000000" pitchFamily="2" charset="-18"/>
+                <a:cs typeface="Poppins" panose="00000500000000000000" pitchFamily="2" charset="-18"/>
+              </a:rPr>
+              <a:t>based</a:t>
+            </a:r>
+            <a:r>
+              <a:rPr lang="pl-PL" dirty="0">
+                <a:latin typeface="Poppins" panose="00000500000000000000" pitchFamily="2" charset="-18"/>
+                <a:cs typeface="Poppins" panose="00000500000000000000" pitchFamily="2" charset="-18"/>
+              </a:rPr>
+              <a:t> on </a:t>
+            </a:r>
+            <a:r>
+              <a:rPr lang="pl-PL" dirty="0" err="1">
+                <a:latin typeface="Poppins" panose="00000500000000000000" pitchFamily="2" charset="-18"/>
+                <a:cs typeface="Poppins" panose="00000500000000000000" pitchFamily="2" charset="-18"/>
+              </a:rPr>
+              <a:t>customizable</a:t>
+            </a:r>
+            <a:r>
+              <a:rPr lang="pl-PL" dirty="0">
+                <a:latin typeface="Poppins" panose="00000500000000000000" pitchFamily="2" charset="-18"/>
+                <a:cs typeface="Poppins" panose="00000500000000000000" pitchFamily="2" charset="-18"/>
+              </a:rPr>
+              <a:t> </a:t>
+            </a:r>
+            <a:r>
+              <a:rPr lang="pl-PL" dirty="0" err="1">
+                <a:latin typeface="Poppins" panose="00000500000000000000" pitchFamily="2" charset="-18"/>
+                <a:cs typeface="Poppins" panose="00000500000000000000" pitchFamily="2" charset="-18"/>
+              </a:rPr>
+              <a:t>prompt</a:t>
+            </a:r>
+            <a:endParaRPr lang="pl-PL" dirty="0">
+              <a:latin typeface="Poppins" panose="00000500000000000000" pitchFamily="2" charset="-18"/>
+              <a:cs typeface="Poppins" panose="00000500000000000000" pitchFamily="2" charset="-18"/>
+            </a:endParaRPr>
+          </a:p>
+          <a:p>
+            <a:pPr marL="285750" indent="-285750">
+              <a:buFont typeface="Arial" panose="020B0604020202020204" pitchFamily="34" charset="0"/>
+              <a:buChar char="•"/>
+            </a:pPr>
+            <a:r>
+              <a:rPr lang="pl-PL" dirty="0" err="1">
+                <a:latin typeface="Poppins" panose="00000500000000000000" pitchFamily="2" charset="-18"/>
+                <a:cs typeface="Poppins" panose="00000500000000000000" pitchFamily="2" charset="-18"/>
+              </a:rPr>
+              <a:t>Decide</a:t>
+            </a:r>
+            <a:r>
+              <a:rPr lang="pl-PL" dirty="0">
+                <a:latin typeface="Poppins" panose="00000500000000000000" pitchFamily="2" charset="-18"/>
+                <a:cs typeface="Poppins" panose="00000500000000000000" pitchFamily="2" charset="-18"/>
+              </a:rPr>
+              <a:t> </a:t>
+            </a:r>
+            <a:r>
+              <a:rPr lang="pl-PL" dirty="0" err="1">
+                <a:latin typeface="Poppins" panose="00000500000000000000" pitchFamily="2" charset="-18"/>
+                <a:cs typeface="Poppins" panose="00000500000000000000" pitchFamily="2" charset="-18"/>
+              </a:rPr>
+              <a:t>whether</a:t>
+            </a:r>
+            <a:r>
+              <a:rPr lang="pl-PL" dirty="0">
+                <a:latin typeface="Poppins" panose="00000500000000000000" pitchFamily="2" charset="-18"/>
+                <a:cs typeface="Poppins" panose="00000500000000000000" pitchFamily="2" charset="-18"/>
+              </a:rPr>
+              <a:t> to </a:t>
+            </a:r>
+            <a:r>
+              <a:rPr lang="pl-PL" dirty="0" err="1">
+                <a:latin typeface="Poppins" panose="00000500000000000000" pitchFamily="2" charset="-18"/>
+                <a:cs typeface="Poppins" panose="00000500000000000000" pitchFamily="2" charset="-18"/>
+              </a:rPr>
+              <a:t>assign</a:t>
+            </a:r>
+            <a:r>
+              <a:rPr lang="pl-PL" dirty="0">
+                <a:latin typeface="Poppins" panose="00000500000000000000" pitchFamily="2" charset="-18"/>
+                <a:cs typeface="Poppins" panose="00000500000000000000" pitchFamily="2" charset="-18"/>
+              </a:rPr>
+              <a:t> </a:t>
+            </a:r>
+            <a:r>
+              <a:rPr lang="pl-PL" dirty="0" err="1">
+                <a:latin typeface="Poppins" panose="00000500000000000000" pitchFamily="2" charset="-18"/>
+                <a:cs typeface="Poppins" panose="00000500000000000000" pitchFamily="2" charset="-18"/>
+              </a:rPr>
+              <a:t>discount</a:t>
+            </a:r>
+            <a:r>
+              <a:rPr lang="pl-PL" dirty="0">
+                <a:latin typeface="Poppins" panose="00000500000000000000" pitchFamily="2" charset="-18"/>
+                <a:cs typeface="Poppins" panose="00000500000000000000" pitchFamily="2" charset="-18"/>
+              </a:rPr>
+              <a:t> </a:t>
+            </a:r>
+            <a:r>
+              <a:rPr lang="pl-PL" dirty="0" err="1">
+                <a:latin typeface="Poppins" panose="00000500000000000000" pitchFamily="2" charset="-18"/>
+                <a:cs typeface="Poppins" panose="00000500000000000000" pitchFamily="2" charset="-18"/>
+              </a:rPr>
+              <a:t>or</a:t>
+            </a:r>
+            <a:r>
+              <a:rPr lang="pl-PL" dirty="0">
+                <a:latin typeface="Poppins" panose="00000500000000000000" pitchFamily="2" charset="-18"/>
+                <a:cs typeface="Poppins" panose="00000500000000000000" pitchFamily="2" charset="-18"/>
+              </a:rPr>
+              <a:t> </a:t>
+            </a:r>
+            <a:r>
+              <a:rPr lang="pl-PL" dirty="0" err="1">
+                <a:latin typeface="Poppins" panose="00000500000000000000" pitchFamily="2" charset="-18"/>
+                <a:cs typeface="Poppins" panose="00000500000000000000" pitchFamily="2" charset="-18"/>
+              </a:rPr>
+              <a:t>recommend</a:t>
+            </a:r>
+            <a:r>
+              <a:rPr lang="pl-PL" dirty="0">
+                <a:latin typeface="Poppins" panose="00000500000000000000" pitchFamily="2" charset="-18"/>
+                <a:cs typeface="Poppins" panose="00000500000000000000" pitchFamily="2" charset="-18"/>
+              </a:rPr>
+              <a:t> </a:t>
+            </a:r>
+            <a:r>
+              <a:rPr lang="pl-PL" dirty="0" err="1">
+                <a:latin typeface="Poppins" panose="00000500000000000000" pitchFamily="2" charset="-18"/>
+                <a:cs typeface="Poppins" panose="00000500000000000000" pitchFamily="2" charset="-18"/>
+              </a:rPr>
+              <a:t>next</a:t>
+            </a:r>
+            <a:r>
+              <a:rPr lang="pl-PL" dirty="0">
+                <a:latin typeface="Poppins" panose="00000500000000000000" pitchFamily="2" charset="-18"/>
+                <a:cs typeface="Poppins" panose="00000500000000000000" pitchFamily="2" charset="-18"/>
+              </a:rPr>
+              <a:t> </a:t>
+            </a:r>
+            <a:r>
+              <a:rPr lang="pl-PL" dirty="0" err="1">
+                <a:latin typeface="Poppins" panose="00000500000000000000" pitchFamily="2" charset="-18"/>
+                <a:cs typeface="Poppins" panose="00000500000000000000" pitchFamily="2" charset="-18"/>
+              </a:rPr>
+              <a:t>trip</a:t>
+            </a:r>
+            <a:r>
+              <a:rPr lang="pl-PL" dirty="0">
+                <a:latin typeface="Poppins" panose="00000500000000000000" pitchFamily="2" charset="-18"/>
+                <a:cs typeface="Poppins" panose="00000500000000000000" pitchFamily="2" charset="-18"/>
+              </a:rPr>
+              <a:t> </a:t>
+            </a:r>
+            <a:endParaRPr lang="en-GB" dirty="0">
+              <a:latin typeface="Poppins" panose="00000500000000000000" pitchFamily="2" charset="-18"/>
+              <a:cs typeface="Poppins" panose="00000500000000000000" pitchFamily="2" charset="-18"/>
+            </a:endParaRPr>
+          </a:p>
+        </p:txBody>
+      </p:sp>
+      <p:sp>
+        <p:nvSpPr>
+          <p:cNvPr id="7" name="pole tekstowe 6">
+            <a:extLst>
+              <a:ext uri="{FF2B5EF4-FFF2-40B4-BE49-F238E27FC236}">
+                <a16:creationId xmlns:a16="http://schemas.microsoft.com/office/drawing/2014/main" id="{AE94B350-19A1-4B98-8EBE-E1EE73EEC047}"/>
+              </a:ext>
+            </a:extLst>
+          </p:cNvPr>
+          <p:cNvSpPr txBox="1"/>
+          <p:nvPr/>
+        </p:nvSpPr>
+        <p:spPr>
+          <a:xfrm>
+            <a:off x="654208" y="4417594"/>
+            <a:ext cx="4377846" cy="1200329"/>
+          </a:xfrm>
+          <a:prstGeom prst="rect">
+            <a:avLst/>
+          </a:prstGeom>
+          <a:noFill/>
+        </p:spPr>
+        <p:txBody>
+          <a:bodyPr wrap="square" rtlCol="0">
+            <a:spAutoFit/>
+          </a:bodyPr>
+          <a:lstStyle/>
+          <a:p>
+            <a:r>
+              <a:rPr lang="pl-PL" dirty="0">
+                <a:latin typeface="Poppins" panose="00000500000000000000" pitchFamily="2" charset="-18"/>
+                <a:cs typeface="Poppins" panose="00000500000000000000" pitchFamily="2" charset="-18"/>
+              </a:rPr>
+              <a:t>DATA</a:t>
+            </a:r>
+          </a:p>
+          <a:p>
+            <a:pPr marL="285750" indent="-285750">
+              <a:buFont typeface="Arial" panose="020B0604020202020204" pitchFamily="34" charset="0"/>
+              <a:buChar char="•"/>
+            </a:pPr>
+            <a:r>
+              <a:rPr lang="pl-PL" dirty="0">
+                <a:latin typeface="Poppins" panose="00000500000000000000" pitchFamily="2" charset="-18"/>
+                <a:cs typeface="Poppins" panose="00000500000000000000" pitchFamily="2" charset="-18"/>
+              </a:rPr>
+              <a:t>500 </a:t>
+            </a:r>
+            <a:r>
+              <a:rPr lang="pl-PL" dirty="0" err="1">
+                <a:latin typeface="Poppins" panose="00000500000000000000" pitchFamily="2" charset="-18"/>
+                <a:cs typeface="Poppins" panose="00000500000000000000" pitchFamily="2" charset="-18"/>
+              </a:rPr>
+              <a:t>customer</a:t>
+            </a:r>
+            <a:r>
+              <a:rPr lang="pl-PL" dirty="0">
+                <a:latin typeface="Poppins" panose="00000500000000000000" pitchFamily="2" charset="-18"/>
+                <a:cs typeface="Poppins" panose="00000500000000000000" pitchFamily="2" charset="-18"/>
+              </a:rPr>
+              <a:t> </a:t>
+            </a:r>
+            <a:r>
+              <a:rPr lang="pl-PL" dirty="0" err="1">
+                <a:latin typeface="Poppins" panose="00000500000000000000" pitchFamily="2" charset="-18"/>
+                <a:cs typeface="Poppins" panose="00000500000000000000" pitchFamily="2" charset="-18"/>
+              </a:rPr>
+              <a:t>reviews</a:t>
+            </a:r>
+            <a:r>
+              <a:rPr lang="pl-PL" dirty="0">
+                <a:latin typeface="Poppins" panose="00000500000000000000" pitchFamily="2" charset="-18"/>
+                <a:cs typeface="Poppins" panose="00000500000000000000" pitchFamily="2" charset="-18"/>
+              </a:rPr>
+              <a:t> with </a:t>
+            </a:r>
+            <a:r>
+              <a:rPr lang="pl-PL" dirty="0" err="1">
+                <a:latin typeface="Poppins" panose="00000500000000000000" pitchFamily="2" charset="-18"/>
+                <a:cs typeface="Poppins" panose="00000500000000000000" pitchFamily="2" charset="-18"/>
+              </a:rPr>
+              <a:t>golden</a:t>
+            </a:r>
+            <a:r>
+              <a:rPr lang="pl-PL" dirty="0">
+                <a:latin typeface="Poppins" panose="00000500000000000000" pitchFamily="2" charset="-18"/>
+                <a:cs typeface="Poppins" panose="00000500000000000000" pitchFamily="2" charset="-18"/>
+              </a:rPr>
+              <a:t> </a:t>
+            </a:r>
+            <a:r>
+              <a:rPr lang="pl-PL" dirty="0" err="1">
+                <a:latin typeface="Poppins" panose="00000500000000000000" pitchFamily="2" charset="-18"/>
+                <a:cs typeface="Poppins" panose="00000500000000000000" pitchFamily="2" charset="-18"/>
+              </a:rPr>
+              <a:t>labels</a:t>
+            </a:r>
+            <a:endParaRPr lang="pl-PL" dirty="0">
+              <a:latin typeface="Poppins" panose="00000500000000000000" pitchFamily="2" charset="-18"/>
+              <a:cs typeface="Poppins" panose="00000500000000000000" pitchFamily="2" charset="-18"/>
+            </a:endParaRPr>
+          </a:p>
+          <a:p>
+            <a:pPr marL="285750" indent="-285750">
+              <a:buFont typeface="Arial" panose="020B0604020202020204" pitchFamily="34" charset="0"/>
+              <a:buChar char="•"/>
+            </a:pPr>
+            <a:r>
+              <a:rPr lang="pl-PL" dirty="0" err="1">
+                <a:latin typeface="Poppins" panose="00000500000000000000" pitchFamily="2" charset="-18"/>
+                <a:cs typeface="Poppins" panose="00000500000000000000" pitchFamily="2" charset="-18"/>
+              </a:rPr>
+              <a:t>Available</a:t>
+            </a:r>
+            <a:r>
+              <a:rPr lang="pl-PL" dirty="0">
+                <a:latin typeface="Poppins" panose="00000500000000000000" pitchFamily="2" charset="-18"/>
+                <a:cs typeface="Poppins" panose="00000500000000000000" pitchFamily="2" charset="-18"/>
+              </a:rPr>
+              <a:t> </a:t>
+            </a:r>
+            <a:r>
+              <a:rPr lang="pl-PL" dirty="0" err="1">
+                <a:latin typeface="Poppins" panose="00000500000000000000" pitchFamily="2" charset="-18"/>
+                <a:cs typeface="Poppins" panose="00000500000000000000" pitchFamily="2" charset="-18"/>
+              </a:rPr>
+              <a:t>trips</a:t>
+            </a:r>
+            <a:r>
+              <a:rPr lang="pl-PL" dirty="0">
+                <a:latin typeface="Poppins" panose="00000500000000000000" pitchFamily="2" charset="-18"/>
+                <a:cs typeface="Poppins" panose="00000500000000000000" pitchFamily="2" charset="-18"/>
+              </a:rPr>
+              <a:t> </a:t>
+            </a:r>
+            <a:r>
+              <a:rPr lang="pl-PL" dirty="0" err="1">
+                <a:latin typeface="Poppins" panose="00000500000000000000" pitchFamily="2" charset="-18"/>
+                <a:cs typeface="Poppins" panose="00000500000000000000" pitchFamily="2" charset="-18"/>
+              </a:rPr>
+              <a:t>csv</a:t>
+            </a:r>
+            <a:endParaRPr lang="en-GB" dirty="0">
+              <a:latin typeface="Poppins" panose="00000500000000000000" pitchFamily="2" charset="-18"/>
+              <a:cs typeface="Poppins" panose="00000500000000000000" pitchFamily="2" charset="-18"/>
+            </a:endParaRPr>
+          </a:p>
+        </p:txBody>
+      </p:sp>
+    </p:spTree>
+    <p:extLst>
+      <p:ext uri="{BB962C8B-B14F-4D97-AF65-F5344CB8AC3E}">
+        <p14:creationId xmlns:p14="http://schemas.microsoft.com/office/powerpoint/2010/main" val="1520590844"/>
       </p:ext>
     </p:extLst>
   </p:cSld>
